--- a/Livrable3/ppt-livrable3.pptx
+++ b/Livrable3/ppt-livrable3.pptx
@@ -5,12 +5,13 @@
     <p:sldMasterId id="2147483648" r:id="rId1"/>
   </p:sldMasterIdLst>
   <p:notesMasterIdLst>
-    <p:notesMasterId r:id="rId5"/>
+    <p:notesMasterId r:id="rId6"/>
   </p:notesMasterIdLst>
   <p:sldIdLst>
     <p:sldId id="267" r:id="rId2"/>
     <p:sldId id="269" r:id="rId3"/>
     <p:sldId id="258" r:id="rId4"/>
+    <p:sldId id="270" r:id="rId5"/>
   </p:sldIdLst>
   <p:sldSz cx="12192000" cy="6858000"/>
   <p:notesSz cx="7559675" cy="10691813"/>
@@ -117,6 +118,5466 @@
 </p:presentation>
 </file>
 
+<file path=ppt/charts/chart1.xml><?xml version="1.0" encoding="utf-8"?>
+<c:chartSpace xmlns:c="http://schemas.openxmlformats.org/drawingml/2006/chart" xmlns:a="http://schemas.openxmlformats.org/drawingml/2006/main" xmlns:r="http://schemas.openxmlformats.org/officeDocument/2006/relationships" xmlns:c16r2="http://schemas.microsoft.com/office/drawing/2015/06/chart">
+  <c:date1904 val="0"/>
+  <c:lang val="fr-FR"/>
+  <c:roundedCorners val="0"/>
+  <mc:AlternateContent xmlns:mc="http://schemas.openxmlformats.org/markup-compatibility/2006">
+    <mc:Choice xmlns:c14="http://schemas.microsoft.com/office/drawing/2007/8/2/chart" Requires="c14">
+      <c14:style val="102"/>
+    </mc:Choice>
+    <mc:Fallback>
+      <c:style val="2"/>
+    </mc:Fallback>
+  </mc:AlternateContent>
+  <c:chart>
+    <c:title>
+      <c:overlay val="0"/>
+      <c:spPr>
+        <a:noFill/>
+        <a:ln>
+          <a:noFill/>
+        </a:ln>
+        <a:effectLst/>
+      </c:spPr>
+      <c:txPr>
+        <a:bodyPr rot="0" spcFirstLastPara="1" vertOverflow="ellipsis" vert="horz" wrap="square" anchor="ctr" anchorCtr="1"/>
+        <a:lstStyle/>
+        <a:p>
+          <a:pPr>
+            <a:defRPr sz="2200" b="1" i="0" u="none" strike="noStrike" kern="1200" baseline="0">
+              <a:solidFill>
+                <a:schemeClr val="dk1">
+                  <a:lumMod val="75000"/>
+                  <a:lumOff val="25000"/>
+                </a:schemeClr>
+              </a:solidFill>
+              <a:latin typeface="+mn-lt"/>
+              <a:ea typeface="+mn-ea"/>
+              <a:cs typeface="+mn-cs"/>
+            </a:defRPr>
+          </a:pPr>
+          <a:endParaRPr lang="fr-FR"/>
+        </a:p>
+      </c:txPr>
+    </c:title>
+    <c:autoTitleDeleted val="0"/>
+    <c:plotArea>
+      <c:layout/>
+      <c:pieChart>
+        <c:varyColors val="1"/>
+        <c:ser>
+          <c:idx val="0"/>
+          <c:order val="0"/>
+          <c:tx>
+            <c:strRef>
+              <c:f>Feuil1!$B$1</c:f>
+              <c:strCache>
+                <c:ptCount val="1"/>
+                <c:pt idx="0">
+                  <c:v>Coûts</c:v>
+                </c:pt>
+              </c:strCache>
+            </c:strRef>
+          </c:tx>
+          <c:dPt>
+            <c:idx val="0"/>
+            <c:bubble3D val="0"/>
+            <c:spPr>
+              <a:solidFill>
+                <a:schemeClr val="accent1"/>
+              </a:solidFill>
+              <a:ln>
+                <a:noFill/>
+              </a:ln>
+              <a:effectLst>
+                <a:outerShdw blurRad="254000" sx="102000" sy="102000" algn="ctr" rotWithShape="0">
+                  <a:prstClr val="black">
+                    <a:alpha val="20000"/>
+                  </a:prstClr>
+                </a:outerShdw>
+              </a:effectLst>
+            </c:spPr>
+          </c:dPt>
+          <c:dPt>
+            <c:idx val="1"/>
+            <c:bubble3D val="0"/>
+            <c:spPr>
+              <a:solidFill>
+                <a:schemeClr val="accent2"/>
+              </a:solidFill>
+              <a:ln>
+                <a:noFill/>
+              </a:ln>
+              <a:effectLst>
+                <a:outerShdw blurRad="254000" sx="102000" sy="102000" algn="ctr" rotWithShape="0">
+                  <a:prstClr val="black">
+                    <a:alpha val="20000"/>
+                  </a:prstClr>
+                </a:outerShdw>
+              </a:effectLst>
+            </c:spPr>
+          </c:dPt>
+          <c:dPt>
+            <c:idx val="2"/>
+            <c:bubble3D val="0"/>
+            <c:spPr>
+              <a:solidFill>
+                <a:schemeClr val="accent3"/>
+              </a:solidFill>
+              <a:ln>
+                <a:noFill/>
+              </a:ln>
+              <a:effectLst>
+                <a:outerShdw blurRad="254000" sx="102000" sy="102000" algn="ctr" rotWithShape="0">
+                  <a:prstClr val="black">
+                    <a:alpha val="20000"/>
+                  </a:prstClr>
+                </a:outerShdw>
+              </a:effectLst>
+            </c:spPr>
+          </c:dPt>
+          <c:dPt>
+            <c:idx val="3"/>
+            <c:bubble3D val="0"/>
+            <c:spPr>
+              <a:solidFill>
+                <a:schemeClr val="accent4"/>
+              </a:solidFill>
+              <a:ln>
+                <a:noFill/>
+              </a:ln>
+              <a:effectLst>
+                <a:outerShdw blurRad="254000" sx="102000" sy="102000" algn="ctr" rotWithShape="0">
+                  <a:prstClr val="black">
+                    <a:alpha val="20000"/>
+                  </a:prstClr>
+                </a:outerShdw>
+              </a:effectLst>
+            </c:spPr>
+          </c:dPt>
+          <c:dLbls>
+            <c:spPr>
+              <a:pattFill prst="pct75">
+                <a:fgClr>
+                  <a:schemeClr val="dk1">
+                    <a:lumMod val="75000"/>
+                    <a:lumOff val="25000"/>
+                  </a:schemeClr>
+                </a:fgClr>
+                <a:bgClr>
+                  <a:schemeClr val="dk1">
+                    <a:lumMod val="65000"/>
+                    <a:lumOff val="35000"/>
+                  </a:schemeClr>
+                </a:bgClr>
+              </a:pattFill>
+              <a:ln>
+                <a:noFill/>
+              </a:ln>
+              <a:effectLst>
+                <a:outerShdw blurRad="50800" dist="38100" dir="2700000" algn="tl" rotWithShape="0">
+                  <a:prstClr val="black">
+                    <a:alpha val="40000"/>
+                  </a:prstClr>
+                </a:outerShdw>
+              </a:effectLst>
+            </c:spPr>
+            <c:txPr>
+              <a:bodyPr rot="0" spcFirstLastPara="1" vertOverflow="ellipsis" vert="horz" wrap="square" lIns="38100" tIns="19050" rIns="38100" bIns="19050" anchor="ctr" anchorCtr="1">
+                <a:spAutoFit/>
+              </a:bodyPr>
+              <a:lstStyle/>
+              <a:p>
+                <a:pPr>
+                  <a:defRPr sz="1330" b="1" i="0" u="none" strike="noStrike" kern="1200" baseline="0">
+                    <a:solidFill>
+                      <a:schemeClr val="lt1"/>
+                    </a:solidFill>
+                    <a:latin typeface="+mn-lt"/>
+                    <a:ea typeface="+mn-ea"/>
+                    <a:cs typeface="+mn-cs"/>
+                  </a:defRPr>
+                </a:pPr>
+                <a:endParaRPr lang="fr-FR"/>
+              </a:p>
+            </c:txPr>
+            <c:dLblPos val="ctr"/>
+            <c:showLegendKey val="0"/>
+            <c:showVal val="0"/>
+            <c:showCatName val="0"/>
+            <c:showSerName val="0"/>
+            <c:showPercent val="1"/>
+            <c:showBubbleSize val="0"/>
+            <c:showLeaderLines val="1"/>
+            <c:leaderLines>
+              <c:spPr>
+                <a:ln w="9525">
+                  <a:solidFill>
+                    <a:schemeClr val="dk1">
+                      <a:lumMod val="50000"/>
+                      <a:lumOff val="50000"/>
+                    </a:schemeClr>
+                  </a:solidFill>
+                </a:ln>
+                <a:effectLst/>
+              </c:spPr>
+            </c:leaderLines>
+            <c:extLst>
+              <c:ext xmlns:c15="http://schemas.microsoft.com/office/drawing/2012/chart" uri="{CE6537A1-D6FC-4f65-9D91-7224C49458BB}"/>
+            </c:extLst>
+          </c:dLbls>
+          <c:cat>
+            <c:strRef>
+              <c:f>Feuil1!$A$2:$A$5</c:f>
+              <c:strCache>
+                <c:ptCount val="4"/>
+                <c:pt idx="0">
+                  <c:v>Phases du projet</c:v>
+                </c:pt>
+                <c:pt idx="1">
+                  <c:v>Formation des commerciaux (15 commerciaux)</c:v>
+                </c:pt>
+                <c:pt idx="2">
+                  <c:v>Achat d'un serveur</c:v>
+                </c:pt>
+                <c:pt idx="3">
+                  <c:v>Primes</c:v>
+                </c:pt>
+              </c:strCache>
+            </c:strRef>
+          </c:cat>
+          <c:val>
+            <c:numRef>
+              <c:f>Feuil1!$B$2:$B$5</c:f>
+              <c:numCache>
+                <c:formatCode>General</c:formatCode>
+                <c:ptCount val="4"/>
+                <c:pt idx="0">
+                  <c:v>90250</c:v>
+                </c:pt>
+                <c:pt idx="1">
+                  <c:v>3000</c:v>
+                </c:pt>
+                <c:pt idx="2">
+                  <c:v>3000</c:v>
+                </c:pt>
+                <c:pt idx="3">
+                  <c:v>8000</c:v>
+                </c:pt>
+              </c:numCache>
+            </c:numRef>
+          </c:val>
+          <c:extLst>
+            <c:ext xmlns:c16="http://schemas.microsoft.com/office/drawing/2014/chart" uri="{C3380CC4-5D6E-409C-BE32-E72D297353CC}">
+              <c16:uniqueId val="{00000000-C9FE-4BF0-98BC-D6BAF335D319}"/>
+            </c:ext>
+          </c:extLst>
+        </c:ser>
+        <c:dLbls>
+          <c:dLblPos val="ctr"/>
+          <c:showLegendKey val="0"/>
+          <c:showVal val="0"/>
+          <c:showCatName val="0"/>
+          <c:showSerName val="0"/>
+          <c:showPercent val="1"/>
+          <c:showBubbleSize val="0"/>
+          <c:showLeaderLines val="1"/>
+        </c:dLbls>
+        <c:firstSliceAng val="0"/>
+      </c:pieChart>
+      <c:spPr>
+        <a:noFill/>
+        <a:ln>
+          <a:noFill/>
+        </a:ln>
+        <a:effectLst/>
+      </c:spPr>
+    </c:plotArea>
+    <c:legend>
+      <c:legendPos val="r"/>
+      <c:overlay val="0"/>
+      <c:spPr>
+        <a:solidFill>
+          <a:schemeClr val="lt1">
+            <a:lumMod val="95000"/>
+            <a:alpha val="39000"/>
+          </a:schemeClr>
+        </a:solidFill>
+        <a:ln>
+          <a:noFill/>
+        </a:ln>
+        <a:effectLst/>
+      </c:spPr>
+      <c:txPr>
+        <a:bodyPr rot="0" spcFirstLastPara="1" vertOverflow="ellipsis" vert="horz" wrap="square" anchor="ctr" anchorCtr="1"/>
+        <a:lstStyle/>
+        <a:p>
+          <a:pPr>
+            <a:defRPr sz="1197" b="0" i="0" u="none" strike="noStrike" kern="1200" baseline="0">
+              <a:solidFill>
+                <a:schemeClr val="dk1">
+                  <a:lumMod val="75000"/>
+                  <a:lumOff val="25000"/>
+                </a:schemeClr>
+              </a:solidFill>
+              <a:latin typeface="+mn-lt"/>
+              <a:ea typeface="+mn-ea"/>
+              <a:cs typeface="+mn-cs"/>
+            </a:defRPr>
+          </a:pPr>
+          <a:endParaRPr lang="fr-FR"/>
+        </a:p>
+      </c:txPr>
+    </c:legend>
+    <c:plotVisOnly val="1"/>
+    <c:dispBlanksAs val="gap"/>
+    <c:extLst>
+      <c:ext xmlns:c16r3="http://schemas.microsoft.com/office/drawing/2017/03/chart" uri="{56B9EC1D-385E-4148-901F-78D8002777C0}">
+        <c16r3:dataDisplayOptions16>
+          <c16r3:dispNaAsBlank val="1"/>
+        </c16r3:dataDisplayOptions16>
+      </c:ext>
+    </c:extLst>
+    <c:showDLblsOverMax val="0"/>
+  </c:chart>
+  <c:spPr>
+    <a:gradFill flip="none" rotWithShape="1">
+      <a:gsLst>
+        <a:gs pos="0">
+          <a:schemeClr val="lt1"/>
+        </a:gs>
+        <a:gs pos="39000">
+          <a:schemeClr val="lt1"/>
+        </a:gs>
+        <a:gs pos="100000">
+          <a:schemeClr val="lt1">
+            <a:lumMod val="75000"/>
+          </a:schemeClr>
+        </a:gs>
+      </a:gsLst>
+      <a:path path="circle">
+        <a:fillToRect l="50000" t="-80000" r="50000" b="180000"/>
+      </a:path>
+      <a:tileRect/>
+    </a:gradFill>
+    <a:ln w="9525" cap="flat" cmpd="sng" algn="ctr">
+      <a:solidFill>
+        <a:schemeClr val="dk1">
+          <a:lumMod val="25000"/>
+          <a:lumOff val="75000"/>
+        </a:schemeClr>
+      </a:solidFill>
+      <a:round/>
+    </a:ln>
+    <a:effectLst/>
+  </c:spPr>
+  <c:txPr>
+    <a:bodyPr/>
+    <a:lstStyle/>
+    <a:p>
+      <a:pPr>
+        <a:defRPr/>
+      </a:pPr>
+      <a:endParaRPr lang="fr-FR"/>
+    </a:p>
+  </c:txPr>
+  <c:externalData r:id="rId3">
+    <c:autoUpdate val="0"/>
+  </c:externalData>
+</c:chartSpace>
+</file>
+
+<file path=ppt/charts/chart2.xml><?xml version="1.0" encoding="utf-8"?>
+<c:chartSpace xmlns:c="http://schemas.openxmlformats.org/drawingml/2006/chart" xmlns:a="http://schemas.openxmlformats.org/drawingml/2006/main" xmlns:r="http://schemas.openxmlformats.org/officeDocument/2006/relationships" xmlns:c16r2="http://schemas.microsoft.com/office/drawing/2015/06/chart">
+  <c:date1904 val="0"/>
+  <c:lang val="fr-FR"/>
+  <c:roundedCorners val="0"/>
+  <mc:AlternateContent xmlns:mc="http://schemas.openxmlformats.org/markup-compatibility/2006">
+    <mc:Choice xmlns:c14="http://schemas.microsoft.com/office/drawing/2007/8/2/chart" Requires="c14">
+      <c14:style val="102"/>
+    </mc:Choice>
+    <mc:Fallback>
+      <c:style val="2"/>
+    </mc:Fallback>
+  </mc:AlternateContent>
+  <c:chart>
+    <c:title>
+      <c:tx>
+        <c:rich>
+          <a:bodyPr rot="0" spcFirstLastPara="1" vertOverflow="ellipsis" vert="horz" wrap="square" anchor="ctr" anchorCtr="1"/>
+          <a:lstStyle/>
+          <a:p>
+            <a:pPr>
+              <a:defRPr sz="1400" b="0" i="0" u="none" strike="noStrike" kern="1200" spc="0" baseline="0">
+                <a:solidFill>
+                  <a:schemeClr val="tx1">
+                    <a:lumMod val="65000"/>
+                    <a:lumOff val="35000"/>
+                  </a:schemeClr>
+                </a:solidFill>
+                <a:latin typeface="+mn-lt"/>
+                <a:ea typeface="+mn-ea"/>
+                <a:cs typeface="+mn-cs"/>
+              </a:defRPr>
+            </a:pPr>
+            <a:r>
+              <a:rPr lang="fr-FR"/>
+              <a:t>Pareto des coûts par tâche</a:t>
+            </a:r>
+          </a:p>
+        </c:rich>
+      </c:tx>
+      <c:overlay val="0"/>
+      <c:spPr>
+        <a:noFill/>
+        <a:ln>
+          <a:noFill/>
+        </a:ln>
+        <a:effectLst/>
+      </c:spPr>
+      <c:txPr>
+        <a:bodyPr rot="0" spcFirstLastPara="1" vertOverflow="ellipsis" vert="horz" wrap="square" anchor="ctr" anchorCtr="1"/>
+        <a:lstStyle/>
+        <a:p>
+          <a:pPr>
+            <a:defRPr sz="1400" b="0" i="0" u="none" strike="noStrike" kern="1200" spc="0" baseline="0">
+              <a:solidFill>
+                <a:schemeClr val="tx1">
+                  <a:lumMod val="65000"/>
+                  <a:lumOff val="35000"/>
+                </a:schemeClr>
+              </a:solidFill>
+              <a:latin typeface="+mn-lt"/>
+              <a:ea typeface="+mn-ea"/>
+              <a:cs typeface="+mn-cs"/>
+            </a:defRPr>
+          </a:pPr>
+          <a:endParaRPr lang="fr-FR"/>
+        </a:p>
+      </c:txPr>
+    </c:title>
+    <c:autoTitleDeleted val="0"/>
+    <c:plotArea>
+      <c:layout/>
+      <c:barChart>
+        <c:barDir val="col"/>
+        <c:grouping val="clustered"/>
+        <c:varyColors val="0"/>
+        <c:ser>
+          <c:idx val="0"/>
+          <c:order val="0"/>
+          <c:spPr>
+            <a:solidFill>
+              <a:schemeClr val="accent1"/>
+            </a:solidFill>
+            <a:ln>
+              <a:noFill/>
+            </a:ln>
+            <a:effectLst/>
+          </c:spPr>
+          <c:invertIfNegative val="0"/>
+          <c:cat>
+            <c:strRef>
+              <c:f>Feuil1!$G$56:$G$86</c:f>
+              <c:strCache>
+                <c:ptCount val="31"/>
+                <c:pt idx="0">
+                  <c:v>BB</c:v>
+                </c:pt>
+                <c:pt idx="1">
+                  <c:v>DD</c:v>
+                </c:pt>
+                <c:pt idx="2">
+                  <c:v>FF</c:v>
+                </c:pt>
+                <c:pt idx="3">
+                  <c:v>O</c:v>
+                </c:pt>
+                <c:pt idx="4">
+                  <c:v>U</c:v>
+                </c:pt>
+                <c:pt idx="5">
+                  <c:v>V</c:v>
+                </c:pt>
+                <c:pt idx="6">
+                  <c:v>X</c:v>
+                </c:pt>
+                <c:pt idx="7">
+                  <c:v>M</c:v>
+                </c:pt>
+                <c:pt idx="8">
+                  <c:v>Q</c:v>
+                </c:pt>
+                <c:pt idx="9">
+                  <c:v>T</c:v>
+                </c:pt>
+                <c:pt idx="10">
+                  <c:v>Z</c:v>
+                </c:pt>
+                <c:pt idx="11">
+                  <c:v>K</c:v>
+                </c:pt>
+                <c:pt idx="12">
+                  <c:v>L</c:v>
+                </c:pt>
+                <c:pt idx="13">
+                  <c:v>N</c:v>
+                </c:pt>
+                <c:pt idx="14">
+                  <c:v>Y</c:v>
+                </c:pt>
+                <c:pt idx="15">
+                  <c:v>J</c:v>
+                </c:pt>
+                <c:pt idx="16">
+                  <c:v>S</c:v>
+                </c:pt>
+                <c:pt idx="17">
+                  <c:v>EE</c:v>
+                </c:pt>
+                <c:pt idx="18">
+                  <c:v>E</c:v>
+                </c:pt>
+                <c:pt idx="19">
+                  <c:v>R</c:v>
+                </c:pt>
+                <c:pt idx="20">
+                  <c:v>CC</c:v>
+                </c:pt>
+                <c:pt idx="21">
+                  <c:v>B</c:v>
+                </c:pt>
+                <c:pt idx="22">
+                  <c:v>G</c:v>
+                </c:pt>
+                <c:pt idx="23">
+                  <c:v>A</c:v>
+                </c:pt>
+                <c:pt idx="24">
+                  <c:v>C</c:v>
+                </c:pt>
+                <c:pt idx="25">
+                  <c:v>D</c:v>
+                </c:pt>
+                <c:pt idx="26">
+                  <c:v>F</c:v>
+                </c:pt>
+                <c:pt idx="27">
+                  <c:v>H</c:v>
+                </c:pt>
+                <c:pt idx="28">
+                  <c:v>I</c:v>
+                </c:pt>
+                <c:pt idx="29">
+                  <c:v>P</c:v>
+                </c:pt>
+                <c:pt idx="30">
+                  <c:v>AA</c:v>
+                </c:pt>
+              </c:strCache>
+            </c:strRef>
+          </c:cat>
+          <c:val>
+            <c:numRef>
+              <c:f>Feuil1!$H$56:$H$86</c:f>
+              <c:numCache>
+                <c:formatCode>General</c:formatCode>
+                <c:ptCount val="31"/>
+                <c:pt idx="0">
+                  <c:v>23100</c:v>
+                </c:pt>
+                <c:pt idx="1">
+                  <c:v>16500</c:v>
+                </c:pt>
+                <c:pt idx="2">
+                  <c:v>3300</c:v>
+                </c:pt>
+                <c:pt idx="3">
+                  <c:v>2400</c:v>
+                </c:pt>
+                <c:pt idx="4">
+                  <c:v>2400</c:v>
+                </c:pt>
+                <c:pt idx="5">
+                  <c:v>2400</c:v>
+                </c:pt>
+                <c:pt idx="6">
+                  <c:v>2400</c:v>
+                </c:pt>
+                <c:pt idx="7">
+                  <c:v>2100</c:v>
+                </c:pt>
+                <c:pt idx="8">
+                  <c:v>2100</c:v>
+                </c:pt>
+                <c:pt idx="9">
+                  <c:v>2100</c:v>
+                </c:pt>
+                <c:pt idx="10">
+                  <c:v>2100</c:v>
+                </c:pt>
+                <c:pt idx="11">
+                  <c:v>1800</c:v>
+                </c:pt>
+                <c:pt idx="12">
+                  <c:v>1800</c:v>
+                </c:pt>
+                <c:pt idx="13">
+                  <c:v>1800</c:v>
+                </c:pt>
+                <c:pt idx="14">
+                  <c:v>1800</c:v>
+                </c:pt>
+                <c:pt idx="15">
+                  <c:v>1650</c:v>
+                </c:pt>
+                <c:pt idx="16">
+                  <c:v>1650</c:v>
+                </c:pt>
+                <c:pt idx="17">
+                  <c:v>1650</c:v>
+                </c:pt>
+                <c:pt idx="18">
+                  <c:v>1600</c:v>
+                </c:pt>
+                <c:pt idx="19">
+                  <c:v>1600</c:v>
+                </c:pt>
+                <c:pt idx="20">
+                  <c:v>1600</c:v>
+                </c:pt>
+                <c:pt idx="21">
+                  <c:v>1400</c:v>
+                </c:pt>
+                <c:pt idx="22">
+                  <c:v>1400</c:v>
+                </c:pt>
+                <c:pt idx="23">
+                  <c:v>1200</c:v>
+                </c:pt>
+                <c:pt idx="24">
+                  <c:v>1200</c:v>
+                </c:pt>
+                <c:pt idx="25">
+                  <c:v>1200</c:v>
+                </c:pt>
+                <c:pt idx="26">
+                  <c:v>1200</c:v>
+                </c:pt>
+                <c:pt idx="27">
+                  <c:v>1200</c:v>
+                </c:pt>
+                <c:pt idx="28">
+                  <c:v>1200</c:v>
+                </c:pt>
+                <c:pt idx="29">
+                  <c:v>1200</c:v>
+                </c:pt>
+                <c:pt idx="30">
+                  <c:v>1200</c:v>
+                </c:pt>
+              </c:numCache>
+            </c:numRef>
+          </c:val>
+          <c:extLst>
+            <c:ext xmlns:c16="http://schemas.microsoft.com/office/drawing/2014/chart" uri="{C3380CC4-5D6E-409C-BE32-E72D297353CC}">
+              <c16:uniqueId val="{00000000-DCAE-4973-A536-013201609B34}"/>
+            </c:ext>
+          </c:extLst>
+        </c:ser>
+        <c:dLbls>
+          <c:showLegendKey val="0"/>
+          <c:showVal val="0"/>
+          <c:showCatName val="0"/>
+          <c:showSerName val="0"/>
+          <c:showPercent val="0"/>
+          <c:showBubbleSize val="0"/>
+        </c:dLbls>
+        <c:gapWidth val="219"/>
+        <c:axId val="714982576"/>
+        <c:axId val="709325696"/>
+      </c:barChart>
+      <c:catAx>
+        <c:axId val="714982576"/>
+        <c:scaling>
+          <c:orientation val="minMax"/>
+        </c:scaling>
+        <c:delete val="0"/>
+        <c:axPos val="b"/>
+        <c:title>
+          <c:tx>
+            <c:rich>
+              <a:bodyPr rot="0" spcFirstLastPara="1" vertOverflow="ellipsis" vert="horz" wrap="square" anchor="ctr" anchorCtr="1"/>
+              <a:lstStyle/>
+              <a:p>
+                <a:pPr>
+                  <a:defRPr sz="1000" b="0" i="0" u="none" strike="noStrike" kern="1200" baseline="0">
+                    <a:solidFill>
+                      <a:schemeClr val="tx1">
+                        <a:lumMod val="65000"/>
+                        <a:lumOff val="35000"/>
+                      </a:schemeClr>
+                    </a:solidFill>
+                    <a:latin typeface="+mn-lt"/>
+                    <a:ea typeface="+mn-ea"/>
+                    <a:cs typeface="+mn-cs"/>
+                  </a:defRPr>
+                </a:pPr>
+                <a:r>
+                  <a:rPr lang="fr-FR"/>
+                  <a:t>Tâches du projet</a:t>
+                </a:r>
+              </a:p>
+            </c:rich>
+          </c:tx>
+          <c:overlay val="0"/>
+          <c:spPr>
+            <a:noFill/>
+            <a:ln>
+              <a:noFill/>
+            </a:ln>
+            <a:effectLst/>
+          </c:spPr>
+          <c:txPr>
+            <a:bodyPr rot="0" spcFirstLastPara="1" vertOverflow="ellipsis" vert="horz" wrap="square" anchor="ctr" anchorCtr="1"/>
+            <a:lstStyle/>
+            <a:p>
+              <a:pPr>
+                <a:defRPr sz="1000" b="0" i="0" u="none" strike="noStrike" kern="1200" baseline="0">
+                  <a:solidFill>
+                    <a:schemeClr val="tx1">
+                      <a:lumMod val="65000"/>
+                      <a:lumOff val="35000"/>
+                    </a:schemeClr>
+                  </a:solidFill>
+                  <a:latin typeface="+mn-lt"/>
+                  <a:ea typeface="+mn-ea"/>
+                  <a:cs typeface="+mn-cs"/>
+                </a:defRPr>
+              </a:pPr>
+              <a:endParaRPr lang="fr-FR"/>
+            </a:p>
+          </c:txPr>
+        </c:title>
+        <c:numFmt formatCode="General" sourceLinked="1"/>
+        <c:majorTickMark val="none"/>
+        <c:minorTickMark val="none"/>
+        <c:tickLblPos val="nextTo"/>
+        <c:spPr>
+          <a:noFill/>
+          <a:ln w="9525" cap="flat" cmpd="sng" algn="ctr">
+            <a:solidFill>
+              <a:schemeClr val="tx1">
+                <a:lumMod val="15000"/>
+                <a:lumOff val="85000"/>
+              </a:schemeClr>
+            </a:solidFill>
+            <a:round/>
+          </a:ln>
+          <a:effectLst/>
+        </c:spPr>
+        <c:txPr>
+          <a:bodyPr rot="-60000000" spcFirstLastPara="1" vertOverflow="ellipsis" vert="horz" wrap="square" anchor="ctr" anchorCtr="1"/>
+          <a:lstStyle/>
+          <a:p>
+            <a:pPr>
+              <a:defRPr sz="900" b="0" i="0" u="none" strike="noStrike" kern="1200" baseline="0">
+                <a:solidFill>
+                  <a:schemeClr val="tx1">
+                    <a:lumMod val="65000"/>
+                    <a:lumOff val="35000"/>
+                  </a:schemeClr>
+                </a:solidFill>
+                <a:latin typeface="+mn-lt"/>
+                <a:ea typeface="+mn-ea"/>
+                <a:cs typeface="+mn-cs"/>
+              </a:defRPr>
+            </a:pPr>
+            <a:endParaRPr lang="fr-FR"/>
+          </a:p>
+        </c:txPr>
+        <c:crossAx val="709325696"/>
+        <c:crosses val="autoZero"/>
+        <c:auto val="0"/>
+        <c:lblAlgn val="ctr"/>
+        <c:lblOffset val="100"/>
+        <c:noMultiLvlLbl val="0"/>
+      </c:catAx>
+      <c:valAx>
+        <c:axId val="709325696"/>
+        <c:scaling>
+          <c:orientation val="minMax"/>
+        </c:scaling>
+        <c:delete val="0"/>
+        <c:axPos val="l"/>
+        <c:majorGridlines>
+          <c:spPr>
+            <a:ln w="9525" cap="flat" cmpd="sng" algn="ctr">
+              <a:solidFill>
+                <a:schemeClr val="tx1">
+                  <a:lumMod val="15000"/>
+                  <a:lumOff val="85000"/>
+                </a:schemeClr>
+              </a:solidFill>
+              <a:round/>
+            </a:ln>
+            <a:effectLst/>
+          </c:spPr>
+        </c:majorGridlines>
+        <c:title>
+          <c:tx>
+            <c:rich>
+              <a:bodyPr rot="-5400000" spcFirstLastPara="1" vertOverflow="ellipsis" vert="horz" wrap="square" anchor="ctr" anchorCtr="1"/>
+              <a:lstStyle/>
+              <a:p>
+                <a:pPr>
+                  <a:defRPr sz="1000" b="0" i="0" u="none" strike="noStrike" kern="1200" baseline="0">
+                    <a:solidFill>
+                      <a:schemeClr val="tx1">
+                        <a:lumMod val="65000"/>
+                        <a:lumOff val="35000"/>
+                      </a:schemeClr>
+                    </a:solidFill>
+                    <a:latin typeface="+mn-lt"/>
+                    <a:ea typeface="+mn-ea"/>
+                    <a:cs typeface="+mn-cs"/>
+                  </a:defRPr>
+                </a:pPr>
+                <a:r>
+                  <a:rPr lang="fr-FR"/>
+                  <a:t>Coût (€)</a:t>
+                </a:r>
+              </a:p>
+            </c:rich>
+          </c:tx>
+          <c:overlay val="0"/>
+          <c:spPr>
+            <a:noFill/>
+            <a:ln>
+              <a:noFill/>
+            </a:ln>
+            <a:effectLst/>
+          </c:spPr>
+          <c:txPr>
+            <a:bodyPr rot="-5400000" spcFirstLastPara="1" vertOverflow="ellipsis" vert="horz" wrap="square" anchor="ctr" anchorCtr="1"/>
+            <a:lstStyle/>
+            <a:p>
+              <a:pPr>
+                <a:defRPr sz="1000" b="0" i="0" u="none" strike="noStrike" kern="1200" baseline="0">
+                  <a:solidFill>
+                    <a:schemeClr val="tx1">
+                      <a:lumMod val="65000"/>
+                      <a:lumOff val="35000"/>
+                    </a:schemeClr>
+                  </a:solidFill>
+                  <a:latin typeface="+mn-lt"/>
+                  <a:ea typeface="+mn-ea"/>
+                  <a:cs typeface="+mn-cs"/>
+                </a:defRPr>
+              </a:pPr>
+              <a:endParaRPr lang="fr-FR"/>
+            </a:p>
+          </c:txPr>
+        </c:title>
+        <c:numFmt formatCode="General" sourceLinked="1"/>
+        <c:majorTickMark val="none"/>
+        <c:minorTickMark val="none"/>
+        <c:tickLblPos val="nextTo"/>
+        <c:spPr>
+          <a:noFill/>
+          <a:ln>
+            <a:noFill/>
+          </a:ln>
+          <a:effectLst/>
+        </c:spPr>
+        <c:txPr>
+          <a:bodyPr rot="-60000000" spcFirstLastPara="1" vertOverflow="ellipsis" vert="horz" wrap="square" anchor="ctr" anchorCtr="1"/>
+          <a:lstStyle/>
+          <a:p>
+            <a:pPr>
+              <a:defRPr sz="900" b="0" i="0" u="none" strike="noStrike" kern="1200" baseline="0">
+                <a:solidFill>
+                  <a:schemeClr val="tx1">
+                    <a:lumMod val="65000"/>
+                    <a:lumOff val="35000"/>
+                  </a:schemeClr>
+                </a:solidFill>
+                <a:latin typeface="+mn-lt"/>
+                <a:ea typeface="+mn-ea"/>
+                <a:cs typeface="+mn-cs"/>
+              </a:defRPr>
+            </a:pPr>
+            <a:endParaRPr lang="fr-FR"/>
+          </a:p>
+        </c:txPr>
+        <c:crossAx val="714982576"/>
+        <c:crosses val="autoZero"/>
+        <c:crossBetween val="between"/>
+      </c:valAx>
+      <c:spPr>
+        <a:noFill/>
+        <a:ln>
+          <a:noFill/>
+        </a:ln>
+        <a:effectLst/>
+      </c:spPr>
+    </c:plotArea>
+    <c:plotVisOnly val="1"/>
+    <c:dispBlanksAs val="gap"/>
+    <c:extLst>
+      <c:ext xmlns:c16r3="http://schemas.microsoft.com/office/drawing/2017/03/chart" uri="{56B9EC1D-385E-4148-901F-78D8002777C0}">
+        <c16r3:dataDisplayOptions16>
+          <c16r3:dispNaAsBlank val="1"/>
+        </c16r3:dataDisplayOptions16>
+      </c:ext>
+    </c:extLst>
+    <c:showDLblsOverMax val="0"/>
+  </c:chart>
+  <c:spPr>
+    <a:noFill/>
+    <a:ln>
+      <a:noFill/>
+    </a:ln>
+    <a:effectLst/>
+  </c:spPr>
+  <c:txPr>
+    <a:bodyPr/>
+    <a:lstStyle/>
+    <a:p>
+      <a:pPr>
+        <a:defRPr/>
+      </a:pPr>
+      <a:endParaRPr lang="fr-FR"/>
+    </a:p>
+  </c:txPr>
+  <c:externalData r:id="rId3">
+    <c:autoUpdate val="0"/>
+  </c:externalData>
+</c:chartSpace>
+</file>
+
+<file path=ppt/charts/colors1.xml><?xml version="1.0" encoding="utf-8"?>
+<cs:colorStyle xmlns:cs="http://schemas.microsoft.com/office/drawing/2012/chartStyle" xmlns:a="http://schemas.openxmlformats.org/drawingml/2006/main" meth="cycle" id="10">
+  <a:schemeClr val="accent1"/>
+  <a:schemeClr val="accent2"/>
+  <a:schemeClr val="accent3"/>
+  <a:schemeClr val="accent4"/>
+  <a:schemeClr val="accent5"/>
+  <a:schemeClr val="accent6"/>
+  <cs:variation/>
+  <cs:variation>
+    <a:lumMod val="60000"/>
+  </cs:variation>
+  <cs:variation>
+    <a:lumMod val="80000"/>
+    <a:lumOff val="20000"/>
+  </cs:variation>
+  <cs:variation>
+    <a:lumMod val="80000"/>
+  </cs:variation>
+  <cs:variation>
+    <a:lumMod val="60000"/>
+    <a:lumOff val="40000"/>
+  </cs:variation>
+  <cs:variation>
+    <a:lumMod val="50000"/>
+  </cs:variation>
+  <cs:variation>
+    <a:lumMod val="70000"/>
+    <a:lumOff val="30000"/>
+  </cs:variation>
+  <cs:variation>
+    <a:lumMod val="70000"/>
+  </cs:variation>
+  <cs:variation>
+    <a:lumMod val="50000"/>
+    <a:lumOff val="50000"/>
+  </cs:variation>
+</cs:colorStyle>
+</file>
+
+<file path=ppt/charts/colors2.xml><?xml version="1.0" encoding="utf-8"?>
+<cs:colorStyle xmlns:cs="http://schemas.microsoft.com/office/drawing/2012/chartStyle" xmlns:a="http://schemas.openxmlformats.org/drawingml/2006/main" meth="cycle" id="10">
+  <a:schemeClr val="accent1"/>
+  <a:schemeClr val="accent2"/>
+  <a:schemeClr val="accent3"/>
+  <a:schemeClr val="accent4"/>
+  <a:schemeClr val="accent5"/>
+  <a:schemeClr val="accent6"/>
+  <cs:variation/>
+  <cs:variation>
+    <a:lumMod val="60000"/>
+  </cs:variation>
+  <cs:variation>
+    <a:lumMod val="80000"/>
+    <a:lumOff val="20000"/>
+  </cs:variation>
+  <cs:variation>
+    <a:lumMod val="80000"/>
+  </cs:variation>
+  <cs:variation>
+    <a:lumMod val="60000"/>
+    <a:lumOff val="40000"/>
+  </cs:variation>
+  <cs:variation>
+    <a:lumMod val="50000"/>
+  </cs:variation>
+  <cs:variation>
+    <a:lumMod val="70000"/>
+    <a:lumOff val="30000"/>
+  </cs:variation>
+  <cs:variation>
+    <a:lumMod val="70000"/>
+  </cs:variation>
+  <cs:variation>
+    <a:lumMod val="50000"/>
+    <a:lumOff val="50000"/>
+  </cs:variation>
+</cs:colorStyle>
+</file>
+
+<file path=ppt/charts/style1.xml><?xml version="1.0" encoding="utf-8"?>
+<cs:chartStyle xmlns:cs="http://schemas.microsoft.com/office/drawing/2012/chartStyle" xmlns:a="http://schemas.openxmlformats.org/drawingml/2006/main" id="253">
+  <cs:axisTitle>
+    <cs:lnRef idx="0"/>
+    <cs:fillRef idx="0"/>
+    <cs:effectRef idx="0"/>
+    <cs:fontRef idx="minor">
+      <a:schemeClr val="dk1">
+        <a:lumMod val="75000"/>
+        <a:lumOff val="25000"/>
+      </a:schemeClr>
+    </cs:fontRef>
+    <cs:defRPr sz="1197" b="1" kern="1200"/>
+  </cs:axisTitle>
+  <cs:categoryAxis>
+    <cs:lnRef idx="0"/>
+    <cs:fillRef idx="0"/>
+    <cs:effectRef idx="0"/>
+    <cs:fontRef idx="minor">
+      <a:schemeClr val="dk1">
+        <a:lumMod val="75000"/>
+        <a:lumOff val="25000"/>
+      </a:schemeClr>
+    </cs:fontRef>
+    <cs:spPr>
+      <a:ln w="19050" cap="flat" cmpd="sng" algn="ctr">
+        <a:solidFill>
+          <a:schemeClr val="dk1">
+            <a:lumMod val="75000"/>
+            <a:lumOff val="25000"/>
+          </a:schemeClr>
+        </a:solidFill>
+        <a:round/>
+      </a:ln>
+    </cs:spPr>
+    <cs:defRPr sz="1197" kern="1200" cap="all" baseline="0"/>
+  </cs:categoryAxis>
+  <cs:chartArea>
+    <cs:lnRef idx="0"/>
+    <cs:fillRef idx="0"/>
+    <cs:effectRef idx="0"/>
+    <cs:fontRef idx="minor">
+      <a:schemeClr val="dk1"/>
+    </cs:fontRef>
+    <cs:spPr>
+      <a:gradFill flip="none" rotWithShape="1">
+        <a:gsLst>
+          <a:gs pos="0">
+            <a:schemeClr val="lt1"/>
+          </a:gs>
+          <a:gs pos="39000">
+            <a:schemeClr val="lt1"/>
+          </a:gs>
+          <a:gs pos="100000">
+            <a:schemeClr val="lt1">
+              <a:lumMod val="75000"/>
+            </a:schemeClr>
+          </a:gs>
+        </a:gsLst>
+        <a:path path="circle">
+          <a:fillToRect l="50000" t="-80000" r="50000" b="180000"/>
+        </a:path>
+        <a:tileRect/>
+      </a:gradFill>
+      <a:ln w="9525" cap="flat" cmpd="sng" algn="ctr">
+        <a:solidFill>
+          <a:schemeClr val="dk1">
+            <a:lumMod val="25000"/>
+            <a:lumOff val="75000"/>
+          </a:schemeClr>
+        </a:solidFill>
+        <a:round/>
+      </a:ln>
+    </cs:spPr>
+    <cs:defRPr sz="1197" kern="1200"/>
+  </cs:chartArea>
+  <cs:dataLabel>
+    <cs:lnRef idx="0"/>
+    <cs:fillRef idx="0"/>
+    <cs:effectRef idx="0"/>
+    <cs:fontRef idx="minor">
+      <a:schemeClr val="lt1"/>
+    </cs:fontRef>
+    <cs:spPr>
+      <a:pattFill prst="pct75">
+        <a:fgClr>
+          <a:schemeClr val="dk1">
+            <a:lumMod val="75000"/>
+            <a:lumOff val="25000"/>
+          </a:schemeClr>
+        </a:fgClr>
+        <a:bgClr>
+          <a:schemeClr val="dk1">
+            <a:lumMod val="65000"/>
+            <a:lumOff val="35000"/>
+          </a:schemeClr>
+        </a:bgClr>
+      </a:pattFill>
+      <a:effectLst>
+        <a:outerShdw blurRad="50800" dist="38100" dir="2700000" algn="tl" rotWithShape="0">
+          <a:prstClr val="black">
+            <a:alpha val="40000"/>
+          </a:prstClr>
+        </a:outerShdw>
+      </a:effectLst>
+    </cs:spPr>
+    <cs:defRPr sz="1330" b="1" i="0" u="none" strike="noStrike" kern="1200" baseline="0"/>
+  </cs:dataLabel>
+  <cs:dataLabelCallout>
+    <cs:lnRef idx="0"/>
+    <cs:fillRef idx="0"/>
+    <cs:effectRef idx="0"/>
+    <cs:fontRef idx="minor">
+      <a:schemeClr val="lt1"/>
+    </cs:fontRef>
+    <cs:spPr>
+      <a:pattFill prst="pct75">
+        <a:fgClr>
+          <a:schemeClr val="dk1">
+            <a:lumMod val="75000"/>
+            <a:lumOff val="25000"/>
+          </a:schemeClr>
+        </a:fgClr>
+        <a:bgClr>
+          <a:schemeClr val="dk1">
+            <a:lumMod val="65000"/>
+            <a:lumOff val="35000"/>
+          </a:schemeClr>
+        </a:bgClr>
+      </a:pattFill>
+      <a:effectLst>
+        <a:outerShdw blurRad="50800" dist="38100" dir="2700000" algn="tl" rotWithShape="0">
+          <a:prstClr val="black">
+            <a:alpha val="40000"/>
+          </a:prstClr>
+        </a:outerShdw>
+      </a:effectLst>
+    </cs:spPr>
+    <cs:defRPr sz="1330" b="1" i="0" u="none" strike="noStrike" kern="1200" baseline="0"/>
+    <cs:bodyPr rot="0" spcFirstLastPara="1" vertOverflow="clip" horzOverflow="clip" vert="horz" wrap="square" lIns="36576" tIns="18288" rIns="36576" bIns="18288" anchor="ctr" anchorCtr="1">
+      <a:spAutoFit/>
+    </cs:bodyPr>
+  </cs:dataLabelCallout>
+  <cs:dataPoint>
+    <cs:lnRef idx="0"/>
+    <cs:fillRef idx="0">
+      <cs:styleClr val="auto"/>
+    </cs:fillRef>
+    <cs:effectRef idx="0"/>
+    <cs:fontRef idx="minor">
+      <a:schemeClr val="dk1"/>
+    </cs:fontRef>
+    <cs:spPr>
+      <a:solidFill>
+        <a:schemeClr val="phClr"/>
+      </a:solidFill>
+      <a:effectLst>
+        <a:outerShdw blurRad="254000" sx="102000" sy="102000" algn="ctr" rotWithShape="0">
+          <a:prstClr val="black">
+            <a:alpha val="20000"/>
+          </a:prstClr>
+        </a:outerShdw>
+      </a:effectLst>
+    </cs:spPr>
+  </cs:dataPoint>
+  <cs:dataPoint3D>
+    <cs:lnRef idx="0"/>
+    <cs:fillRef idx="0">
+      <cs:styleClr val="auto"/>
+    </cs:fillRef>
+    <cs:effectRef idx="0"/>
+    <cs:fontRef idx="minor">
+      <a:schemeClr val="dk1"/>
+    </cs:fontRef>
+    <cs:spPr>
+      <a:solidFill>
+        <a:schemeClr val="phClr"/>
+      </a:solidFill>
+      <a:effectLst>
+        <a:outerShdw blurRad="254000" sx="102000" sy="102000" algn="ctr" rotWithShape="0">
+          <a:prstClr val="black">
+            <a:alpha val="20000"/>
+          </a:prstClr>
+        </a:outerShdw>
+      </a:effectLst>
+    </cs:spPr>
+  </cs:dataPoint3D>
+  <cs:dataPointLine>
+    <cs:lnRef idx="0">
+      <cs:styleClr val="auto"/>
+    </cs:lnRef>
+    <cs:fillRef idx="0"/>
+    <cs:effectRef idx="0"/>
+    <cs:fontRef idx="minor">
+      <a:schemeClr val="dk1"/>
+    </cs:fontRef>
+    <cs:spPr>
+      <a:ln w="31750" cap="rnd">
+        <a:solidFill>
+          <a:schemeClr val="phClr">
+            <a:alpha val="85000"/>
+          </a:schemeClr>
+        </a:solidFill>
+        <a:round/>
+      </a:ln>
+    </cs:spPr>
+  </cs:dataPointLine>
+  <cs:dataPointMarker>
+    <cs:lnRef idx="0"/>
+    <cs:fillRef idx="0">
+      <cs:styleClr val="auto"/>
+    </cs:fillRef>
+    <cs:effectRef idx="0"/>
+    <cs:fontRef idx="minor">
+      <a:schemeClr val="dk1"/>
+    </cs:fontRef>
+    <cs:spPr>
+      <a:solidFill>
+        <a:schemeClr val="phClr">
+          <a:alpha val="85000"/>
+        </a:schemeClr>
+      </a:solidFill>
+    </cs:spPr>
+  </cs:dataPointMarker>
+  <cs:dataPointMarkerLayout symbol="circle" size="6"/>
+  <cs:dataPointWireframe>
+    <cs:lnRef idx="0">
+      <cs:styleClr val="auto"/>
+    </cs:lnRef>
+    <cs:fillRef idx="0"/>
+    <cs:effectRef idx="0"/>
+    <cs:fontRef idx="minor">
+      <a:schemeClr val="dk1"/>
+    </cs:fontRef>
+    <cs:spPr>
+      <a:ln w="9525" cap="rnd">
+        <a:solidFill>
+          <a:schemeClr val="phClr"/>
+        </a:solidFill>
+        <a:round/>
+      </a:ln>
+    </cs:spPr>
+  </cs:dataPointWireframe>
+  <cs:dataTable>
+    <cs:lnRef idx="0"/>
+    <cs:fillRef idx="0"/>
+    <cs:effectRef idx="0"/>
+    <cs:fontRef idx="minor">
+      <a:schemeClr val="dk1">
+        <a:lumMod val="75000"/>
+        <a:lumOff val="25000"/>
+      </a:schemeClr>
+    </cs:fontRef>
+    <cs:spPr>
+      <a:ln w="9525">
+        <a:solidFill>
+          <a:schemeClr val="dk1">
+            <a:lumMod val="35000"/>
+            <a:lumOff val="65000"/>
+          </a:schemeClr>
+        </a:solidFill>
+      </a:ln>
+    </cs:spPr>
+    <cs:defRPr sz="1197" kern="1200"/>
+  </cs:dataTable>
+  <cs:downBar>
+    <cs:lnRef idx="0"/>
+    <cs:fillRef idx="0"/>
+    <cs:effectRef idx="0"/>
+    <cs:fontRef idx="minor">
+      <a:schemeClr val="dk1"/>
+    </cs:fontRef>
+    <cs:spPr>
+      <a:solidFill>
+        <a:schemeClr val="dk1">
+          <a:lumMod val="50000"/>
+          <a:lumOff val="50000"/>
+        </a:schemeClr>
+      </a:solidFill>
+      <a:ln w="9525">
+        <a:solidFill>
+          <a:schemeClr val="dk1">
+            <a:lumMod val="65000"/>
+            <a:lumOff val="35000"/>
+          </a:schemeClr>
+        </a:solidFill>
+      </a:ln>
+    </cs:spPr>
+  </cs:downBar>
+  <cs:dropLine>
+    <cs:lnRef idx="0"/>
+    <cs:fillRef idx="0"/>
+    <cs:effectRef idx="0"/>
+    <cs:fontRef idx="minor">
+      <a:schemeClr val="dk1"/>
+    </cs:fontRef>
+    <cs:spPr>
+      <a:ln w="9525">
+        <a:solidFill>
+          <a:schemeClr val="dk1">
+            <a:lumMod val="35000"/>
+            <a:lumOff val="65000"/>
+          </a:schemeClr>
+        </a:solidFill>
+        <a:prstDash val="dash"/>
+      </a:ln>
+    </cs:spPr>
+  </cs:dropLine>
+  <cs:errorBar>
+    <cs:lnRef idx="0"/>
+    <cs:fillRef idx="0"/>
+    <cs:effectRef idx="0"/>
+    <cs:fontRef idx="minor">
+      <a:schemeClr val="dk1"/>
+    </cs:fontRef>
+    <cs:spPr>
+      <a:ln w="9525">
+        <a:solidFill>
+          <a:schemeClr val="dk1">
+            <a:lumMod val="65000"/>
+            <a:lumOff val="35000"/>
+          </a:schemeClr>
+        </a:solidFill>
+        <a:round/>
+      </a:ln>
+    </cs:spPr>
+  </cs:errorBar>
+  <cs:floor>
+    <cs:lnRef idx="0"/>
+    <cs:fillRef idx="0"/>
+    <cs:effectRef idx="0"/>
+    <cs:fontRef idx="minor">
+      <a:schemeClr val="dk1"/>
+    </cs:fontRef>
+  </cs:floor>
+  <cs:gridlineMajor>
+    <cs:lnRef idx="0"/>
+    <cs:fillRef idx="0"/>
+    <cs:effectRef idx="0"/>
+    <cs:fontRef idx="minor">
+      <a:schemeClr val="dk1"/>
+    </cs:fontRef>
+    <cs:spPr>
+      <a:ln w="9525" cap="flat" cmpd="sng" algn="ctr">
+        <a:gradFill>
+          <a:gsLst>
+            <a:gs pos="100000">
+              <a:schemeClr val="dk1">
+                <a:lumMod val="95000"/>
+                <a:lumOff val="5000"/>
+                <a:alpha val="42000"/>
+              </a:schemeClr>
+            </a:gs>
+            <a:gs pos="0">
+              <a:schemeClr val="lt1">
+                <a:lumMod val="75000"/>
+                <a:alpha val="36000"/>
+              </a:schemeClr>
+            </a:gs>
+          </a:gsLst>
+          <a:lin ang="5400000" scaled="0"/>
+        </a:gradFill>
+        <a:round/>
+      </a:ln>
+    </cs:spPr>
+  </cs:gridlineMajor>
+  <cs:gridlineMinor>
+    <cs:lnRef idx="0"/>
+    <cs:fillRef idx="0"/>
+    <cs:effectRef idx="0"/>
+    <cs:fontRef idx="minor">
+      <a:schemeClr val="dk1"/>
+    </cs:fontRef>
+    <cs:spPr>
+      <a:ln>
+        <a:gradFill>
+          <a:gsLst>
+            <a:gs pos="100000">
+              <a:schemeClr val="dk1">
+                <a:lumMod val="95000"/>
+                <a:lumOff val="5000"/>
+                <a:alpha val="42000"/>
+              </a:schemeClr>
+            </a:gs>
+            <a:gs pos="0">
+              <a:schemeClr val="lt1">
+                <a:lumMod val="75000"/>
+                <a:alpha val="36000"/>
+              </a:schemeClr>
+            </a:gs>
+          </a:gsLst>
+          <a:lin ang="5400000" scaled="0"/>
+        </a:gradFill>
+      </a:ln>
+    </cs:spPr>
+  </cs:gridlineMinor>
+  <cs:hiLoLine>
+    <cs:lnRef idx="0"/>
+    <cs:fillRef idx="0"/>
+    <cs:effectRef idx="0"/>
+    <cs:fontRef idx="minor">
+      <a:schemeClr val="dk1"/>
+    </cs:fontRef>
+    <cs:spPr>
+      <a:ln w="9525">
+        <a:solidFill>
+          <a:schemeClr val="dk1">
+            <a:lumMod val="35000"/>
+            <a:lumOff val="65000"/>
+          </a:schemeClr>
+        </a:solidFill>
+        <a:prstDash val="dash"/>
+      </a:ln>
+    </cs:spPr>
+  </cs:hiLoLine>
+  <cs:leaderLine>
+    <cs:lnRef idx="0"/>
+    <cs:fillRef idx="0"/>
+    <cs:effectRef idx="0"/>
+    <cs:fontRef idx="minor">
+      <a:schemeClr val="dk1"/>
+    </cs:fontRef>
+    <cs:spPr>
+      <a:ln w="9525">
+        <a:solidFill>
+          <a:schemeClr val="dk1">
+            <a:lumMod val="50000"/>
+            <a:lumOff val="50000"/>
+          </a:schemeClr>
+        </a:solidFill>
+      </a:ln>
+    </cs:spPr>
+  </cs:leaderLine>
+  <cs:legend>
+    <cs:lnRef idx="0"/>
+    <cs:fillRef idx="0"/>
+    <cs:effectRef idx="0"/>
+    <cs:fontRef idx="minor">
+      <a:schemeClr val="dk1">
+        <a:lumMod val="75000"/>
+        <a:lumOff val="25000"/>
+      </a:schemeClr>
+    </cs:fontRef>
+    <cs:spPr>
+      <a:solidFill>
+        <a:schemeClr val="lt1">
+          <a:lumMod val="95000"/>
+          <a:alpha val="39000"/>
+        </a:schemeClr>
+      </a:solidFill>
+    </cs:spPr>
+    <cs:defRPr sz="1197" kern="1200"/>
+  </cs:legend>
+  <cs:plotArea>
+    <cs:lnRef idx="0"/>
+    <cs:fillRef idx="0"/>
+    <cs:effectRef idx="0"/>
+    <cs:fontRef idx="minor">
+      <a:schemeClr val="dk1"/>
+    </cs:fontRef>
+  </cs:plotArea>
+  <cs:plotArea3D>
+    <cs:lnRef idx="0"/>
+    <cs:fillRef idx="0"/>
+    <cs:effectRef idx="0"/>
+    <cs:fontRef idx="minor">
+      <a:schemeClr val="dk1"/>
+    </cs:fontRef>
+  </cs:plotArea3D>
+  <cs:seriesAxis>
+    <cs:lnRef idx="0"/>
+    <cs:fillRef idx="0"/>
+    <cs:effectRef idx="0"/>
+    <cs:fontRef idx="minor">
+      <a:schemeClr val="dk1">
+        <a:lumMod val="75000"/>
+        <a:lumOff val="25000"/>
+      </a:schemeClr>
+    </cs:fontRef>
+    <cs:spPr>
+      <a:ln w="31750" cap="flat" cmpd="sng" algn="ctr">
+        <a:solidFill>
+          <a:schemeClr val="dk1">
+            <a:lumMod val="75000"/>
+            <a:lumOff val="25000"/>
+          </a:schemeClr>
+        </a:solidFill>
+        <a:round/>
+      </a:ln>
+    </cs:spPr>
+    <cs:defRPr sz="1197" kern="1200"/>
+  </cs:seriesAxis>
+  <cs:seriesLine>
+    <cs:lnRef idx="0"/>
+    <cs:fillRef idx="0"/>
+    <cs:effectRef idx="0"/>
+    <cs:fontRef idx="minor">
+      <a:schemeClr val="dk1"/>
+    </cs:fontRef>
+    <cs:spPr>
+      <a:ln w="9525">
+        <a:solidFill>
+          <a:schemeClr val="dk1">
+            <a:lumMod val="50000"/>
+            <a:lumOff val="50000"/>
+          </a:schemeClr>
+        </a:solidFill>
+        <a:round/>
+      </a:ln>
+    </cs:spPr>
+  </cs:seriesLine>
+  <cs:title>
+    <cs:lnRef idx="0"/>
+    <cs:fillRef idx="0"/>
+    <cs:effectRef idx="0"/>
+    <cs:fontRef idx="minor">
+      <a:schemeClr val="dk1">
+        <a:lumMod val="75000"/>
+        <a:lumOff val="25000"/>
+      </a:schemeClr>
+    </cs:fontRef>
+    <cs:defRPr sz="2200" b="1" kern="1200" baseline="0"/>
+  </cs:title>
+  <cs:trendline>
+    <cs:lnRef idx="0">
+      <cs:styleClr val="auto"/>
+    </cs:lnRef>
+    <cs:fillRef idx="0"/>
+    <cs:effectRef idx="0"/>
+    <cs:fontRef idx="minor">
+      <a:schemeClr val="dk1"/>
+    </cs:fontRef>
+    <cs:spPr>
+      <a:ln w="19050" cap="rnd">
+        <a:solidFill>
+          <a:schemeClr val="phClr"/>
+        </a:solidFill>
+      </a:ln>
+    </cs:spPr>
+  </cs:trendline>
+  <cs:trendlineLabel>
+    <cs:lnRef idx="0"/>
+    <cs:fillRef idx="0"/>
+    <cs:effectRef idx="0"/>
+    <cs:fontRef idx="minor">
+      <a:schemeClr val="dk1">
+        <a:lumMod val="75000"/>
+        <a:lumOff val="25000"/>
+      </a:schemeClr>
+    </cs:fontRef>
+    <cs:defRPr sz="1197" kern="1200"/>
+  </cs:trendlineLabel>
+  <cs:upBar>
+    <cs:lnRef idx="0"/>
+    <cs:fillRef idx="0"/>
+    <cs:effectRef idx="0"/>
+    <cs:fontRef idx="minor">
+      <a:schemeClr val="dk1"/>
+    </cs:fontRef>
+    <cs:spPr>
+      <a:solidFill>
+        <a:schemeClr val="lt1"/>
+      </a:solidFill>
+      <a:ln w="9525">
+        <a:solidFill>
+          <a:schemeClr val="dk1">
+            <a:lumMod val="65000"/>
+            <a:lumOff val="35000"/>
+          </a:schemeClr>
+        </a:solidFill>
+      </a:ln>
+    </cs:spPr>
+  </cs:upBar>
+  <cs:valueAxis>
+    <cs:lnRef idx="0"/>
+    <cs:fillRef idx="0"/>
+    <cs:effectRef idx="0"/>
+    <cs:fontRef idx="minor">
+      <a:schemeClr val="dk1">
+        <a:lumMod val="75000"/>
+        <a:lumOff val="25000"/>
+      </a:schemeClr>
+    </cs:fontRef>
+    <cs:spPr>
+      <a:ln>
+        <a:noFill/>
+      </a:ln>
+    </cs:spPr>
+    <cs:defRPr sz="1197" kern="1200"/>
+  </cs:valueAxis>
+  <cs:wall>
+    <cs:lnRef idx="0"/>
+    <cs:fillRef idx="0"/>
+    <cs:effectRef idx="0"/>
+    <cs:fontRef idx="minor">
+      <a:schemeClr val="dk1"/>
+    </cs:fontRef>
+  </cs:wall>
+</cs:chartStyle>
+</file>
+
+<file path=ppt/charts/style2.xml><?xml version="1.0" encoding="utf-8"?>
+<cs:chartStyle xmlns:cs="http://schemas.microsoft.com/office/drawing/2012/chartStyle" xmlns:a="http://schemas.openxmlformats.org/drawingml/2006/main" id="201">
+  <cs:axisTitle>
+    <cs:lnRef idx="0"/>
+    <cs:fillRef idx="0"/>
+    <cs:effectRef idx="0"/>
+    <cs:fontRef idx="minor">
+      <a:schemeClr val="tx1">
+        <a:lumMod val="65000"/>
+        <a:lumOff val="35000"/>
+      </a:schemeClr>
+    </cs:fontRef>
+    <cs:defRPr sz="1000" kern="1200"/>
+  </cs:axisTitle>
+  <cs:categoryAxis>
+    <cs:lnRef idx="0"/>
+    <cs:fillRef idx="0"/>
+    <cs:effectRef idx="0"/>
+    <cs:fontRef idx="minor">
+      <a:schemeClr val="tx1">
+        <a:lumMod val="65000"/>
+        <a:lumOff val="35000"/>
+      </a:schemeClr>
+    </cs:fontRef>
+    <cs:spPr>
+      <a:ln w="9525" cap="flat" cmpd="sng" algn="ctr">
+        <a:solidFill>
+          <a:schemeClr val="tx1">
+            <a:lumMod val="15000"/>
+            <a:lumOff val="85000"/>
+          </a:schemeClr>
+        </a:solidFill>
+        <a:round/>
+      </a:ln>
+    </cs:spPr>
+    <cs:defRPr sz="900" kern="1200"/>
+  </cs:categoryAxis>
+  <cs:chartArea mods="allowNoFillOverride allowNoLineOverride">
+    <cs:lnRef idx="0"/>
+    <cs:fillRef idx="0"/>
+    <cs:effectRef idx="0"/>
+    <cs:fontRef idx="minor">
+      <a:schemeClr val="tx1"/>
+    </cs:fontRef>
+    <cs:spPr>
+      <a:solidFill>
+        <a:schemeClr val="bg1"/>
+      </a:solidFill>
+      <a:ln w="9525" cap="flat" cmpd="sng" algn="ctr">
+        <a:solidFill>
+          <a:schemeClr val="tx1">
+            <a:lumMod val="15000"/>
+            <a:lumOff val="85000"/>
+          </a:schemeClr>
+        </a:solidFill>
+        <a:round/>
+      </a:ln>
+    </cs:spPr>
+    <cs:defRPr sz="1000" kern="1200"/>
+  </cs:chartArea>
+  <cs:dataLabel>
+    <cs:lnRef idx="0"/>
+    <cs:fillRef idx="0"/>
+    <cs:effectRef idx="0"/>
+    <cs:fontRef idx="minor">
+      <a:schemeClr val="tx1">
+        <a:lumMod val="75000"/>
+        <a:lumOff val="25000"/>
+      </a:schemeClr>
+    </cs:fontRef>
+    <cs:defRPr sz="900" kern="1200"/>
+  </cs:dataLabel>
+  <cs:dataLabelCallout>
+    <cs:lnRef idx="0"/>
+    <cs:fillRef idx="0"/>
+    <cs:effectRef idx="0"/>
+    <cs:fontRef idx="minor">
+      <a:schemeClr val="dk1">
+        <a:lumMod val="65000"/>
+        <a:lumOff val="35000"/>
+      </a:schemeClr>
+    </cs:fontRef>
+    <cs:spPr>
+      <a:solidFill>
+        <a:schemeClr val="lt1"/>
+      </a:solidFill>
+      <a:ln>
+        <a:solidFill>
+          <a:schemeClr val="dk1">
+            <a:lumMod val="25000"/>
+            <a:lumOff val="75000"/>
+          </a:schemeClr>
+        </a:solidFill>
+      </a:ln>
+    </cs:spPr>
+    <cs:defRPr sz="900" kern="1200"/>
+    <cs:bodyPr rot="0" spcFirstLastPara="1" vertOverflow="clip" horzOverflow="clip" vert="horz" wrap="square" lIns="36576" tIns="18288" rIns="36576" bIns="18288" anchor="ctr" anchorCtr="1">
+      <a:spAutoFit/>
+    </cs:bodyPr>
+  </cs:dataLabelCallout>
+  <cs:dataPoint>
+    <cs:lnRef idx="0"/>
+    <cs:fillRef idx="1">
+      <cs:styleClr val="auto"/>
+    </cs:fillRef>
+    <cs:effectRef idx="0"/>
+    <cs:fontRef idx="minor">
+      <a:schemeClr val="tx1"/>
+    </cs:fontRef>
+  </cs:dataPoint>
+  <cs:dataPoint3D>
+    <cs:lnRef idx="0"/>
+    <cs:fillRef idx="1">
+      <cs:styleClr val="auto"/>
+    </cs:fillRef>
+    <cs:effectRef idx="0"/>
+    <cs:fontRef idx="minor">
+      <a:schemeClr val="tx1"/>
+    </cs:fontRef>
+  </cs:dataPoint3D>
+  <cs:dataPointLine>
+    <cs:lnRef idx="0">
+      <cs:styleClr val="auto"/>
+    </cs:lnRef>
+    <cs:fillRef idx="1"/>
+    <cs:effectRef idx="0"/>
+    <cs:fontRef idx="minor">
+      <a:schemeClr val="tx1"/>
+    </cs:fontRef>
+    <cs:spPr>
+      <a:ln w="28575" cap="rnd">
+        <a:solidFill>
+          <a:schemeClr val="phClr"/>
+        </a:solidFill>
+        <a:round/>
+      </a:ln>
+    </cs:spPr>
+  </cs:dataPointLine>
+  <cs:dataPointMarker>
+    <cs:lnRef idx="0">
+      <cs:styleClr val="auto"/>
+    </cs:lnRef>
+    <cs:fillRef idx="1">
+      <cs:styleClr val="auto"/>
+    </cs:fillRef>
+    <cs:effectRef idx="0"/>
+    <cs:fontRef idx="minor">
+      <a:schemeClr val="tx1"/>
+    </cs:fontRef>
+    <cs:spPr>
+      <a:ln w="9525">
+        <a:solidFill>
+          <a:schemeClr val="phClr"/>
+        </a:solidFill>
+      </a:ln>
+    </cs:spPr>
+  </cs:dataPointMarker>
+  <cs:dataPointMarkerLayout symbol="circle" size="5"/>
+  <cs:dataPointWireframe>
+    <cs:lnRef idx="0">
+      <cs:styleClr val="auto"/>
+    </cs:lnRef>
+    <cs:fillRef idx="1"/>
+    <cs:effectRef idx="0"/>
+    <cs:fontRef idx="minor">
+      <a:schemeClr val="tx1"/>
+    </cs:fontRef>
+    <cs:spPr>
+      <a:ln w="9525" cap="rnd">
+        <a:solidFill>
+          <a:schemeClr val="phClr"/>
+        </a:solidFill>
+        <a:round/>
+      </a:ln>
+    </cs:spPr>
+  </cs:dataPointWireframe>
+  <cs:dataTable>
+    <cs:lnRef idx="0"/>
+    <cs:fillRef idx="0"/>
+    <cs:effectRef idx="0"/>
+    <cs:fontRef idx="minor">
+      <a:schemeClr val="tx1">
+        <a:lumMod val="65000"/>
+        <a:lumOff val="35000"/>
+      </a:schemeClr>
+    </cs:fontRef>
+    <cs:spPr>
+      <a:noFill/>
+      <a:ln w="9525" cap="flat" cmpd="sng" algn="ctr">
+        <a:solidFill>
+          <a:schemeClr val="tx1">
+            <a:lumMod val="15000"/>
+            <a:lumOff val="85000"/>
+          </a:schemeClr>
+        </a:solidFill>
+        <a:round/>
+      </a:ln>
+    </cs:spPr>
+    <cs:defRPr sz="900" kern="1200"/>
+  </cs:dataTable>
+  <cs:downBar>
+    <cs:lnRef idx="0"/>
+    <cs:fillRef idx="0"/>
+    <cs:effectRef idx="0"/>
+    <cs:fontRef idx="minor">
+      <a:schemeClr val="dk1"/>
+    </cs:fontRef>
+    <cs:spPr>
+      <a:solidFill>
+        <a:schemeClr val="dk1">
+          <a:lumMod val="65000"/>
+          <a:lumOff val="35000"/>
+        </a:schemeClr>
+      </a:solidFill>
+      <a:ln w="9525">
+        <a:solidFill>
+          <a:schemeClr val="tx1">
+            <a:lumMod val="65000"/>
+            <a:lumOff val="35000"/>
+          </a:schemeClr>
+        </a:solidFill>
+      </a:ln>
+    </cs:spPr>
+  </cs:downBar>
+  <cs:dropLine>
+    <cs:lnRef idx="0"/>
+    <cs:fillRef idx="0"/>
+    <cs:effectRef idx="0"/>
+    <cs:fontRef idx="minor">
+      <a:schemeClr val="tx1"/>
+    </cs:fontRef>
+    <cs:spPr>
+      <a:ln w="9525" cap="flat" cmpd="sng" algn="ctr">
+        <a:solidFill>
+          <a:schemeClr val="tx1">
+            <a:lumMod val="35000"/>
+            <a:lumOff val="65000"/>
+          </a:schemeClr>
+        </a:solidFill>
+        <a:round/>
+      </a:ln>
+    </cs:spPr>
+  </cs:dropLine>
+  <cs:errorBar>
+    <cs:lnRef idx="0"/>
+    <cs:fillRef idx="0"/>
+    <cs:effectRef idx="0"/>
+    <cs:fontRef idx="minor">
+      <a:schemeClr val="tx1"/>
+    </cs:fontRef>
+    <cs:spPr>
+      <a:ln w="9525" cap="flat" cmpd="sng" algn="ctr">
+        <a:solidFill>
+          <a:schemeClr val="tx1">
+            <a:lumMod val="65000"/>
+            <a:lumOff val="35000"/>
+          </a:schemeClr>
+        </a:solidFill>
+        <a:round/>
+      </a:ln>
+    </cs:spPr>
+  </cs:errorBar>
+  <cs:floor>
+    <cs:lnRef idx="0"/>
+    <cs:fillRef idx="0"/>
+    <cs:effectRef idx="0"/>
+    <cs:fontRef idx="minor">
+      <a:schemeClr val="tx1"/>
+    </cs:fontRef>
+    <cs:spPr>
+      <a:noFill/>
+      <a:ln>
+        <a:noFill/>
+      </a:ln>
+    </cs:spPr>
+  </cs:floor>
+  <cs:gridlineMajor>
+    <cs:lnRef idx="0"/>
+    <cs:fillRef idx="0"/>
+    <cs:effectRef idx="0"/>
+    <cs:fontRef idx="minor">
+      <a:schemeClr val="tx1"/>
+    </cs:fontRef>
+    <cs:spPr>
+      <a:ln w="9525" cap="flat" cmpd="sng" algn="ctr">
+        <a:solidFill>
+          <a:schemeClr val="tx1">
+            <a:lumMod val="15000"/>
+            <a:lumOff val="85000"/>
+          </a:schemeClr>
+        </a:solidFill>
+        <a:round/>
+      </a:ln>
+    </cs:spPr>
+  </cs:gridlineMajor>
+  <cs:gridlineMinor>
+    <cs:lnRef idx="0"/>
+    <cs:fillRef idx="0"/>
+    <cs:effectRef idx="0"/>
+    <cs:fontRef idx="minor">
+      <a:schemeClr val="tx1"/>
+    </cs:fontRef>
+    <cs:spPr>
+      <a:ln w="9525" cap="flat" cmpd="sng" algn="ctr">
+        <a:solidFill>
+          <a:schemeClr val="tx1">
+            <a:lumMod val="5000"/>
+            <a:lumOff val="95000"/>
+          </a:schemeClr>
+        </a:solidFill>
+        <a:round/>
+      </a:ln>
+    </cs:spPr>
+  </cs:gridlineMinor>
+  <cs:hiLoLine>
+    <cs:lnRef idx="0"/>
+    <cs:fillRef idx="0"/>
+    <cs:effectRef idx="0"/>
+    <cs:fontRef idx="minor">
+      <a:schemeClr val="tx1"/>
+    </cs:fontRef>
+    <cs:spPr>
+      <a:ln w="9525" cap="flat" cmpd="sng" algn="ctr">
+        <a:solidFill>
+          <a:schemeClr val="tx1">
+            <a:lumMod val="75000"/>
+            <a:lumOff val="25000"/>
+          </a:schemeClr>
+        </a:solidFill>
+        <a:round/>
+      </a:ln>
+    </cs:spPr>
+  </cs:hiLoLine>
+  <cs:leaderLine>
+    <cs:lnRef idx="0"/>
+    <cs:fillRef idx="0"/>
+    <cs:effectRef idx="0"/>
+    <cs:fontRef idx="minor">
+      <a:schemeClr val="tx1"/>
+    </cs:fontRef>
+    <cs:spPr>
+      <a:ln w="9525" cap="flat" cmpd="sng" algn="ctr">
+        <a:solidFill>
+          <a:schemeClr val="tx1">
+            <a:lumMod val="35000"/>
+            <a:lumOff val="65000"/>
+          </a:schemeClr>
+        </a:solidFill>
+        <a:round/>
+      </a:ln>
+    </cs:spPr>
+  </cs:leaderLine>
+  <cs:legend>
+    <cs:lnRef idx="0"/>
+    <cs:fillRef idx="0"/>
+    <cs:effectRef idx="0"/>
+    <cs:fontRef idx="minor">
+      <a:schemeClr val="tx1">
+        <a:lumMod val="65000"/>
+        <a:lumOff val="35000"/>
+      </a:schemeClr>
+    </cs:fontRef>
+    <cs:defRPr sz="900" kern="1200"/>
+  </cs:legend>
+  <cs:plotArea mods="allowNoFillOverride allowNoLineOverride">
+    <cs:lnRef idx="0"/>
+    <cs:fillRef idx="0"/>
+    <cs:effectRef idx="0"/>
+    <cs:fontRef idx="minor">
+      <a:schemeClr val="tx1"/>
+    </cs:fontRef>
+  </cs:plotArea>
+  <cs:plotArea3D mods="allowNoFillOverride allowNoLineOverride">
+    <cs:lnRef idx="0"/>
+    <cs:fillRef idx="0"/>
+    <cs:effectRef idx="0"/>
+    <cs:fontRef idx="minor">
+      <a:schemeClr val="tx1"/>
+    </cs:fontRef>
+  </cs:plotArea3D>
+  <cs:seriesAxis>
+    <cs:lnRef idx="0"/>
+    <cs:fillRef idx="0"/>
+    <cs:effectRef idx="0"/>
+    <cs:fontRef idx="minor">
+      <a:schemeClr val="tx1">
+        <a:lumMod val="65000"/>
+        <a:lumOff val="35000"/>
+      </a:schemeClr>
+    </cs:fontRef>
+    <cs:defRPr sz="900" kern="1200"/>
+  </cs:seriesAxis>
+  <cs:seriesLine>
+    <cs:lnRef idx="0"/>
+    <cs:fillRef idx="0"/>
+    <cs:effectRef idx="0"/>
+    <cs:fontRef idx="minor">
+      <a:schemeClr val="tx1"/>
+    </cs:fontRef>
+    <cs:spPr>
+      <a:ln w="9525" cap="flat" cmpd="sng" algn="ctr">
+        <a:solidFill>
+          <a:schemeClr val="tx1">
+            <a:lumMod val="35000"/>
+            <a:lumOff val="65000"/>
+          </a:schemeClr>
+        </a:solidFill>
+        <a:round/>
+      </a:ln>
+    </cs:spPr>
+  </cs:seriesLine>
+  <cs:title>
+    <cs:lnRef idx="0"/>
+    <cs:fillRef idx="0"/>
+    <cs:effectRef idx="0"/>
+    <cs:fontRef idx="minor">
+      <a:schemeClr val="tx1">
+        <a:lumMod val="65000"/>
+        <a:lumOff val="35000"/>
+      </a:schemeClr>
+    </cs:fontRef>
+    <cs:defRPr sz="1400" b="0" kern="1200" spc="0" baseline="0"/>
+  </cs:title>
+  <cs:trendline>
+    <cs:lnRef idx="0">
+      <cs:styleClr val="auto"/>
+    </cs:lnRef>
+    <cs:fillRef idx="0"/>
+    <cs:effectRef idx="0"/>
+    <cs:fontRef idx="minor">
+      <a:schemeClr val="tx1"/>
+    </cs:fontRef>
+    <cs:spPr>
+      <a:ln w="19050" cap="rnd">
+        <a:solidFill>
+          <a:schemeClr val="phClr"/>
+        </a:solidFill>
+        <a:prstDash val="sysDot"/>
+      </a:ln>
+    </cs:spPr>
+  </cs:trendline>
+  <cs:trendlineLabel>
+    <cs:lnRef idx="0"/>
+    <cs:fillRef idx="0"/>
+    <cs:effectRef idx="0"/>
+    <cs:fontRef idx="minor">
+      <a:schemeClr val="tx1">
+        <a:lumMod val="65000"/>
+        <a:lumOff val="35000"/>
+      </a:schemeClr>
+    </cs:fontRef>
+    <cs:defRPr sz="900" kern="1200"/>
+  </cs:trendlineLabel>
+  <cs:upBar>
+    <cs:lnRef idx="0"/>
+    <cs:fillRef idx="0"/>
+    <cs:effectRef idx="0"/>
+    <cs:fontRef idx="minor">
+      <a:schemeClr val="dk1"/>
+    </cs:fontRef>
+    <cs:spPr>
+      <a:solidFill>
+        <a:schemeClr val="lt1"/>
+      </a:solidFill>
+      <a:ln w="9525">
+        <a:solidFill>
+          <a:schemeClr val="tx1">
+            <a:lumMod val="15000"/>
+            <a:lumOff val="85000"/>
+          </a:schemeClr>
+        </a:solidFill>
+      </a:ln>
+    </cs:spPr>
+  </cs:upBar>
+  <cs:valueAxis>
+    <cs:lnRef idx="0"/>
+    <cs:fillRef idx="0"/>
+    <cs:effectRef idx="0"/>
+    <cs:fontRef idx="minor">
+      <a:schemeClr val="tx1">
+        <a:lumMod val="65000"/>
+        <a:lumOff val="35000"/>
+      </a:schemeClr>
+    </cs:fontRef>
+    <cs:defRPr sz="900" kern="1200"/>
+  </cs:valueAxis>
+  <cs:wall>
+    <cs:lnRef idx="0"/>
+    <cs:fillRef idx="0"/>
+    <cs:effectRef idx="0"/>
+    <cs:fontRef idx="minor">
+      <a:schemeClr val="tx1"/>
+    </cs:fontRef>
+    <cs:spPr>
+      <a:noFill/>
+      <a:ln>
+        <a:noFill/>
+      </a:ln>
+    </cs:spPr>
+  </cs:wall>
+</cs:chartStyle>
+</file>
+
+<file path=ppt/diagrams/colors1.xml><?xml version="1.0" encoding="utf-8"?>
+<dgm:colorsDef xmlns:dgm="http://schemas.openxmlformats.org/drawingml/2006/diagram" xmlns:a="http://schemas.openxmlformats.org/drawingml/2006/main" uniqueId="urn:microsoft.com/office/officeart/2005/8/colors/accent1_2">
+  <dgm:title val=""/>
+  <dgm:desc val=""/>
+  <dgm:catLst>
+    <dgm:cat type="accent1" pri="11200"/>
+  </dgm:catLst>
+  <dgm:styleLbl name="node0">
+    <dgm:fillClrLst meth="repeat">
+      <a:schemeClr val="accent1"/>
+    </dgm:fillClrLst>
+    <dgm:linClrLst meth="repeat">
+      <a:schemeClr val="lt1"/>
+    </dgm:linClrLst>
+    <dgm:effectClrLst/>
+    <dgm:txLinClrLst/>
+    <dgm:txFillClrLst/>
+    <dgm:txEffectClrLst/>
+  </dgm:styleLbl>
+  <dgm:styleLbl name="alignNode1">
+    <dgm:fillClrLst meth="repeat">
+      <a:schemeClr val="accent1"/>
+    </dgm:fillClrLst>
+    <dgm:linClrLst meth="repeat">
+      <a:schemeClr val="accent1"/>
+    </dgm:linClrLst>
+    <dgm:effectClrLst/>
+    <dgm:txLinClrLst/>
+    <dgm:txFillClrLst/>
+    <dgm:txEffectClrLst/>
+  </dgm:styleLbl>
+  <dgm:styleLbl name="node1">
+    <dgm:fillClrLst meth="repeat">
+      <a:schemeClr val="accent1"/>
+    </dgm:fillClrLst>
+    <dgm:linClrLst meth="repeat">
+      <a:schemeClr val="lt1"/>
+    </dgm:linClrLst>
+    <dgm:effectClrLst/>
+    <dgm:txLinClrLst/>
+    <dgm:txFillClrLst/>
+    <dgm:txEffectClrLst/>
+  </dgm:styleLbl>
+  <dgm:styleLbl name="lnNode1">
+    <dgm:fillClrLst meth="repeat">
+      <a:schemeClr val="accent1"/>
+    </dgm:fillClrLst>
+    <dgm:linClrLst meth="repeat">
+      <a:schemeClr val="lt1"/>
+    </dgm:linClrLst>
+    <dgm:effectClrLst/>
+    <dgm:txLinClrLst/>
+    <dgm:txFillClrLst/>
+    <dgm:txEffectClrLst/>
+  </dgm:styleLbl>
+  <dgm:styleLbl name="vennNode1">
+    <dgm:fillClrLst meth="repeat">
+      <a:schemeClr val="accent1">
+        <a:alpha val="50000"/>
+      </a:schemeClr>
+    </dgm:fillClrLst>
+    <dgm:linClrLst meth="repeat">
+      <a:schemeClr val="lt1"/>
+    </dgm:linClrLst>
+    <dgm:effectClrLst/>
+    <dgm:txLinClrLst/>
+    <dgm:txFillClrLst/>
+    <dgm:txEffectClrLst/>
+  </dgm:styleLbl>
+  <dgm:styleLbl name="node2">
+    <dgm:fillClrLst meth="repeat">
+      <a:schemeClr val="accent1"/>
+    </dgm:fillClrLst>
+    <dgm:linClrLst meth="repeat">
+      <a:schemeClr val="lt1"/>
+    </dgm:linClrLst>
+    <dgm:effectClrLst/>
+    <dgm:txLinClrLst/>
+    <dgm:txFillClrLst/>
+    <dgm:txEffectClrLst/>
+  </dgm:styleLbl>
+  <dgm:styleLbl name="node3">
+    <dgm:fillClrLst meth="repeat">
+      <a:schemeClr val="accent1"/>
+    </dgm:fillClrLst>
+    <dgm:linClrLst meth="repeat">
+      <a:schemeClr val="lt1"/>
+    </dgm:linClrLst>
+    <dgm:effectClrLst/>
+    <dgm:txLinClrLst/>
+    <dgm:txFillClrLst/>
+    <dgm:txEffectClrLst/>
+  </dgm:styleLbl>
+  <dgm:styleLbl name="node4">
+    <dgm:fillClrLst meth="repeat">
+      <a:schemeClr val="accent1"/>
+    </dgm:fillClrLst>
+    <dgm:linClrLst meth="repeat">
+      <a:schemeClr val="lt1"/>
+    </dgm:linClrLst>
+    <dgm:effectClrLst/>
+    <dgm:txLinClrLst/>
+    <dgm:txFillClrLst/>
+    <dgm:txEffectClrLst/>
+  </dgm:styleLbl>
+  <dgm:styleLbl name="fgImgPlace1">
+    <dgm:fillClrLst meth="repeat">
+      <a:schemeClr val="accent1">
+        <a:tint val="50000"/>
+      </a:schemeClr>
+    </dgm:fillClrLst>
+    <dgm:linClrLst meth="repeat">
+      <a:schemeClr val="lt1"/>
+    </dgm:linClrLst>
+    <dgm:effectClrLst/>
+    <dgm:txLinClrLst/>
+    <dgm:txFillClrLst meth="repeat">
+      <a:schemeClr val="lt1"/>
+    </dgm:txFillClrLst>
+    <dgm:txEffectClrLst/>
+  </dgm:styleLbl>
+  <dgm:styleLbl name="alignImgPlace1">
+    <dgm:fillClrLst meth="repeat">
+      <a:schemeClr val="accent1">
+        <a:tint val="50000"/>
+      </a:schemeClr>
+    </dgm:fillClrLst>
+    <dgm:linClrLst meth="repeat">
+      <a:schemeClr val="lt1"/>
+    </dgm:linClrLst>
+    <dgm:effectClrLst/>
+    <dgm:txLinClrLst/>
+    <dgm:txFillClrLst meth="repeat">
+      <a:schemeClr val="lt1"/>
+    </dgm:txFillClrLst>
+    <dgm:txEffectClrLst/>
+  </dgm:styleLbl>
+  <dgm:styleLbl name="bgImgPlace1">
+    <dgm:fillClrLst meth="repeat">
+      <a:schemeClr val="accent1">
+        <a:tint val="50000"/>
+      </a:schemeClr>
+    </dgm:fillClrLst>
+    <dgm:linClrLst meth="repeat">
+      <a:schemeClr val="lt1"/>
+    </dgm:linClrLst>
+    <dgm:effectClrLst/>
+    <dgm:txLinClrLst/>
+    <dgm:txFillClrLst meth="repeat">
+      <a:schemeClr val="lt1"/>
+    </dgm:txFillClrLst>
+    <dgm:txEffectClrLst/>
+  </dgm:styleLbl>
+  <dgm:styleLbl name="sibTrans2D1">
+    <dgm:fillClrLst meth="repeat">
+      <a:schemeClr val="accent1">
+        <a:tint val="60000"/>
+      </a:schemeClr>
+    </dgm:fillClrLst>
+    <dgm:linClrLst meth="repeat">
+      <a:schemeClr val="accent1">
+        <a:tint val="60000"/>
+      </a:schemeClr>
+    </dgm:linClrLst>
+    <dgm:effectClrLst/>
+    <dgm:txLinClrLst/>
+    <dgm:txFillClrLst/>
+    <dgm:txEffectClrLst/>
+  </dgm:styleLbl>
+  <dgm:styleLbl name="fgSibTrans2D1">
+    <dgm:fillClrLst meth="repeat">
+      <a:schemeClr val="accent1">
+        <a:tint val="60000"/>
+      </a:schemeClr>
+    </dgm:fillClrLst>
+    <dgm:linClrLst meth="repeat">
+      <a:schemeClr val="accent1">
+        <a:tint val="60000"/>
+      </a:schemeClr>
+    </dgm:linClrLst>
+    <dgm:effectClrLst/>
+    <dgm:txLinClrLst/>
+    <dgm:txFillClrLst/>
+    <dgm:txEffectClrLst/>
+  </dgm:styleLbl>
+  <dgm:styleLbl name="bgSibTrans2D1">
+    <dgm:fillClrLst meth="repeat">
+      <a:schemeClr val="accent1">
+        <a:tint val="60000"/>
+      </a:schemeClr>
+    </dgm:fillClrLst>
+    <dgm:linClrLst meth="repeat">
+      <a:schemeClr val="accent1">
+        <a:tint val="60000"/>
+      </a:schemeClr>
+    </dgm:linClrLst>
+    <dgm:effectClrLst/>
+    <dgm:txLinClrLst/>
+    <dgm:txFillClrLst/>
+    <dgm:txEffectClrLst/>
+  </dgm:styleLbl>
+  <dgm:styleLbl name="sibTrans1D1">
+    <dgm:fillClrLst meth="repeat">
+      <a:schemeClr val="accent1"/>
+    </dgm:fillClrLst>
+    <dgm:linClrLst meth="repeat">
+      <a:schemeClr val="accent1"/>
+    </dgm:linClrLst>
+    <dgm:effectClrLst/>
+    <dgm:txLinClrLst/>
+    <dgm:txFillClrLst meth="repeat">
+      <a:schemeClr val="tx1"/>
+    </dgm:txFillClrLst>
+    <dgm:txEffectClrLst/>
+  </dgm:styleLbl>
+  <dgm:styleLbl name="callout">
+    <dgm:fillClrLst meth="repeat">
+      <a:schemeClr val="accent1"/>
+    </dgm:fillClrLst>
+    <dgm:linClrLst meth="repeat">
+      <a:schemeClr val="accent1">
+        <a:tint val="50000"/>
+      </a:schemeClr>
+    </dgm:linClrLst>
+    <dgm:effectClrLst/>
+    <dgm:txLinClrLst/>
+    <dgm:txFillClrLst meth="repeat">
+      <a:schemeClr val="tx1"/>
+    </dgm:txFillClrLst>
+    <dgm:txEffectClrLst/>
+  </dgm:styleLbl>
+  <dgm:styleLbl name="asst0">
+    <dgm:fillClrLst meth="repeat">
+      <a:schemeClr val="accent1"/>
+    </dgm:fillClrLst>
+    <dgm:linClrLst meth="repeat">
+      <a:schemeClr val="lt1"/>
+    </dgm:linClrLst>
+    <dgm:effectClrLst/>
+    <dgm:txLinClrLst/>
+    <dgm:txFillClrLst/>
+    <dgm:txEffectClrLst/>
+  </dgm:styleLbl>
+  <dgm:styleLbl name="asst1">
+    <dgm:fillClrLst meth="repeat">
+      <a:schemeClr val="accent1"/>
+    </dgm:fillClrLst>
+    <dgm:linClrLst meth="repeat">
+      <a:schemeClr val="lt1"/>
+    </dgm:linClrLst>
+    <dgm:effectClrLst/>
+    <dgm:txLinClrLst/>
+    <dgm:txFillClrLst/>
+    <dgm:txEffectClrLst/>
+  </dgm:styleLbl>
+  <dgm:styleLbl name="asst2">
+    <dgm:fillClrLst meth="repeat">
+      <a:schemeClr val="accent1"/>
+    </dgm:fillClrLst>
+    <dgm:linClrLst meth="repeat">
+      <a:schemeClr val="lt1"/>
+    </dgm:linClrLst>
+    <dgm:effectClrLst/>
+    <dgm:txLinClrLst/>
+    <dgm:txFillClrLst/>
+    <dgm:txEffectClrLst/>
+  </dgm:styleLbl>
+  <dgm:styleLbl name="asst3">
+    <dgm:fillClrLst meth="repeat">
+      <a:schemeClr val="accent1"/>
+    </dgm:fillClrLst>
+    <dgm:linClrLst meth="repeat">
+      <a:schemeClr val="lt1"/>
+    </dgm:linClrLst>
+    <dgm:effectClrLst/>
+    <dgm:txLinClrLst/>
+    <dgm:txFillClrLst/>
+    <dgm:txEffectClrLst/>
+  </dgm:styleLbl>
+  <dgm:styleLbl name="asst4">
+    <dgm:fillClrLst meth="repeat">
+      <a:schemeClr val="accent1"/>
+    </dgm:fillClrLst>
+    <dgm:linClrLst meth="repeat">
+      <a:schemeClr val="lt1"/>
+    </dgm:linClrLst>
+    <dgm:effectClrLst/>
+    <dgm:txLinClrLst/>
+    <dgm:txFillClrLst/>
+    <dgm:txEffectClrLst/>
+  </dgm:styleLbl>
+  <dgm:styleLbl name="parChTrans2D1">
+    <dgm:fillClrLst meth="repeat">
+      <a:schemeClr val="accent1">
+        <a:tint val="60000"/>
+      </a:schemeClr>
+    </dgm:fillClrLst>
+    <dgm:linClrLst meth="repeat">
+      <a:schemeClr val="accent1">
+        <a:tint val="60000"/>
+      </a:schemeClr>
+    </dgm:linClrLst>
+    <dgm:effectClrLst/>
+    <dgm:txLinClrLst/>
+    <dgm:txFillClrLst meth="repeat">
+      <a:schemeClr val="lt1"/>
+    </dgm:txFillClrLst>
+    <dgm:txEffectClrLst/>
+  </dgm:styleLbl>
+  <dgm:styleLbl name="parChTrans2D2">
+    <dgm:fillClrLst meth="repeat">
+      <a:schemeClr val="accent1"/>
+    </dgm:fillClrLst>
+    <dgm:linClrLst meth="repeat">
+      <a:schemeClr val="accent1"/>
+    </dgm:linClrLst>
+    <dgm:effectClrLst/>
+    <dgm:txLinClrLst/>
+    <dgm:txFillClrLst meth="repeat">
+      <a:schemeClr val="lt1"/>
+    </dgm:txFillClrLst>
+    <dgm:txEffectClrLst/>
+  </dgm:styleLbl>
+  <dgm:styleLbl name="parChTrans2D3">
+    <dgm:fillClrLst meth="repeat">
+      <a:schemeClr val="accent1"/>
+    </dgm:fillClrLst>
+    <dgm:linClrLst meth="repeat">
+      <a:schemeClr val="accent1"/>
+    </dgm:linClrLst>
+    <dgm:effectClrLst/>
+    <dgm:txLinClrLst/>
+    <dgm:txFillClrLst meth="repeat">
+      <a:schemeClr val="lt1"/>
+    </dgm:txFillClrLst>
+    <dgm:txEffectClrLst/>
+  </dgm:styleLbl>
+  <dgm:styleLbl name="parChTrans2D4">
+    <dgm:fillClrLst meth="repeat">
+      <a:schemeClr val="accent1"/>
+    </dgm:fillClrLst>
+    <dgm:linClrLst meth="repeat">
+      <a:schemeClr val="accent1"/>
+    </dgm:linClrLst>
+    <dgm:effectClrLst/>
+    <dgm:txLinClrLst/>
+    <dgm:txFillClrLst meth="repeat">
+      <a:schemeClr val="lt1"/>
+    </dgm:txFillClrLst>
+    <dgm:txEffectClrLst/>
+  </dgm:styleLbl>
+  <dgm:styleLbl name="parChTrans1D1">
+    <dgm:fillClrLst meth="repeat">
+      <a:schemeClr val="accent1"/>
+    </dgm:fillClrLst>
+    <dgm:linClrLst meth="repeat">
+      <a:schemeClr val="accent1">
+        <a:shade val="60000"/>
+      </a:schemeClr>
+    </dgm:linClrLst>
+    <dgm:effectClrLst/>
+    <dgm:txLinClrLst/>
+    <dgm:txFillClrLst meth="repeat">
+      <a:schemeClr val="tx1"/>
+    </dgm:txFillClrLst>
+    <dgm:txEffectClrLst/>
+  </dgm:styleLbl>
+  <dgm:styleLbl name="parChTrans1D2">
+    <dgm:fillClrLst meth="repeat">
+      <a:schemeClr val="accent1"/>
+    </dgm:fillClrLst>
+    <dgm:linClrLst meth="repeat">
+      <a:schemeClr val="accent1">
+        <a:shade val="60000"/>
+      </a:schemeClr>
+    </dgm:linClrLst>
+    <dgm:effectClrLst/>
+    <dgm:txLinClrLst/>
+    <dgm:txFillClrLst meth="repeat">
+      <a:schemeClr val="tx1"/>
+    </dgm:txFillClrLst>
+    <dgm:txEffectClrLst/>
+  </dgm:styleLbl>
+  <dgm:styleLbl name="parChTrans1D3">
+    <dgm:fillClrLst meth="repeat">
+      <a:schemeClr val="accent1"/>
+    </dgm:fillClrLst>
+    <dgm:linClrLst meth="repeat">
+      <a:schemeClr val="accent1">
+        <a:shade val="80000"/>
+      </a:schemeClr>
+    </dgm:linClrLst>
+    <dgm:effectClrLst/>
+    <dgm:txLinClrLst/>
+    <dgm:txFillClrLst meth="repeat">
+      <a:schemeClr val="tx1"/>
+    </dgm:txFillClrLst>
+    <dgm:txEffectClrLst/>
+  </dgm:styleLbl>
+  <dgm:styleLbl name="parChTrans1D4">
+    <dgm:fillClrLst meth="repeat">
+      <a:schemeClr val="accent1"/>
+    </dgm:fillClrLst>
+    <dgm:linClrLst meth="repeat">
+      <a:schemeClr val="accent1">
+        <a:shade val="80000"/>
+      </a:schemeClr>
+    </dgm:linClrLst>
+    <dgm:effectClrLst/>
+    <dgm:txLinClrLst/>
+    <dgm:txFillClrLst meth="repeat">
+      <a:schemeClr val="tx1"/>
+    </dgm:txFillClrLst>
+    <dgm:txEffectClrLst/>
+  </dgm:styleLbl>
+  <dgm:styleLbl name="fgAcc1">
+    <dgm:fillClrLst meth="repeat">
+      <a:schemeClr val="lt1">
+        <a:alpha val="90000"/>
+      </a:schemeClr>
+    </dgm:fillClrLst>
+    <dgm:linClrLst meth="repeat">
+      <a:schemeClr val="accent1"/>
+    </dgm:linClrLst>
+    <dgm:effectClrLst/>
+    <dgm:txLinClrLst/>
+    <dgm:txFillClrLst meth="repeat">
+      <a:schemeClr val="dk1"/>
+    </dgm:txFillClrLst>
+    <dgm:txEffectClrLst/>
+  </dgm:styleLbl>
+  <dgm:styleLbl name="conFgAcc1">
+    <dgm:fillClrLst meth="repeat">
+      <a:schemeClr val="lt1">
+        <a:alpha val="90000"/>
+      </a:schemeClr>
+    </dgm:fillClrLst>
+    <dgm:linClrLst meth="repeat">
+      <a:schemeClr val="accent1"/>
+    </dgm:linClrLst>
+    <dgm:effectClrLst/>
+    <dgm:txLinClrLst/>
+    <dgm:txFillClrLst meth="repeat">
+      <a:schemeClr val="dk1"/>
+    </dgm:txFillClrLst>
+    <dgm:txEffectClrLst/>
+  </dgm:styleLbl>
+  <dgm:styleLbl name="alignAcc1">
+    <dgm:fillClrLst meth="repeat">
+      <a:schemeClr val="lt1">
+        <a:alpha val="90000"/>
+      </a:schemeClr>
+    </dgm:fillClrLst>
+    <dgm:linClrLst meth="repeat">
+      <a:schemeClr val="accent1"/>
+    </dgm:linClrLst>
+    <dgm:effectClrLst/>
+    <dgm:txLinClrLst/>
+    <dgm:txFillClrLst meth="repeat">
+      <a:schemeClr val="dk1"/>
+    </dgm:txFillClrLst>
+    <dgm:txEffectClrLst/>
+  </dgm:styleLbl>
+  <dgm:styleLbl name="trAlignAcc1">
+    <dgm:fillClrLst meth="repeat">
+      <a:schemeClr val="lt1">
+        <a:alpha val="40000"/>
+      </a:schemeClr>
+    </dgm:fillClrLst>
+    <dgm:linClrLst meth="repeat">
+      <a:schemeClr val="accent1"/>
+    </dgm:linClrLst>
+    <dgm:effectClrLst/>
+    <dgm:txLinClrLst/>
+    <dgm:txFillClrLst meth="repeat">
+      <a:schemeClr val="dk1"/>
+    </dgm:txFillClrLst>
+    <dgm:txEffectClrLst/>
+  </dgm:styleLbl>
+  <dgm:styleLbl name="bgAcc1">
+    <dgm:fillClrLst meth="repeat">
+      <a:schemeClr val="lt1">
+        <a:alpha val="90000"/>
+      </a:schemeClr>
+    </dgm:fillClrLst>
+    <dgm:linClrLst meth="repeat">
+      <a:schemeClr val="accent1"/>
+    </dgm:linClrLst>
+    <dgm:effectClrLst/>
+    <dgm:txLinClrLst/>
+    <dgm:txFillClrLst meth="repeat">
+      <a:schemeClr val="dk1"/>
+    </dgm:txFillClrLst>
+    <dgm:txEffectClrLst/>
+  </dgm:styleLbl>
+  <dgm:styleLbl name="solidFgAcc1">
+    <dgm:fillClrLst meth="repeat">
+      <a:schemeClr val="lt1"/>
+    </dgm:fillClrLst>
+    <dgm:linClrLst meth="repeat">
+      <a:schemeClr val="accent1"/>
+    </dgm:linClrLst>
+    <dgm:effectClrLst/>
+    <dgm:txLinClrLst/>
+    <dgm:txFillClrLst meth="repeat">
+      <a:schemeClr val="dk1"/>
+    </dgm:txFillClrLst>
+    <dgm:txEffectClrLst/>
+  </dgm:styleLbl>
+  <dgm:styleLbl name="solidAlignAcc1">
+    <dgm:fillClrLst meth="repeat">
+      <a:schemeClr val="lt1"/>
+    </dgm:fillClrLst>
+    <dgm:linClrLst meth="repeat">
+      <a:schemeClr val="accent1"/>
+    </dgm:linClrLst>
+    <dgm:effectClrLst/>
+    <dgm:txLinClrLst/>
+    <dgm:txFillClrLst meth="repeat">
+      <a:schemeClr val="dk1"/>
+    </dgm:txFillClrLst>
+    <dgm:txEffectClrLst/>
+  </dgm:styleLbl>
+  <dgm:styleLbl name="solidBgAcc1">
+    <dgm:fillClrLst meth="repeat">
+      <a:schemeClr val="lt1"/>
+    </dgm:fillClrLst>
+    <dgm:linClrLst meth="repeat">
+      <a:schemeClr val="accent1"/>
+    </dgm:linClrLst>
+    <dgm:effectClrLst/>
+    <dgm:txLinClrLst/>
+    <dgm:txFillClrLst meth="repeat">
+      <a:schemeClr val="dk1"/>
+    </dgm:txFillClrLst>
+    <dgm:txEffectClrLst/>
+  </dgm:styleLbl>
+  <dgm:styleLbl name="fgAccFollowNode1">
+    <dgm:fillClrLst meth="repeat">
+      <a:schemeClr val="accent1">
+        <a:alpha val="90000"/>
+        <a:tint val="40000"/>
+      </a:schemeClr>
+    </dgm:fillClrLst>
+    <dgm:linClrLst meth="repeat">
+      <a:schemeClr val="accent1">
+        <a:alpha val="90000"/>
+        <a:tint val="40000"/>
+      </a:schemeClr>
+    </dgm:linClrLst>
+    <dgm:effectClrLst/>
+    <dgm:txLinClrLst/>
+    <dgm:txFillClrLst meth="repeat">
+      <a:schemeClr val="dk1"/>
+    </dgm:txFillClrLst>
+    <dgm:txEffectClrLst/>
+  </dgm:styleLbl>
+  <dgm:styleLbl name="alignAccFollowNode1">
+    <dgm:fillClrLst meth="repeat">
+      <a:schemeClr val="accent1">
+        <a:alpha val="90000"/>
+        <a:tint val="40000"/>
+      </a:schemeClr>
+    </dgm:fillClrLst>
+    <dgm:linClrLst meth="repeat">
+      <a:schemeClr val="accent1">
+        <a:alpha val="90000"/>
+        <a:tint val="40000"/>
+      </a:schemeClr>
+    </dgm:linClrLst>
+    <dgm:effectClrLst/>
+    <dgm:txLinClrLst/>
+    <dgm:txFillClrLst meth="repeat">
+      <a:schemeClr val="dk1"/>
+    </dgm:txFillClrLst>
+    <dgm:txEffectClrLst/>
+  </dgm:styleLbl>
+  <dgm:styleLbl name="bgAccFollowNode1">
+    <dgm:fillClrLst meth="repeat">
+      <a:schemeClr val="accent1">
+        <a:alpha val="90000"/>
+        <a:tint val="40000"/>
+      </a:schemeClr>
+    </dgm:fillClrLst>
+    <dgm:linClrLst meth="repeat">
+      <a:schemeClr val="accent1">
+        <a:alpha val="90000"/>
+        <a:tint val="40000"/>
+      </a:schemeClr>
+    </dgm:linClrLst>
+    <dgm:effectClrLst/>
+    <dgm:txLinClrLst/>
+    <dgm:txFillClrLst meth="repeat">
+      <a:schemeClr val="dk1"/>
+    </dgm:txFillClrLst>
+    <dgm:txEffectClrLst/>
+  </dgm:styleLbl>
+  <dgm:styleLbl name="fgAcc0">
+    <dgm:fillClrLst meth="repeat">
+      <a:schemeClr val="lt1">
+        <a:alpha val="90000"/>
+      </a:schemeClr>
+    </dgm:fillClrLst>
+    <dgm:linClrLst meth="repeat">
+      <a:schemeClr val="accent1"/>
+    </dgm:linClrLst>
+    <dgm:effectClrLst/>
+    <dgm:txLinClrLst/>
+    <dgm:txFillClrLst meth="repeat">
+      <a:schemeClr val="dk1"/>
+    </dgm:txFillClrLst>
+    <dgm:txEffectClrLst/>
+  </dgm:styleLbl>
+  <dgm:styleLbl name="fgAcc2">
+    <dgm:fillClrLst meth="repeat">
+      <a:schemeClr val="lt1">
+        <a:alpha val="90000"/>
+      </a:schemeClr>
+    </dgm:fillClrLst>
+    <dgm:linClrLst meth="repeat">
+      <a:schemeClr val="accent1"/>
+    </dgm:linClrLst>
+    <dgm:effectClrLst/>
+    <dgm:txLinClrLst/>
+    <dgm:txFillClrLst meth="repeat">
+      <a:schemeClr val="dk1"/>
+    </dgm:txFillClrLst>
+    <dgm:txEffectClrLst/>
+  </dgm:styleLbl>
+  <dgm:styleLbl name="fgAcc3">
+    <dgm:fillClrLst meth="repeat">
+      <a:schemeClr val="lt1">
+        <a:alpha val="90000"/>
+      </a:schemeClr>
+    </dgm:fillClrLst>
+    <dgm:linClrLst meth="repeat">
+      <a:schemeClr val="accent1"/>
+    </dgm:linClrLst>
+    <dgm:effectClrLst/>
+    <dgm:txLinClrLst/>
+    <dgm:txFillClrLst meth="repeat">
+      <a:schemeClr val="dk1"/>
+    </dgm:txFillClrLst>
+    <dgm:txEffectClrLst/>
+  </dgm:styleLbl>
+  <dgm:styleLbl name="fgAcc4">
+    <dgm:fillClrLst meth="repeat">
+      <a:schemeClr val="lt1">
+        <a:alpha val="90000"/>
+      </a:schemeClr>
+    </dgm:fillClrLst>
+    <dgm:linClrLst meth="repeat">
+      <a:schemeClr val="accent1"/>
+    </dgm:linClrLst>
+    <dgm:effectClrLst/>
+    <dgm:txLinClrLst/>
+    <dgm:txFillClrLst meth="repeat">
+      <a:schemeClr val="dk1"/>
+    </dgm:txFillClrLst>
+    <dgm:txEffectClrLst/>
+  </dgm:styleLbl>
+  <dgm:styleLbl name="bgShp">
+    <dgm:fillClrLst meth="repeat">
+      <a:schemeClr val="accent1">
+        <a:tint val="40000"/>
+      </a:schemeClr>
+    </dgm:fillClrLst>
+    <dgm:linClrLst meth="repeat">
+      <a:schemeClr val="accent1"/>
+    </dgm:linClrLst>
+    <dgm:effectClrLst/>
+    <dgm:txLinClrLst/>
+    <dgm:txFillClrLst meth="repeat">
+      <a:schemeClr val="dk1"/>
+    </dgm:txFillClrLst>
+    <dgm:txEffectClrLst/>
+  </dgm:styleLbl>
+  <dgm:styleLbl name="dkBgShp">
+    <dgm:fillClrLst meth="repeat">
+      <a:schemeClr val="accent1">
+        <a:shade val="80000"/>
+      </a:schemeClr>
+    </dgm:fillClrLst>
+    <dgm:linClrLst meth="repeat">
+      <a:schemeClr val="accent1"/>
+    </dgm:linClrLst>
+    <dgm:effectClrLst/>
+    <dgm:txLinClrLst/>
+    <dgm:txFillClrLst meth="repeat">
+      <a:schemeClr val="lt1"/>
+    </dgm:txFillClrLst>
+    <dgm:txEffectClrLst/>
+  </dgm:styleLbl>
+  <dgm:styleLbl name="trBgShp">
+    <dgm:fillClrLst meth="repeat">
+      <a:schemeClr val="accent1">
+        <a:tint val="50000"/>
+        <a:alpha val="40000"/>
+      </a:schemeClr>
+    </dgm:fillClrLst>
+    <dgm:linClrLst meth="repeat">
+      <a:schemeClr val="accent1"/>
+    </dgm:linClrLst>
+    <dgm:effectClrLst/>
+    <dgm:txLinClrLst/>
+    <dgm:txFillClrLst meth="repeat">
+      <a:schemeClr val="lt1"/>
+    </dgm:txFillClrLst>
+    <dgm:txEffectClrLst/>
+  </dgm:styleLbl>
+  <dgm:styleLbl name="fgShp">
+    <dgm:fillClrLst meth="repeat">
+      <a:schemeClr val="accent1">
+        <a:tint val="60000"/>
+      </a:schemeClr>
+    </dgm:fillClrLst>
+    <dgm:linClrLst meth="repeat">
+      <a:schemeClr val="lt1"/>
+    </dgm:linClrLst>
+    <dgm:effectClrLst/>
+    <dgm:txLinClrLst/>
+    <dgm:txFillClrLst meth="repeat">
+      <a:schemeClr val="dk1"/>
+    </dgm:txFillClrLst>
+    <dgm:txEffectClrLst/>
+  </dgm:styleLbl>
+  <dgm:styleLbl name="revTx">
+    <dgm:fillClrLst meth="repeat">
+      <a:schemeClr val="lt1">
+        <a:alpha val="0"/>
+      </a:schemeClr>
+    </dgm:fillClrLst>
+    <dgm:linClrLst meth="repeat">
+      <a:schemeClr val="dk1">
+        <a:alpha val="0"/>
+      </a:schemeClr>
+    </dgm:linClrLst>
+    <dgm:effectClrLst/>
+    <dgm:txLinClrLst/>
+    <dgm:txFillClrLst meth="repeat">
+      <a:schemeClr val="tx1"/>
+    </dgm:txFillClrLst>
+    <dgm:txEffectClrLst/>
+  </dgm:styleLbl>
+</dgm:colorsDef>
+</file>
+
+<file path=ppt/diagrams/data1.xml><?xml version="1.0" encoding="utf-8"?>
+<dgm:dataModel xmlns:dgm="http://schemas.openxmlformats.org/drawingml/2006/diagram" xmlns:a="http://schemas.openxmlformats.org/drawingml/2006/main">
+  <dgm:ptLst>
+    <dgm:pt modelId="{F2507726-2501-486C-B231-D9A1E3DB6D3C}" type="doc">
+      <dgm:prSet loTypeId="urn:microsoft.com/office/officeart/2005/8/layout/StepDownProcess" loCatId="process" qsTypeId="urn:microsoft.com/office/officeart/2005/8/quickstyle/simple1" qsCatId="simple" csTypeId="urn:microsoft.com/office/officeart/2005/8/colors/accent1_2" csCatId="accent1" phldr="1"/>
+      <dgm:spPr/>
+      <dgm:t>
+        <a:bodyPr/>
+        <a:lstStyle/>
+        <a:p>
+          <a:endParaRPr lang="fr-FR"/>
+        </a:p>
+      </dgm:t>
+    </dgm:pt>
+    <dgm:pt modelId="{787BEFF9-9FCD-466A-B9A5-9A2DCBC4EC4E}">
+      <dgm:prSet phldrT="[Texte]"/>
+      <dgm:spPr/>
+      <dgm:t>
+        <a:bodyPr/>
+        <a:lstStyle/>
+        <a:p>
+          <a:r>
+            <a:rPr lang="fr-FR" dirty="0"/>
+            <a:t>Phase d’analyse fonctionnelle</a:t>
+          </a:r>
+        </a:p>
+      </dgm:t>
+    </dgm:pt>
+    <dgm:pt modelId="{669AF6BF-D0BB-4D20-9DE9-A105125674A4}" type="parTrans" cxnId="{A63DCD4D-0260-4B15-89F7-4BDDBB8B7124}">
+      <dgm:prSet/>
+      <dgm:spPr/>
+      <dgm:t>
+        <a:bodyPr/>
+        <a:lstStyle/>
+        <a:p>
+          <a:endParaRPr lang="fr-FR"/>
+        </a:p>
+      </dgm:t>
+    </dgm:pt>
+    <dgm:pt modelId="{767863A2-0001-4D4D-97EC-ACB5D7347FA0}" type="sibTrans" cxnId="{A63DCD4D-0260-4B15-89F7-4BDDBB8B7124}">
+      <dgm:prSet/>
+      <dgm:spPr/>
+      <dgm:t>
+        <a:bodyPr/>
+        <a:lstStyle/>
+        <a:p>
+          <a:endParaRPr lang="fr-FR"/>
+        </a:p>
+      </dgm:t>
+    </dgm:pt>
+    <dgm:pt modelId="{6A56AC07-C0E6-4365-91E8-C00CFDB8AF33}">
+      <dgm:prSet phldrT="[Texte]"/>
+      <dgm:spPr/>
+      <dgm:t>
+        <a:bodyPr/>
+        <a:lstStyle/>
+        <a:p>
+          <a:r>
+            <a:rPr lang="fr-FR" dirty="0"/>
+            <a:t>Phase de modélisation et analyse</a:t>
+          </a:r>
+        </a:p>
+      </dgm:t>
+    </dgm:pt>
+    <dgm:pt modelId="{0D2DAF89-7DE0-4970-90B1-613EF990AA37}" type="parTrans" cxnId="{8F8BA5D5-FF51-42FF-9865-2D4BE43F2B92}">
+      <dgm:prSet/>
+      <dgm:spPr/>
+      <dgm:t>
+        <a:bodyPr/>
+        <a:lstStyle/>
+        <a:p>
+          <a:endParaRPr lang="fr-FR"/>
+        </a:p>
+      </dgm:t>
+    </dgm:pt>
+    <dgm:pt modelId="{8F4EA885-77A4-474D-A782-5A8D37E9F699}" type="sibTrans" cxnId="{8F8BA5D5-FF51-42FF-9865-2D4BE43F2B92}">
+      <dgm:prSet/>
+      <dgm:spPr/>
+      <dgm:t>
+        <a:bodyPr/>
+        <a:lstStyle/>
+        <a:p>
+          <a:endParaRPr lang="fr-FR"/>
+        </a:p>
+      </dgm:t>
+    </dgm:pt>
+    <dgm:pt modelId="{368D287A-68EC-49A7-8CCD-213EA732B05E}">
+      <dgm:prSet phldrT="[Texte]"/>
+      <dgm:spPr/>
+      <dgm:t>
+        <a:bodyPr/>
+        <a:lstStyle/>
+        <a:p>
+          <a:r>
+            <a:rPr lang="fr-FR" dirty="0"/>
+            <a:t>12/04/2019 – 30/08/2019</a:t>
+          </a:r>
+        </a:p>
+      </dgm:t>
+    </dgm:pt>
+    <dgm:pt modelId="{82BA6501-2C4A-4A1F-A0C9-54484C8CB974}" type="parTrans" cxnId="{5E16C973-4EFB-4200-9447-61DB1A3349D3}">
+      <dgm:prSet/>
+      <dgm:spPr/>
+      <dgm:t>
+        <a:bodyPr/>
+        <a:lstStyle/>
+        <a:p>
+          <a:endParaRPr lang="fr-FR"/>
+        </a:p>
+      </dgm:t>
+    </dgm:pt>
+    <dgm:pt modelId="{B8D77400-105F-448D-918F-2A6237DAE3B5}" type="sibTrans" cxnId="{5E16C973-4EFB-4200-9447-61DB1A3349D3}">
+      <dgm:prSet/>
+      <dgm:spPr/>
+      <dgm:t>
+        <a:bodyPr/>
+        <a:lstStyle/>
+        <a:p>
+          <a:endParaRPr lang="fr-FR"/>
+        </a:p>
+      </dgm:t>
+    </dgm:pt>
+    <dgm:pt modelId="{8BB2DF19-CCF7-47DC-B5FC-8D38E8BE2AA7}">
+      <dgm:prSet phldrT="[Texte]"/>
+      <dgm:spPr/>
+      <dgm:t>
+        <a:bodyPr/>
+        <a:lstStyle/>
+        <a:p>
+          <a:r>
+            <a:rPr lang="fr-FR" dirty="0"/>
+            <a:t>Phase de développement et test</a:t>
+          </a:r>
+        </a:p>
+      </dgm:t>
+    </dgm:pt>
+    <dgm:pt modelId="{AFBF9AA4-B6AB-43F5-BC0F-F3C635FC6ED1}" type="parTrans" cxnId="{643F3D47-F0AB-4AFA-8679-A365861CF322}">
+      <dgm:prSet/>
+      <dgm:spPr/>
+      <dgm:t>
+        <a:bodyPr/>
+        <a:lstStyle/>
+        <a:p>
+          <a:endParaRPr lang="fr-FR"/>
+        </a:p>
+      </dgm:t>
+    </dgm:pt>
+    <dgm:pt modelId="{3B946E26-58F1-4FEA-8690-154ACC70B8EE}" type="sibTrans" cxnId="{643F3D47-F0AB-4AFA-8679-A365861CF322}">
+      <dgm:prSet/>
+      <dgm:spPr/>
+      <dgm:t>
+        <a:bodyPr/>
+        <a:lstStyle/>
+        <a:p>
+          <a:endParaRPr lang="fr-FR"/>
+        </a:p>
+      </dgm:t>
+    </dgm:pt>
+    <dgm:pt modelId="{BE5CA57D-4CE3-4BC7-8ED3-A80EC8091898}">
+      <dgm:prSet phldrT="[Texte]" custT="1"/>
+      <dgm:spPr/>
+      <dgm:t>
+        <a:bodyPr/>
+        <a:lstStyle/>
+        <a:p>
+          <a:r>
+            <a:rPr lang="fr-FR" sz="1800" dirty="0"/>
+            <a:t>30/08/2019 – 14/05/2020</a:t>
+          </a:r>
+        </a:p>
+      </dgm:t>
+    </dgm:pt>
+    <dgm:pt modelId="{04172630-904D-4E13-8E4F-240236DB0824}" type="parTrans" cxnId="{4603678C-5BDF-426D-A68B-6957398F23BF}">
+      <dgm:prSet/>
+      <dgm:spPr/>
+      <dgm:t>
+        <a:bodyPr/>
+        <a:lstStyle/>
+        <a:p>
+          <a:endParaRPr lang="fr-FR"/>
+        </a:p>
+      </dgm:t>
+    </dgm:pt>
+    <dgm:pt modelId="{797AA616-002E-440B-ACBF-416A3261D139}" type="sibTrans" cxnId="{4603678C-5BDF-426D-A68B-6957398F23BF}">
+      <dgm:prSet/>
+      <dgm:spPr/>
+      <dgm:t>
+        <a:bodyPr/>
+        <a:lstStyle/>
+        <a:p>
+          <a:endParaRPr lang="fr-FR"/>
+        </a:p>
+      </dgm:t>
+    </dgm:pt>
+    <dgm:pt modelId="{85F51894-792E-45D4-924C-B352B72D62DB}">
+      <dgm:prSet phldrT="[Texte]"/>
+      <dgm:spPr/>
+      <dgm:t>
+        <a:bodyPr/>
+        <a:lstStyle/>
+        <a:p>
+          <a:r>
+            <a:rPr lang="fr-FR" dirty="0"/>
+            <a:t>16/11/2018 – 12/04/2019</a:t>
+          </a:r>
+        </a:p>
+      </dgm:t>
+    </dgm:pt>
+    <dgm:pt modelId="{A836F513-9ECF-42A7-BDB2-8FD127233918}" type="parTrans" cxnId="{3D3FED37-A53C-4D33-8FB1-CEDAC779D1B4}">
+      <dgm:prSet/>
+      <dgm:spPr/>
+      <dgm:t>
+        <a:bodyPr/>
+        <a:lstStyle/>
+        <a:p>
+          <a:endParaRPr lang="fr-FR"/>
+        </a:p>
+      </dgm:t>
+    </dgm:pt>
+    <dgm:pt modelId="{9AC5EF7E-716A-4ED9-B6F6-73D6476A18CB}" type="sibTrans" cxnId="{3D3FED37-A53C-4D33-8FB1-CEDAC779D1B4}">
+      <dgm:prSet/>
+      <dgm:spPr/>
+      <dgm:t>
+        <a:bodyPr/>
+        <a:lstStyle/>
+        <a:p>
+          <a:endParaRPr lang="fr-FR"/>
+        </a:p>
+      </dgm:t>
+    </dgm:pt>
+    <dgm:pt modelId="{B067E2F2-691B-4266-955B-8BB53734502A}">
+      <dgm:prSet phldrT="[Texte]"/>
+      <dgm:spPr/>
+      <dgm:t>
+        <a:bodyPr/>
+        <a:lstStyle/>
+        <a:p>
+          <a:r>
+            <a:rPr lang="fr-FR" dirty="0"/>
+            <a:t>13250€ prévisionnel</a:t>
+          </a:r>
+        </a:p>
+      </dgm:t>
+    </dgm:pt>
+    <dgm:pt modelId="{438DA647-F606-455A-B94A-4914F8D17945}" type="parTrans" cxnId="{EECDFA45-7D6C-42C4-A1F4-AEA478C8146A}">
+      <dgm:prSet/>
+      <dgm:spPr/>
+      <dgm:t>
+        <a:bodyPr/>
+        <a:lstStyle/>
+        <a:p>
+          <a:endParaRPr lang="fr-FR"/>
+        </a:p>
+      </dgm:t>
+    </dgm:pt>
+    <dgm:pt modelId="{BD039661-9B15-4C38-9C3E-ADC8EA6FECFC}" type="sibTrans" cxnId="{EECDFA45-7D6C-42C4-A1F4-AEA478C8146A}">
+      <dgm:prSet/>
+      <dgm:spPr/>
+      <dgm:t>
+        <a:bodyPr/>
+        <a:lstStyle/>
+        <a:p>
+          <a:endParaRPr lang="fr-FR"/>
+        </a:p>
+      </dgm:t>
+    </dgm:pt>
+    <dgm:pt modelId="{A7415326-2F5C-42C7-9C96-D4B59C1509BC}">
+      <dgm:prSet phldrT="[Texte]"/>
+      <dgm:spPr/>
+      <dgm:t>
+        <a:bodyPr/>
+        <a:lstStyle/>
+        <a:p>
+          <a:r>
+            <a:rPr lang="fr-FR" dirty="0"/>
+            <a:t>18550€ prévisionnel</a:t>
+          </a:r>
+        </a:p>
+      </dgm:t>
+    </dgm:pt>
+    <dgm:pt modelId="{D2D78495-5677-443A-9BA8-8CA68988EE17}" type="parTrans" cxnId="{062369EB-85DD-4B43-9DA7-861B2A5CABFA}">
+      <dgm:prSet/>
+      <dgm:spPr/>
+      <dgm:t>
+        <a:bodyPr/>
+        <a:lstStyle/>
+        <a:p>
+          <a:endParaRPr lang="fr-FR"/>
+        </a:p>
+      </dgm:t>
+    </dgm:pt>
+    <dgm:pt modelId="{D6146D55-EEFA-4E57-8D05-6EC18246F8B7}" type="sibTrans" cxnId="{062369EB-85DD-4B43-9DA7-861B2A5CABFA}">
+      <dgm:prSet/>
+      <dgm:spPr/>
+      <dgm:t>
+        <a:bodyPr/>
+        <a:lstStyle/>
+        <a:p>
+          <a:endParaRPr lang="fr-FR"/>
+        </a:p>
+      </dgm:t>
+    </dgm:pt>
+    <dgm:pt modelId="{A94CE76D-05A0-4F1D-B330-D260F0160505}">
+      <dgm:prSet phldrT="[Texte]" custT="1"/>
+      <dgm:spPr/>
+      <dgm:t>
+        <a:bodyPr/>
+        <a:lstStyle/>
+        <a:p>
+          <a:r>
+            <a:rPr lang="fr-FR" sz="1800" dirty="0"/>
+            <a:t>58450€ prévisionnel</a:t>
+          </a:r>
+        </a:p>
+      </dgm:t>
+    </dgm:pt>
+    <dgm:pt modelId="{EA821C1F-2F8C-46E6-A505-9A0D1877BDC3}" type="parTrans" cxnId="{18B6A36C-F887-47B0-97C3-E668C712BDB6}">
+      <dgm:prSet/>
+      <dgm:spPr/>
+      <dgm:t>
+        <a:bodyPr/>
+        <a:lstStyle/>
+        <a:p>
+          <a:endParaRPr lang="fr-FR"/>
+        </a:p>
+      </dgm:t>
+    </dgm:pt>
+    <dgm:pt modelId="{F9510C3B-14B0-447D-9E4C-467027FD3CE6}" type="sibTrans" cxnId="{18B6A36C-F887-47B0-97C3-E668C712BDB6}">
+      <dgm:prSet/>
+      <dgm:spPr/>
+      <dgm:t>
+        <a:bodyPr/>
+        <a:lstStyle/>
+        <a:p>
+          <a:endParaRPr lang="fr-FR"/>
+        </a:p>
+      </dgm:t>
+    </dgm:pt>
+    <dgm:pt modelId="{E858526B-BF76-4ADD-87DD-51FD00BDCAB3}">
+      <dgm:prSet phldrT="[Texte]"/>
+      <dgm:spPr/>
+      <dgm:t>
+        <a:bodyPr/>
+        <a:lstStyle/>
+        <a:p>
+          <a:r>
+            <a:rPr lang="fr-FR" dirty="0"/>
+            <a:t>104j / 3.5 mois</a:t>
+          </a:r>
+        </a:p>
+      </dgm:t>
+    </dgm:pt>
+    <dgm:pt modelId="{8EDBD237-24D5-41A0-9452-5732715BF470}" type="parTrans" cxnId="{ED035FC2-F613-47CC-8BBF-A60A020547B5}">
+      <dgm:prSet/>
+      <dgm:spPr/>
+      <dgm:t>
+        <a:bodyPr/>
+        <a:lstStyle/>
+        <a:p>
+          <a:endParaRPr lang="fr-FR"/>
+        </a:p>
+      </dgm:t>
+    </dgm:pt>
+    <dgm:pt modelId="{6836B1BD-EE6E-4D19-84A3-86A71B4F4185}" type="sibTrans" cxnId="{ED035FC2-F613-47CC-8BBF-A60A020547B5}">
+      <dgm:prSet/>
+      <dgm:spPr/>
+      <dgm:t>
+        <a:bodyPr/>
+        <a:lstStyle/>
+        <a:p>
+          <a:endParaRPr lang="fr-FR"/>
+        </a:p>
+      </dgm:t>
+    </dgm:pt>
+    <dgm:pt modelId="{3CE1B0F5-F688-4227-87D8-20A50A78E016}">
+      <dgm:prSet phldrT="[Texte]"/>
+      <dgm:spPr/>
+      <dgm:t>
+        <a:bodyPr/>
+        <a:lstStyle/>
+        <a:p>
+          <a:r>
+            <a:rPr lang="fr-FR" dirty="0"/>
+            <a:t>95j / 3.2 mois</a:t>
+          </a:r>
+        </a:p>
+      </dgm:t>
+    </dgm:pt>
+    <dgm:pt modelId="{343A0EA7-92B8-4271-9A3F-BC3A7D226917}" type="parTrans" cxnId="{86FD0DDD-98E4-4BDF-AA51-45EFDC94F2A6}">
+      <dgm:prSet/>
+      <dgm:spPr/>
+      <dgm:t>
+        <a:bodyPr/>
+        <a:lstStyle/>
+        <a:p>
+          <a:endParaRPr lang="fr-FR"/>
+        </a:p>
+      </dgm:t>
+    </dgm:pt>
+    <dgm:pt modelId="{DAD4438E-DBFD-480F-87B2-EED8C37F023A}" type="sibTrans" cxnId="{86FD0DDD-98E4-4BDF-AA51-45EFDC94F2A6}">
+      <dgm:prSet/>
+      <dgm:spPr/>
+      <dgm:t>
+        <a:bodyPr/>
+        <a:lstStyle/>
+        <a:p>
+          <a:endParaRPr lang="fr-FR"/>
+        </a:p>
+      </dgm:t>
+    </dgm:pt>
+    <dgm:pt modelId="{B5356BBC-B02F-4D60-AD5C-5D52D2302E1C}">
+      <dgm:prSet phldrT="[Texte]" custT="1"/>
+      <dgm:spPr/>
+      <dgm:t>
+        <a:bodyPr/>
+        <a:lstStyle/>
+        <a:p>
+          <a:r>
+            <a:rPr lang="fr-FR" sz="1800" dirty="0"/>
+            <a:t>177j / 5,9 mois</a:t>
+          </a:r>
+        </a:p>
+      </dgm:t>
+    </dgm:pt>
+    <dgm:pt modelId="{8C5733DF-581C-43F4-B765-7914AB22D4C0}" type="parTrans" cxnId="{84FB2A02-C862-43B8-A87B-F1C59E5100B2}">
+      <dgm:prSet/>
+      <dgm:spPr/>
+      <dgm:t>
+        <a:bodyPr/>
+        <a:lstStyle/>
+        <a:p>
+          <a:endParaRPr lang="fr-FR"/>
+        </a:p>
+      </dgm:t>
+    </dgm:pt>
+    <dgm:pt modelId="{04154741-CD8C-488C-A0CE-40A306345D91}" type="sibTrans" cxnId="{84FB2A02-C862-43B8-A87B-F1C59E5100B2}">
+      <dgm:prSet/>
+      <dgm:spPr/>
+      <dgm:t>
+        <a:bodyPr/>
+        <a:lstStyle/>
+        <a:p>
+          <a:endParaRPr lang="fr-FR"/>
+        </a:p>
+      </dgm:t>
+    </dgm:pt>
+    <dgm:pt modelId="{734BB5B0-BB00-43A0-AEC8-6A280339945D}" type="pres">
+      <dgm:prSet presAssocID="{F2507726-2501-486C-B231-D9A1E3DB6D3C}" presName="rootnode" presStyleCnt="0">
+        <dgm:presLayoutVars>
+          <dgm:chMax/>
+          <dgm:chPref/>
+          <dgm:dir/>
+          <dgm:animLvl val="lvl"/>
+        </dgm:presLayoutVars>
+      </dgm:prSet>
+      <dgm:spPr/>
+    </dgm:pt>
+    <dgm:pt modelId="{688F388F-123D-4FF5-A511-15EBB09BAACC}" type="pres">
+      <dgm:prSet presAssocID="{787BEFF9-9FCD-466A-B9A5-9A2DCBC4EC4E}" presName="composite" presStyleCnt="0"/>
+      <dgm:spPr/>
+    </dgm:pt>
+    <dgm:pt modelId="{FD4D7D25-CCA6-4A37-8396-BA08400078AC}" type="pres">
+      <dgm:prSet presAssocID="{787BEFF9-9FCD-466A-B9A5-9A2DCBC4EC4E}" presName="bentUpArrow1" presStyleLbl="alignImgPlace1" presStyleIdx="0" presStyleCnt="2"/>
+      <dgm:spPr/>
+    </dgm:pt>
+    <dgm:pt modelId="{8D9A651F-AFE7-4B77-8D8A-588A138BCDFB}" type="pres">
+      <dgm:prSet presAssocID="{787BEFF9-9FCD-466A-B9A5-9A2DCBC4EC4E}" presName="ParentText" presStyleLbl="node1" presStyleIdx="0" presStyleCnt="3">
+        <dgm:presLayoutVars>
+          <dgm:chMax val="1"/>
+          <dgm:chPref val="1"/>
+          <dgm:bulletEnabled val="1"/>
+        </dgm:presLayoutVars>
+      </dgm:prSet>
+      <dgm:spPr/>
+    </dgm:pt>
+    <dgm:pt modelId="{78E5F38A-AD50-4D7B-8928-D90D5B70963B}" type="pres">
+      <dgm:prSet presAssocID="{787BEFF9-9FCD-466A-B9A5-9A2DCBC4EC4E}" presName="ChildText" presStyleLbl="revTx" presStyleIdx="0" presStyleCnt="3" custScaleX="209441" custLinFactNeighborX="65716" custLinFactNeighborY="-1388">
+        <dgm:presLayoutVars>
+          <dgm:chMax val="0"/>
+          <dgm:chPref val="0"/>
+          <dgm:bulletEnabled val="1"/>
+        </dgm:presLayoutVars>
+      </dgm:prSet>
+      <dgm:spPr/>
+    </dgm:pt>
+    <dgm:pt modelId="{B7EDCA7B-16E9-4C14-915A-6312C33FC087}" type="pres">
+      <dgm:prSet presAssocID="{767863A2-0001-4D4D-97EC-ACB5D7347FA0}" presName="sibTrans" presStyleCnt="0"/>
+      <dgm:spPr/>
+    </dgm:pt>
+    <dgm:pt modelId="{ECBD4285-7E91-47B8-81B9-D4EE7E63280A}" type="pres">
+      <dgm:prSet presAssocID="{6A56AC07-C0E6-4365-91E8-C00CFDB8AF33}" presName="composite" presStyleCnt="0"/>
+      <dgm:spPr/>
+    </dgm:pt>
+    <dgm:pt modelId="{0BB0C3EC-7F54-4F23-9C0C-9380C6E6309E}" type="pres">
+      <dgm:prSet presAssocID="{6A56AC07-C0E6-4365-91E8-C00CFDB8AF33}" presName="bentUpArrow1" presStyleLbl="alignImgPlace1" presStyleIdx="1" presStyleCnt="2"/>
+      <dgm:spPr/>
+    </dgm:pt>
+    <dgm:pt modelId="{D8C592C2-44DF-4ADF-A0B8-F06D3C558A9B}" type="pres">
+      <dgm:prSet presAssocID="{6A56AC07-C0E6-4365-91E8-C00CFDB8AF33}" presName="ParentText" presStyleLbl="node1" presStyleIdx="1" presStyleCnt="3">
+        <dgm:presLayoutVars>
+          <dgm:chMax val="1"/>
+          <dgm:chPref val="1"/>
+          <dgm:bulletEnabled val="1"/>
+        </dgm:presLayoutVars>
+      </dgm:prSet>
+      <dgm:spPr/>
+    </dgm:pt>
+    <dgm:pt modelId="{2313BB92-8C5F-4ECA-8CE4-1F3613905ECE}" type="pres">
+      <dgm:prSet presAssocID="{6A56AC07-C0E6-4365-91E8-C00CFDB8AF33}" presName="ChildText" presStyleLbl="revTx" presStyleIdx="1" presStyleCnt="3" custScaleX="189746" custLinFactNeighborX="58340" custLinFactNeighborY="5061">
+        <dgm:presLayoutVars>
+          <dgm:chMax val="0"/>
+          <dgm:chPref val="0"/>
+          <dgm:bulletEnabled val="1"/>
+        </dgm:presLayoutVars>
+      </dgm:prSet>
+      <dgm:spPr/>
+    </dgm:pt>
+    <dgm:pt modelId="{6E50853F-DF1A-4224-9A76-78F0D1E15EDE}" type="pres">
+      <dgm:prSet presAssocID="{8F4EA885-77A4-474D-A782-5A8D37E9F699}" presName="sibTrans" presStyleCnt="0"/>
+      <dgm:spPr/>
+    </dgm:pt>
+    <dgm:pt modelId="{0FFEDADD-639A-4BB2-9116-B31E756F6B54}" type="pres">
+      <dgm:prSet presAssocID="{8BB2DF19-CCF7-47DC-B5FC-8D38E8BE2AA7}" presName="composite" presStyleCnt="0"/>
+      <dgm:spPr/>
+    </dgm:pt>
+    <dgm:pt modelId="{6CFC3418-14AF-443A-BF1F-4FD13CE68700}" type="pres">
+      <dgm:prSet presAssocID="{8BB2DF19-CCF7-47DC-B5FC-8D38E8BE2AA7}" presName="ParentText" presStyleLbl="node1" presStyleIdx="2" presStyleCnt="3">
+        <dgm:presLayoutVars>
+          <dgm:chMax val="1"/>
+          <dgm:chPref val="1"/>
+          <dgm:bulletEnabled val="1"/>
+        </dgm:presLayoutVars>
+      </dgm:prSet>
+      <dgm:spPr/>
+    </dgm:pt>
+    <dgm:pt modelId="{24032F01-249F-4366-B0E3-40CD6AD000ED}" type="pres">
+      <dgm:prSet presAssocID="{8BB2DF19-CCF7-47DC-B5FC-8D38E8BE2AA7}" presName="FinalChildText" presStyleLbl="revTx" presStyleIdx="2" presStyleCnt="3" custScaleX="185075" custLinFactNeighborX="77667" custLinFactNeighborY="4729">
+        <dgm:presLayoutVars>
+          <dgm:chMax val="0"/>
+          <dgm:chPref val="0"/>
+          <dgm:bulletEnabled val="1"/>
+        </dgm:presLayoutVars>
+      </dgm:prSet>
+      <dgm:spPr/>
+    </dgm:pt>
+  </dgm:ptLst>
+  <dgm:cxnLst>
+    <dgm:cxn modelId="{84FB2A02-C862-43B8-A87B-F1C59E5100B2}" srcId="{8BB2DF19-CCF7-47DC-B5FC-8D38E8BE2AA7}" destId="{B5356BBC-B02F-4D60-AD5C-5D52D2302E1C}" srcOrd="0" destOrd="0" parTransId="{8C5733DF-581C-43F4-B765-7914AB22D4C0}" sibTransId="{04154741-CD8C-488C-A0CE-40A306345D91}"/>
+    <dgm:cxn modelId="{9C113E08-3D1D-419D-82E6-55158FD5599B}" type="presOf" srcId="{B067E2F2-691B-4266-955B-8BB53734502A}" destId="{78E5F38A-AD50-4D7B-8928-D90D5B70963B}" srcOrd="0" destOrd="2" presId="urn:microsoft.com/office/officeart/2005/8/layout/StepDownProcess"/>
+    <dgm:cxn modelId="{F50AC520-52DC-48A2-A15C-75B97B247AAD}" type="presOf" srcId="{368D287A-68EC-49A7-8CCD-213EA732B05E}" destId="{2313BB92-8C5F-4ECA-8CE4-1F3613905ECE}" srcOrd="0" destOrd="1" presId="urn:microsoft.com/office/officeart/2005/8/layout/StepDownProcess"/>
+    <dgm:cxn modelId="{3D3FED37-A53C-4D33-8FB1-CEDAC779D1B4}" srcId="{787BEFF9-9FCD-466A-B9A5-9A2DCBC4EC4E}" destId="{85F51894-792E-45D4-924C-B352B72D62DB}" srcOrd="1" destOrd="0" parTransId="{A836F513-9ECF-42A7-BDB2-8FD127233918}" sibTransId="{9AC5EF7E-716A-4ED9-B6F6-73D6476A18CB}"/>
+    <dgm:cxn modelId="{CFD0D144-CB25-4AAC-8BF0-3822D87F89E6}" type="presOf" srcId="{8BB2DF19-CCF7-47DC-B5FC-8D38E8BE2AA7}" destId="{6CFC3418-14AF-443A-BF1F-4FD13CE68700}" srcOrd="0" destOrd="0" presId="urn:microsoft.com/office/officeart/2005/8/layout/StepDownProcess"/>
+    <dgm:cxn modelId="{EECDFA45-7D6C-42C4-A1F4-AEA478C8146A}" srcId="{787BEFF9-9FCD-466A-B9A5-9A2DCBC4EC4E}" destId="{B067E2F2-691B-4266-955B-8BB53734502A}" srcOrd="2" destOrd="0" parTransId="{438DA647-F606-455A-B94A-4914F8D17945}" sibTransId="{BD039661-9B15-4C38-9C3E-ADC8EA6FECFC}"/>
+    <dgm:cxn modelId="{643F3D47-F0AB-4AFA-8679-A365861CF322}" srcId="{F2507726-2501-486C-B231-D9A1E3DB6D3C}" destId="{8BB2DF19-CCF7-47DC-B5FC-8D38E8BE2AA7}" srcOrd="2" destOrd="0" parTransId="{AFBF9AA4-B6AB-43F5-BC0F-F3C635FC6ED1}" sibTransId="{3B946E26-58F1-4FEA-8690-154ACC70B8EE}"/>
+    <dgm:cxn modelId="{18B6A36C-F887-47B0-97C3-E668C712BDB6}" srcId="{8BB2DF19-CCF7-47DC-B5FC-8D38E8BE2AA7}" destId="{A94CE76D-05A0-4F1D-B330-D260F0160505}" srcOrd="2" destOrd="0" parTransId="{EA821C1F-2F8C-46E6-A505-9A0D1877BDC3}" sibTransId="{F9510C3B-14B0-447D-9E4C-467027FD3CE6}"/>
+    <dgm:cxn modelId="{A63DCD4D-0260-4B15-89F7-4BDDBB8B7124}" srcId="{F2507726-2501-486C-B231-D9A1E3DB6D3C}" destId="{787BEFF9-9FCD-466A-B9A5-9A2DCBC4EC4E}" srcOrd="0" destOrd="0" parTransId="{669AF6BF-D0BB-4D20-9DE9-A105125674A4}" sibTransId="{767863A2-0001-4D4D-97EC-ACB5D7347FA0}"/>
+    <dgm:cxn modelId="{5E16C973-4EFB-4200-9447-61DB1A3349D3}" srcId="{6A56AC07-C0E6-4365-91E8-C00CFDB8AF33}" destId="{368D287A-68EC-49A7-8CCD-213EA732B05E}" srcOrd="1" destOrd="0" parTransId="{82BA6501-2C4A-4A1F-A0C9-54484C8CB974}" sibTransId="{B8D77400-105F-448D-918F-2A6237DAE3B5}"/>
+    <dgm:cxn modelId="{68332154-5AEA-42D9-847E-78CB1161C2A0}" type="presOf" srcId="{6A56AC07-C0E6-4365-91E8-C00CFDB8AF33}" destId="{D8C592C2-44DF-4ADF-A0B8-F06D3C558A9B}" srcOrd="0" destOrd="0" presId="urn:microsoft.com/office/officeart/2005/8/layout/StepDownProcess"/>
+    <dgm:cxn modelId="{8BCB1176-1008-452C-A330-1C2C2D20C6DE}" type="presOf" srcId="{BE5CA57D-4CE3-4BC7-8ED3-A80EC8091898}" destId="{24032F01-249F-4366-B0E3-40CD6AD000ED}" srcOrd="0" destOrd="1" presId="urn:microsoft.com/office/officeart/2005/8/layout/StepDownProcess"/>
+    <dgm:cxn modelId="{4603678C-5BDF-426D-A68B-6957398F23BF}" srcId="{8BB2DF19-CCF7-47DC-B5FC-8D38E8BE2AA7}" destId="{BE5CA57D-4CE3-4BC7-8ED3-A80EC8091898}" srcOrd="1" destOrd="0" parTransId="{04172630-904D-4E13-8E4F-240236DB0824}" sibTransId="{797AA616-002E-440B-ACBF-416A3261D139}"/>
+    <dgm:cxn modelId="{232E50A2-6220-46C4-AFD5-F90AFAB6F010}" type="presOf" srcId="{B5356BBC-B02F-4D60-AD5C-5D52D2302E1C}" destId="{24032F01-249F-4366-B0E3-40CD6AD000ED}" srcOrd="0" destOrd="0" presId="urn:microsoft.com/office/officeart/2005/8/layout/StepDownProcess"/>
+    <dgm:cxn modelId="{5F2C4AAE-F93F-4F63-B3B9-F4306D96D778}" type="presOf" srcId="{85F51894-792E-45D4-924C-B352B72D62DB}" destId="{78E5F38A-AD50-4D7B-8928-D90D5B70963B}" srcOrd="0" destOrd="1" presId="urn:microsoft.com/office/officeart/2005/8/layout/StepDownProcess"/>
+    <dgm:cxn modelId="{CA3396B6-C92E-4F61-BB21-28CEB284DA81}" type="presOf" srcId="{3CE1B0F5-F688-4227-87D8-20A50A78E016}" destId="{2313BB92-8C5F-4ECA-8CE4-1F3613905ECE}" srcOrd="0" destOrd="0" presId="urn:microsoft.com/office/officeart/2005/8/layout/StepDownProcess"/>
+    <dgm:cxn modelId="{5471CDB8-25F9-4074-93FA-538C2E5868E1}" type="presOf" srcId="{A94CE76D-05A0-4F1D-B330-D260F0160505}" destId="{24032F01-249F-4366-B0E3-40CD6AD000ED}" srcOrd="0" destOrd="2" presId="urn:microsoft.com/office/officeart/2005/8/layout/StepDownProcess"/>
+    <dgm:cxn modelId="{22997BBA-9222-407D-8BCB-812BE504DFDF}" type="presOf" srcId="{787BEFF9-9FCD-466A-B9A5-9A2DCBC4EC4E}" destId="{8D9A651F-AFE7-4B77-8D8A-588A138BCDFB}" srcOrd="0" destOrd="0" presId="urn:microsoft.com/office/officeart/2005/8/layout/StepDownProcess"/>
+    <dgm:cxn modelId="{ED035FC2-F613-47CC-8BBF-A60A020547B5}" srcId="{787BEFF9-9FCD-466A-B9A5-9A2DCBC4EC4E}" destId="{E858526B-BF76-4ADD-87DD-51FD00BDCAB3}" srcOrd="0" destOrd="0" parTransId="{8EDBD237-24D5-41A0-9452-5732715BF470}" sibTransId="{6836B1BD-EE6E-4D19-84A3-86A71B4F4185}"/>
+    <dgm:cxn modelId="{002B53CD-848E-4063-A3BC-0710D47F3FC9}" type="presOf" srcId="{F2507726-2501-486C-B231-D9A1E3DB6D3C}" destId="{734BB5B0-BB00-43A0-AEC8-6A280339945D}" srcOrd="0" destOrd="0" presId="urn:microsoft.com/office/officeart/2005/8/layout/StepDownProcess"/>
+    <dgm:cxn modelId="{3DC2A0D1-5241-4985-A812-6F63EB74F9D2}" type="presOf" srcId="{E858526B-BF76-4ADD-87DD-51FD00BDCAB3}" destId="{78E5F38A-AD50-4D7B-8928-D90D5B70963B}" srcOrd="0" destOrd="0" presId="urn:microsoft.com/office/officeart/2005/8/layout/StepDownProcess"/>
+    <dgm:cxn modelId="{8F8BA5D5-FF51-42FF-9865-2D4BE43F2B92}" srcId="{F2507726-2501-486C-B231-D9A1E3DB6D3C}" destId="{6A56AC07-C0E6-4365-91E8-C00CFDB8AF33}" srcOrd="1" destOrd="0" parTransId="{0D2DAF89-7DE0-4970-90B1-613EF990AA37}" sibTransId="{8F4EA885-77A4-474D-A782-5A8D37E9F699}"/>
+    <dgm:cxn modelId="{5ECACAD6-9299-4E53-9740-E22756A8D1D4}" type="presOf" srcId="{A7415326-2F5C-42C7-9C96-D4B59C1509BC}" destId="{2313BB92-8C5F-4ECA-8CE4-1F3613905ECE}" srcOrd="0" destOrd="2" presId="urn:microsoft.com/office/officeart/2005/8/layout/StepDownProcess"/>
+    <dgm:cxn modelId="{86FD0DDD-98E4-4BDF-AA51-45EFDC94F2A6}" srcId="{6A56AC07-C0E6-4365-91E8-C00CFDB8AF33}" destId="{3CE1B0F5-F688-4227-87D8-20A50A78E016}" srcOrd="0" destOrd="0" parTransId="{343A0EA7-92B8-4271-9A3F-BC3A7D226917}" sibTransId="{DAD4438E-DBFD-480F-87B2-EED8C37F023A}"/>
+    <dgm:cxn modelId="{062369EB-85DD-4B43-9DA7-861B2A5CABFA}" srcId="{6A56AC07-C0E6-4365-91E8-C00CFDB8AF33}" destId="{A7415326-2F5C-42C7-9C96-D4B59C1509BC}" srcOrd="2" destOrd="0" parTransId="{D2D78495-5677-443A-9BA8-8CA68988EE17}" sibTransId="{D6146D55-EEFA-4E57-8D05-6EC18246F8B7}"/>
+    <dgm:cxn modelId="{B37EA994-C364-4DF4-AECD-88D071DD3BD7}" type="presParOf" srcId="{734BB5B0-BB00-43A0-AEC8-6A280339945D}" destId="{688F388F-123D-4FF5-A511-15EBB09BAACC}" srcOrd="0" destOrd="0" presId="urn:microsoft.com/office/officeart/2005/8/layout/StepDownProcess"/>
+    <dgm:cxn modelId="{6B0D99EB-9506-40FC-864B-EEABB8D59E7A}" type="presParOf" srcId="{688F388F-123D-4FF5-A511-15EBB09BAACC}" destId="{FD4D7D25-CCA6-4A37-8396-BA08400078AC}" srcOrd="0" destOrd="0" presId="urn:microsoft.com/office/officeart/2005/8/layout/StepDownProcess"/>
+    <dgm:cxn modelId="{A67E28C9-1174-4831-B02C-BCE2CF2639DC}" type="presParOf" srcId="{688F388F-123D-4FF5-A511-15EBB09BAACC}" destId="{8D9A651F-AFE7-4B77-8D8A-588A138BCDFB}" srcOrd="1" destOrd="0" presId="urn:microsoft.com/office/officeart/2005/8/layout/StepDownProcess"/>
+    <dgm:cxn modelId="{281A0EA5-5E55-4EEA-BE72-8ADA8606EF9D}" type="presParOf" srcId="{688F388F-123D-4FF5-A511-15EBB09BAACC}" destId="{78E5F38A-AD50-4D7B-8928-D90D5B70963B}" srcOrd="2" destOrd="0" presId="urn:microsoft.com/office/officeart/2005/8/layout/StepDownProcess"/>
+    <dgm:cxn modelId="{B26FE05A-5E7A-4EB8-BD6F-F4F632A605DE}" type="presParOf" srcId="{734BB5B0-BB00-43A0-AEC8-6A280339945D}" destId="{B7EDCA7B-16E9-4C14-915A-6312C33FC087}" srcOrd="1" destOrd="0" presId="urn:microsoft.com/office/officeart/2005/8/layout/StepDownProcess"/>
+    <dgm:cxn modelId="{8702EE09-9D65-4003-A5ED-7100C16CF829}" type="presParOf" srcId="{734BB5B0-BB00-43A0-AEC8-6A280339945D}" destId="{ECBD4285-7E91-47B8-81B9-D4EE7E63280A}" srcOrd="2" destOrd="0" presId="urn:microsoft.com/office/officeart/2005/8/layout/StepDownProcess"/>
+    <dgm:cxn modelId="{06DB60B5-A296-4826-A6EF-1BE04A522607}" type="presParOf" srcId="{ECBD4285-7E91-47B8-81B9-D4EE7E63280A}" destId="{0BB0C3EC-7F54-4F23-9C0C-9380C6E6309E}" srcOrd="0" destOrd="0" presId="urn:microsoft.com/office/officeart/2005/8/layout/StepDownProcess"/>
+    <dgm:cxn modelId="{0BA73D53-8979-4112-9217-7F306C1A7E0A}" type="presParOf" srcId="{ECBD4285-7E91-47B8-81B9-D4EE7E63280A}" destId="{D8C592C2-44DF-4ADF-A0B8-F06D3C558A9B}" srcOrd="1" destOrd="0" presId="urn:microsoft.com/office/officeart/2005/8/layout/StepDownProcess"/>
+    <dgm:cxn modelId="{A0CE7062-F285-4535-AA3D-58471FBB534A}" type="presParOf" srcId="{ECBD4285-7E91-47B8-81B9-D4EE7E63280A}" destId="{2313BB92-8C5F-4ECA-8CE4-1F3613905ECE}" srcOrd="2" destOrd="0" presId="urn:microsoft.com/office/officeart/2005/8/layout/StepDownProcess"/>
+    <dgm:cxn modelId="{1CE130F3-7DEC-4BF6-853B-21E9981E337B}" type="presParOf" srcId="{734BB5B0-BB00-43A0-AEC8-6A280339945D}" destId="{6E50853F-DF1A-4224-9A76-78F0D1E15EDE}" srcOrd="3" destOrd="0" presId="urn:microsoft.com/office/officeart/2005/8/layout/StepDownProcess"/>
+    <dgm:cxn modelId="{7DF06935-D593-4E38-B485-53C836C44DED}" type="presParOf" srcId="{734BB5B0-BB00-43A0-AEC8-6A280339945D}" destId="{0FFEDADD-639A-4BB2-9116-B31E756F6B54}" srcOrd="4" destOrd="0" presId="urn:microsoft.com/office/officeart/2005/8/layout/StepDownProcess"/>
+    <dgm:cxn modelId="{515AFCAF-1A63-417D-AE96-77AA487533E1}" type="presParOf" srcId="{0FFEDADD-639A-4BB2-9116-B31E756F6B54}" destId="{6CFC3418-14AF-443A-BF1F-4FD13CE68700}" srcOrd="0" destOrd="0" presId="urn:microsoft.com/office/officeart/2005/8/layout/StepDownProcess"/>
+    <dgm:cxn modelId="{938E40F5-D6F2-4C7E-A2A9-7EE762E28600}" type="presParOf" srcId="{0FFEDADD-639A-4BB2-9116-B31E756F6B54}" destId="{24032F01-249F-4366-B0E3-40CD6AD000ED}" srcOrd="1" destOrd="0" presId="urn:microsoft.com/office/officeart/2005/8/layout/StepDownProcess"/>
+  </dgm:cxnLst>
+  <dgm:bg/>
+  <dgm:whole/>
+  <dgm:extLst>
+    <a:ext uri="http://schemas.microsoft.com/office/drawing/2008/diagram">
+      <dsp:dataModelExt xmlns:dsp="http://schemas.microsoft.com/office/drawing/2008/diagram" relId="rId8" minVer="http://schemas.openxmlformats.org/drawingml/2006/diagram"/>
+    </a:ext>
+  </dgm:extLst>
+</dgm:dataModel>
+</file>
+
+<file path=ppt/diagrams/drawing1.xml><?xml version="1.0" encoding="utf-8"?>
+<dsp:drawing xmlns:dgm="http://schemas.openxmlformats.org/drawingml/2006/diagram" xmlns:dsp="http://schemas.microsoft.com/office/drawing/2008/diagram" xmlns:a="http://schemas.openxmlformats.org/drawingml/2006/main">
+  <dsp:spTree>
+    <dsp:nvGrpSpPr>
+      <dsp:cNvPr id="0" name=""/>
+      <dsp:cNvGrpSpPr/>
+    </dsp:nvGrpSpPr>
+    <dsp:grpSpPr/>
+    <dsp:sp modelId="{FD4D7D25-CCA6-4A37-8396-BA08400078AC}">
+      <dsp:nvSpPr>
+        <dsp:cNvPr id="0" name=""/>
+        <dsp:cNvSpPr/>
+      </dsp:nvSpPr>
+      <dsp:spPr>
+        <a:xfrm rot="5400000">
+          <a:off x="1119085" y="1583167"/>
+          <a:ext cx="1400175" cy="1594049"/>
+        </a:xfrm>
+        <a:prstGeom prst="bentUpArrow">
+          <a:avLst>
+            <a:gd name="adj1" fmla="val 32840"/>
+            <a:gd name="adj2" fmla="val 25000"/>
+            <a:gd name="adj3" fmla="val 35780"/>
+          </a:avLst>
+        </a:prstGeom>
+        <a:solidFill>
+          <a:schemeClr val="accent1">
+            <a:tint val="50000"/>
+            <a:hueOff val="0"/>
+            <a:satOff val="0"/>
+            <a:lumOff val="0"/>
+            <a:alphaOff val="0"/>
+          </a:schemeClr>
+        </a:solidFill>
+        <a:ln w="25400" cap="flat" cmpd="sng" algn="ctr">
+          <a:solidFill>
+            <a:schemeClr val="lt1">
+              <a:hueOff val="0"/>
+              <a:satOff val="0"/>
+              <a:lumOff val="0"/>
+              <a:alphaOff val="0"/>
+            </a:schemeClr>
+          </a:solidFill>
+          <a:prstDash val="solid"/>
+        </a:ln>
+        <a:effectLst/>
+      </dsp:spPr>
+      <dsp:style>
+        <a:lnRef idx="2">
+          <a:scrgbClr r="0" g="0" b="0"/>
+        </a:lnRef>
+        <a:fillRef idx="1">
+          <a:scrgbClr r="0" g="0" b="0"/>
+        </a:fillRef>
+        <a:effectRef idx="0">
+          <a:scrgbClr r="0" g="0" b="0"/>
+        </a:effectRef>
+        <a:fontRef idx="minor"/>
+      </dsp:style>
+    </dsp:sp>
+    <dsp:sp modelId="{8D9A651F-AFE7-4B77-8D8A-588A138BCDFB}">
+      <dsp:nvSpPr>
+        <dsp:cNvPr id="0" name=""/>
+        <dsp:cNvSpPr/>
+      </dsp:nvSpPr>
+      <dsp:spPr>
+        <a:xfrm>
+          <a:off x="748124" y="31045"/>
+          <a:ext cx="2357070" cy="1649872"/>
+        </a:xfrm>
+        <a:prstGeom prst="roundRect">
+          <a:avLst>
+            <a:gd name="adj" fmla="val 16670"/>
+          </a:avLst>
+        </a:prstGeom>
+        <a:solidFill>
+          <a:schemeClr val="accent1">
+            <a:hueOff val="0"/>
+            <a:satOff val="0"/>
+            <a:lumOff val="0"/>
+            <a:alphaOff val="0"/>
+          </a:schemeClr>
+        </a:solidFill>
+        <a:ln w="25400" cap="flat" cmpd="sng" algn="ctr">
+          <a:solidFill>
+            <a:schemeClr val="lt1">
+              <a:hueOff val="0"/>
+              <a:satOff val="0"/>
+              <a:lumOff val="0"/>
+              <a:alphaOff val="0"/>
+            </a:schemeClr>
+          </a:solidFill>
+          <a:prstDash val="solid"/>
+        </a:ln>
+        <a:effectLst/>
+      </dsp:spPr>
+      <dsp:style>
+        <a:lnRef idx="2">
+          <a:scrgbClr r="0" g="0" b="0"/>
+        </a:lnRef>
+        <a:fillRef idx="1">
+          <a:scrgbClr r="0" g="0" b="0"/>
+        </a:fillRef>
+        <a:effectRef idx="0">
+          <a:scrgbClr r="0" g="0" b="0"/>
+        </a:effectRef>
+        <a:fontRef idx="minor">
+          <a:schemeClr val="lt1"/>
+        </a:fontRef>
+      </dsp:style>
+      <dsp:txBody>
+        <a:bodyPr spcFirstLastPara="0" vert="horz" wrap="square" lIns="87630" tIns="87630" rIns="87630" bIns="87630" numCol="1" spcCol="1270" anchor="ctr" anchorCtr="0">
+          <a:noAutofit/>
+        </a:bodyPr>
+        <a:lstStyle/>
+        <a:p>
+          <a:pPr marL="0" lvl="0" indent="0" algn="ctr" defTabSz="1022350">
+            <a:lnSpc>
+              <a:spcPct val="90000"/>
+            </a:lnSpc>
+            <a:spcBef>
+              <a:spcPct val="0"/>
+            </a:spcBef>
+            <a:spcAft>
+              <a:spcPct val="35000"/>
+            </a:spcAft>
+            <a:buNone/>
+          </a:pPr>
+          <a:r>
+            <a:rPr lang="fr-FR" sz="2300" kern="1200" dirty="0"/>
+            <a:t>Phase d’analyse fonctionnelle</a:t>
+          </a:r>
+        </a:p>
+      </dsp:txBody>
+      <dsp:txXfrm>
+        <a:off x="828679" y="111600"/>
+        <a:ext cx="2195960" cy="1488762"/>
+      </dsp:txXfrm>
+    </dsp:sp>
+    <dsp:sp modelId="{78E5F38A-AD50-4D7B-8928-D90D5B70963B}">
+      <dsp:nvSpPr>
+        <dsp:cNvPr id="0" name=""/>
+        <dsp:cNvSpPr/>
+      </dsp:nvSpPr>
+      <dsp:spPr>
+        <a:xfrm>
+          <a:off x="3293691" y="169889"/>
+          <a:ext cx="3590465" cy="1333500"/>
+        </a:xfrm>
+        <a:prstGeom prst="rect">
+          <a:avLst/>
+        </a:prstGeom>
+        <a:noFill/>
+        <a:ln>
+          <a:noFill/>
+        </a:ln>
+        <a:effectLst/>
+      </dsp:spPr>
+      <dsp:style>
+        <a:lnRef idx="0">
+          <a:scrgbClr r="0" g="0" b="0"/>
+        </a:lnRef>
+        <a:fillRef idx="0">
+          <a:scrgbClr r="0" g="0" b="0"/>
+        </a:fillRef>
+        <a:effectRef idx="0">
+          <a:scrgbClr r="0" g="0" b="0"/>
+        </a:effectRef>
+        <a:fontRef idx="minor"/>
+      </dsp:style>
+      <dsp:txBody>
+        <a:bodyPr spcFirstLastPara="0" vert="horz" wrap="square" lIns="87630" tIns="87630" rIns="87630" bIns="87630" numCol="1" spcCol="1270" anchor="ctr" anchorCtr="0">
+          <a:noAutofit/>
+        </a:bodyPr>
+        <a:lstStyle/>
+        <a:p>
+          <a:pPr marL="171450" lvl="1" indent="-171450" algn="l" defTabSz="800100">
+            <a:lnSpc>
+              <a:spcPct val="90000"/>
+            </a:lnSpc>
+            <a:spcBef>
+              <a:spcPct val="0"/>
+            </a:spcBef>
+            <a:spcAft>
+              <a:spcPct val="15000"/>
+            </a:spcAft>
+            <a:buChar char="•"/>
+          </a:pPr>
+          <a:r>
+            <a:rPr lang="fr-FR" sz="1800" kern="1200" dirty="0"/>
+            <a:t>104j / 3.5 mois</a:t>
+          </a:r>
+        </a:p>
+        <a:p>
+          <a:pPr marL="171450" lvl="1" indent="-171450" algn="l" defTabSz="800100">
+            <a:lnSpc>
+              <a:spcPct val="90000"/>
+            </a:lnSpc>
+            <a:spcBef>
+              <a:spcPct val="0"/>
+            </a:spcBef>
+            <a:spcAft>
+              <a:spcPct val="15000"/>
+            </a:spcAft>
+            <a:buChar char="•"/>
+          </a:pPr>
+          <a:r>
+            <a:rPr lang="fr-FR" sz="1800" kern="1200" dirty="0"/>
+            <a:t>16/11/2018 – 12/04/2019</a:t>
+          </a:r>
+        </a:p>
+        <a:p>
+          <a:pPr marL="171450" lvl="1" indent="-171450" algn="l" defTabSz="800100">
+            <a:lnSpc>
+              <a:spcPct val="90000"/>
+            </a:lnSpc>
+            <a:spcBef>
+              <a:spcPct val="0"/>
+            </a:spcBef>
+            <a:spcAft>
+              <a:spcPct val="15000"/>
+            </a:spcAft>
+            <a:buChar char="•"/>
+          </a:pPr>
+          <a:r>
+            <a:rPr lang="fr-FR" sz="1800" kern="1200" dirty="0"/>
+            <a:t>13250€ prévisionnel</a:t>
+          </a:r>
+        </a:p>
+      </dsp:txBody>
+      <dsp:txXfrm>
+        <a:off x="3293691" y="169889"/>
+        <a:ext cx="3590465" cy="1333500"/>
+      </dsp:txXfrm>
+    </dsp:sp>
+    <dsp:sp modelId="{0BB0C3EC-7F54-4F23-9C0C-9380C6E6309E}">
+      <dsp:nvSpPr>
+        <dsp:cNvPr id="0" name=""/>
+        <dsp:cNvSpPr/>
+      </dsp:nvSpPr>
+      <dsp:spPr>
+        <a:xfrm rot="5400000">
+          <a:off x="3523625" y="3436519"/>
+          <a:ext cx="1400175" cy="1594049"/>
+        </a:xfrm>
+        <a:prstGeom prst="bentUpArrow">
+          <a:avLst>
+            <a:gd name="adj1" fmla="val 32840"/>
+            <a:gd name="adj2" fmla="val 25000"/>
+            <a:gd name="adj3" fmla="val 35780"/>
+          </a:avLst>
+        </a:prstGeom>
+        <a:solidFill>
+          <a:schemeClr val="accent1">
+            <a:tint val="50000"/>
+            <a:hueOff val="0"/>
+            <a:satOff val="0"/>
+            <a:lumOff val="0"/>
+            <a:alphaOff val="0"/>
+          </a:schemeClr>
+        </a:solidFill>
+        <a:ln w="25400" cap="flat" cmpd="sng" algn="ctr">
+          <a:solidFill>
+            <a:schemeClr val="lt1">
+              <a:hueOff val="0"/>
+              <a:satOff val="0"/>
+              <a:lumOff val="0"/>
+              <a:alphaOff val="0"/>
+            </a:schemeClr>
+          </a:solidFill>
+          <a:prstDash val="solid"/>
+        </a:ln>
+        <a:effectLst/>
+      </dsp:spPr>
+      <dsp:style>
+        <a:lnRef idx="2">
+          <a:scrgbClr r="0" g="0" b="0"/>
+        </a:lnRef>
+        <a:fillRef idx="1">
+          <a:scrgbClr r="0" g="0" b="0"/>
+        </a:fillRef>
+        <a:effectRef idx="0">
+          <a:scrgbClr r="0" g="0" b="0"/>
+        </a:effectRef>
+        <a:fontRef idx="minor"/>
+      </dsp:style>
+    </dsp:sp>
+    <dsp:sp modelId="{D8C592C2-44DF-4ADF-A0B8-F06D3C558A9B}">
+      <dsp:nvSpPr>
+        <dsp:cNvPr id="0" name=""/>
+        <dsp:cNvSpPr/>
+      </dsp:nvSpPr>
+      <dsp:spPr>
+        <a:xfrm>
+          <a:off x="3152663" y="1884397"/>
+          <a:ext cx="2357070" cy="1649872"/>
+        </a:xfrm>
+        <a:prstGeom prst="roundRect">
+          <a:avLst>
+            <a:gd name="adj" fmla="val 16670"/>
+          </a:avLst>
+        </a:prstGeom>
+        <a:solidFill>
+          <a:schemeClr val="accent1">
+            <a:hueOff val="0"/>
+            <a:satOff val="0"/>
+            <a:lumOff val="0"/>
+            <a:alphaOff val="0"/>
+          </a:schemeClr>
+        </a:solidFill>
+        <a:ln w="25400" cap="flat" cmpd="sng" algn="ctr">
+          <a:solidFill>
+            <a:schemeClr val="lt1">
+              <a:hueOff val="0"/>
+              <a:satOff val="0"/>
+              <a:lumOff val="0"/>
+              <a:alphaOff val="0"/>
+            </a:schemeClr>
+          </a:solidFill>
+          <a:prstDash val="solid"/>
+        </a:ln>
+        <a:effectLst/>
+      </dsp:spPr>
+      <dsp:style>
+        <a:lnRef idx="2">
+          <a:scrgbClr r="0" g="0" b="0"/>
+        </a:lnRef>
+        <a:fillRef idx="1">
+          <a:scrgbClr r="0" g="0" b="0"/>
+        </a:fillRef>
+        <a:effectRef idx="0">
+          <a:scrgbClr r="0" g="0" b="0"/>
+        </a:effectRef>
+        <a:fontRef idx="minor">
+          <a:schemeClr val="lt1"/>
+        </a:fontRef>
+      </dsp:style>
+      <dsp:txBody>
+        <a:bodyPr spcFirstLastPara="0" vert="horz" wrap="square" lIns="87630" tIns="87630" rIns="87630" bIns="87630" numCol="1" spcCol="1270" anchor="ctr" anchorCtr="0">
+          <a:noAutofit/>
+        </a:bodyPr>
+        <a:lstStyle/>
+        <a:p>
+          <a:pPr marL="0" lvl="0" indent="0" algn="ctr" defTabSz="1022350">
+            <a:lnSpc>
+              <a:spcPct val="90000"/>
+            </a:lnSpc>
+            <a:spcBef>
+              <a:spcPct val="0"/>
+            </a:spcBef>
+            <a:spcAft>
+              <a:spcPct val="35000"/>
+            </a:spcAft>
+            <a:buNone/>
+          </a:pPr>
+          <a:r>
+            <a:rPr lang="fr-FR" sz="2300" kern="1200" dirty="0"/>
+            <a:t>Phase de modélisation et analyse</a:t>
+          </a:r>
+        </a:p>
+      </dsp:txBody>
+      <dsp:txXfrm>
+        <a:off x="3233218" y="1964952"/>
+        <a:ext cx="2195960" cy="1488762"/>
+      </dsp:txXfrm>
+    </dsp:sp>
+    <dsp:sp modelId="{2313BB92-8C5F-4ECA-8CE4-1F3613905ECE}">
+      <dsp:nvSpPr>
+        <dsp:cNvPr id="0" name=""/>
+        <dsp:cNvSpPr/>
+      </dsp:nvSpPr>
+      <dsp:spPr>
+        <a:xfrm>
+          <a:off x="5740600" y="2109238"/>
+          <a:ext cx="3252831" cy="1333500"/>
+        </a:xfrm>
+        <a:prstGeom prst="rect">
+          <a:avLst/>
+        </a:prstGeom>
+        <a:noFill/>
+        <a:ln>
+          <a:noFill/>
+        </a:ln>
+        <a:effectLst/>
+      </dsp:spPr>
+      <dsp:style>
+        <a:lnRef idx="0">
+          <a:scrgbClr r="0" g="0" b="0"/>
+        </a:lnRef>
+        <a:fillRef idx="0">
+          <a:scrgbClr r="0" g="0" b="0"/>
+        </a:fillRef>
+        <a:effectRef idx="0">
+          <a:scrgbClr r="0" g="0" b="0"/>
+        </a:effectRef>
+        <a:fontRef idx="minor"/>
+      </dsp:style>
+      <dsp:txBody>
+        <a:bodyPr spcFirstLastPara="0" vert="horz" wrap="square" lIns="87630" tIns="87630" rIns="87630" bIns="87630" numCol="1" spcCol="1270" anchor="ctr" anchorCtr="0">
+          <a:noAutofit/>
+        </a:bodyPr>
+        <a:lstStyle/>
+        <a:p>
+          <a:pPr marL="171450" lvl="1" indent="-171450" algn="l" defTabSz="800100">
+            <a:lnSpc>
+              <a:spcPct val="90000"/>
+            </a:lnSpc>
+            <a:spcBef>
+              <a:spcPct val="0"/>
+            </a:spcBef>
+            <a:spcAft>
+              <a:spcPct val="15000"/>
+            </a:spcAft>
+            <a:buChar char="•"/>
+          </a:pPr>
+          <a:r>
+            <a:rPr lang="fr-FR" sz="1800" kern="1200" dirty="0"/>
+            <a:t>95j / 3.2 mois</a:t>
+          </a:r>
+        </a:p>
+        <a:p>
+          <a:pPr marL="171450" lvl="1" indent="-171450" algn="l" defTabSz="800100">
+            <a:lnSpc>
+              <a:spcPct val="90000"/>
+            </a:lnSpc>
+            <a:spcBef>
+              <a:spcPct val="0"/>
+            </a:spcBef>
+            <a:spcAft>
+              <a:spcPct val="15000"/>
+            </a:spcAft>
+            <a:buChar char="•"/>
+          </a:pPr>
+          <a:r>
+            <a:rPr lang="fr-FR" sz="1800" kern="1200" dirty="0"/>
+            <a:t>12/04/2019 – 30/08/2019</a:t>
+          </a:r>
+        </a:p>
+        <a:p>
+          <a:pPr marL="171450" lvl="1" indent="-171450" algn="l" defTabSz="800100">
+            <a:lnSpc>
+              <a:spcPct val="90000"/>
+            </a:lnSpc>
+            <a:spcBef>
+              <a:spcPct val="0"/>
+            </a:spcBef>
+            <a:spcAft>
+              <a:spcPct val="15000"/>
+            </a:spcAft>
+            <a:buChar char="•"/>
+          </a:pPr>
+          <a:r>
+            <a:rPr lang="fr-FR" sz="1800" kern="1200" dirty="0"/>
+            <a:t>18550€ prévisionnel</a:t>
+          </a:r>
+        </a:p>
+      </dsp:txBody>
+      <dsp:txXfrm>
+        <a:off x="5740600" y="2109238"/>
+        <a:ext cx="3252831" cy="1333500"/>
+      </dsp:txXfrm>
+    </dsp:sp>
+    <dsp:sp modelId="{6CFC3418-14AF-443A-BF1F-4FD13CE68700}">
+      <dsp:nvSpPr>
+        <dsp:cNvPr id="0" name=""/>
+        <dsp:cNvSpPr/>
+      </dsp:nvSpPr>
+      <dsp:spPr>
+        <a:xfrm>
+          <a:off x="5557203" y="3737748"/>
+          <a:ext cx="2357070" cy="1649872"/>
+        </a:xfrm>
+        <a:prstGeom prst="roundRect">
+          <a:avLst>
+            <a:gd name="adj" fmla="val 16670"/>
+          </a:avLst>
+        </a:prstGeom>
+        <a:solidFill>
+          <a:schemeClr val="accent1">
+            <a:hueOff val="0"/>
+            <a:satOff val="0"/>
+            <a:lumOff val="0"/>
+            <a:alphaOff val="0"/>
+          </a:schemeClr>
+        </a:solidFill>
+        <a:ln w="25400" cap="flat" cmpd="sng" algn="ctr">
+          <a:solidFill>
+            <a:schemeClr val="lt1">
+              <a:hueOff val="0"/>
+              <a:satOff val="0"/>
+              <a:lumOff val="0"/>
+              <a:alphaOff val="0"/>
+            </a:schemeClr>
+          </a:solidFill>
+          <a:prstDash val="solid"/>
+        </a:ln>
+        <a:effectLst/>
+      </dsp:spPr>
+      <dsp:style>
+        <a:lnRef idx="2">
+          <a:scrgbClr r="0" g="0" b="0"/>
+        </a:lnRef>
+        <a:fillRef idx="1">
+          <a:scrgbClr r="0" g="0" b="0"/>
+        </a:fillRef>
+        <a:effectRef idx="0">
+          <a:scrgbClr r="0" g="0" b="0"/>
+        </a:effectRef>
+        <a:fontRef idx="minor">
+          <a:schemeClr val="lt1"/>
+        </a:fontRef>
+      </dsp:style>
+      <dsp:txBody>
+        <a:bodyPr spcFirstLastPara="0" vert="horz" wrap="square" lIns="87630" tIns="87630" rIns="87630" bIns="87630" numCol="1" spcCol="1270" anchor="ctr" anchorCtr="0">
+          <a:noAutofit/>
+        </a:bodyPr>
+        <a:lstStyle/>
+        <a:p>
+          <a:pPr marL="0" lvl="0" indent="0" algn="ctr" defTabSz="1022350">
+            <a:lnSpc>
+              <a:spcPct val="90000"/>
+            </a:lnSpc>
+            <a:spcBef>
+              <a:spcPct val="0"/>
+            </a:spcBef>
+            <a:spcAft>
+              <a:spcPct val="35000"/>
+            </a:spcAft>
+            <a:buNone/>
+          </a:pPr>
+          <a:r>
+            <a:rPr lang="fr-FR" sz="2300" kern="1200" dirty="0"/>
+            <a:t>Phase de développement et test</a:t>
+          </a:r>
+        </a:p>
+      </dsp:txBody>
+      <dsp:txXfrm>
+        <a:off x="5637758" y="3818303"/>
+        <a:ext cx="2195960" cy="1488762"/>
+      </dsp:txXfrm>
+    </dsp:sp>
+    <dsp:sp modelId="{24032F01-249F-4366-B0E3-40CD6AD000ED}">
+      <dsp:nvSpPr>
+        <dsp:cNvPr id="0" name=""/>
+        <dsp:cNvSpPr/>
+      </dsp:nvSpPr>
+      <dsp:spPr>
+        <a:xfrm>
+          <a:off x="7933174" y="3958162"/>
+          <a:ext cx="3172756" cy="1333500"/>
+        </a:xfrm>
+        <a:prstGeom prst="rect">
+          <a:avLst/>
+        </a:prstGeom>
+        <a:noFill/>
+        <a:ln>
+          <a:noFill/>
+        </a:ln>
+        <a:effectLst/>
+      </dsp:spPr>
+      <dsp:style>
+        <a:lnRef idx="0">
+          <a:scrgbClr r="0" g="0" b="0"/>
+        </a:lnRef>
+        <a:fillRef idx="0">
+          <a:scrgbClr r="0" g="0" b="0"/>
+        </a:fillRef>
+        <a:effectRef idx="0">
+          <a:scrgbClr r="0" g="0" b="0"/>
+        </a:effectRef>
+        <a:fontRef idx="minor"/>
+      </dsp:style>
+      <dsp:txBody>
+        <a:bodyPr spcFirstLastPara="0" vert="horz" wrap="square" lIns="68580" tIns="68580" rIns="68580" bIns="68580" numCol="1" spcCol="1270" anchor="ctr" anchorCtr="0">
+          <a:noAutofit/>
+        </a:bodyPr>
+        <a:lstStyle/>
+        <a:p>
+          <a:pPr marL="171450" lvl="1" indent="-171450" algn="l" defTabSz="800100">
+            <a:lnSpc>
+              <a:spcPct val="90000"/>
+            </a:lnSpc>
+            <a:spcBef>
+              <a:spcPct val="0"/>
+            </a:spcBef>
+            <a:spcAft>
+              <a:spcPct val="15000"/>
+            </a:spcAft>
+            <a:buChar char="•"/>
+          </a:pPr>
+          <a:r>
+            <a:rPr lang="fr-FR" sz="1800" kern="1200" dirty="0"/>
+            <a:t>177j / 5,9 mois</a:t>
+          </a:r>
+        </a:p>
+        <a:p>
+          <a:pPr marL="171450" lvl="1" indent="-171450" algn="l" defTabSz="800100">
+            <a:lnSpc>
+              <a:spcPct val="90000"/>
+            </a:lnSpc>
+            <a:spcBef>
+              <a:spcPct val="0"/>
+            </a:spcBef>
+            <a:spcAft>
+              <a:spcPct val="15000"/>
+            </a:spcAft>
+            <a:buChar char="•"/>
+          </a:pPr>
+          <a:r>
+            <a:rPr lang="fr-FR" sz="1800" kern="1200" dirty="0"/>
+            <a:t>30/08/2019 – 14/05/2020</a:t>
+          </a:r>
+        </a:p>
+        <a:p>
+          <a:pPr marL="171450" lvl="1" indent="-171450" algn="l" defTabSz="800100">
+            <a:lnSpc>
+              <a:spcPct val="90000"/>
+            </a:lnSpc>
+            <a:spcBef>
+              <a:spcPct val="0"/>
+            </a:spcBef>
+            <a:spcAft>
+              <a:spcPct val="15000"/>
+            </a:spcAft>
+            <a:buChar char="•"/>
+          </a:pPr>
+          <a:r>
+            <a:rPr lang="fr-FR" sz="1800" kern="1200" dirty="0"/>
+            <a:t>58450€ prévisionnel</a:t>
+          </a:r>
+        </a:p>
+      </dsp:txBody>
+      <dsp:txXfrm>
+        <a:off x="7933174" y="3958162"/>
+        <a:ext cx="3172756" cy="1333500"/>
+      </dsp:txXfrm>
+    </dsp:sp>
+  </dsp:spTree>
+</dsp:drawing>
+</file>
+
+<file path=ppt/diagrams/layout1.xml><?xml version="1.0" encoding="utf-8"?>
+<dgm:layoutDef xmlns:dgm="http://schemas.openxmlformats.org/drawingml/2006/diagram" xmlns:a="http://schemas.openxmlformats.org/drawingml/2006/main" uniqueId="urn:microsoft.com/office/officeart/2005/8/layout/StepDownProcess">
+  <dgm:title val=""/>
+  <dgm:desc val=""/>
+  <dgm:catLst>
+    <dgm:cat type="process" pri="1600"/>
+  </dgm:catLst>
+  <dgm:sampData>
+    <dgm:dataModel>
+      <dgm:ptLst>
+        <dgm:pt modelId="0" type="doc"/>
+        <dgm:pt modelId="10">
+          <dgm:prSet phldr="1"/>
+        </dgm:pt>
+        <dgm:pt modelId="11">
+          <dgm:prSet phldr="1"/>
+        </dgm:pt>
+        <dgm:pt modelId="20">
+          <dgm:prSet phldr="1"/>
+        </dgm:pt>
+        <dgm:pt modelId="21">
+          <dgm:prSet phldr="1"/>
+        </dgm:pt>
+        <dgm:pt modelId="30">
+          <dgm:prSet phldr="1"/>
+        </dgm:pt>
+        <dgm:pt modelId="31">
+          <dgm:prSet phldr="1"/>
+        </dgm:pt>
+      </dgm:ptLst>
+      <dgm:cxnLst>
+        <dgm:cxn modelId="60" srcId="0" destId="10" srcOrd="0" destOrd="0"/>
+        <dgm:cxn modelId="12" srcId="10" destId="11" srcOrd="0" destOrd="0"/>
+        <dgm:cxn modelId="70" srcId="0" destId="20" srcOrd="1" destOrd="0"/>
+        <dgm:cxn modelId="22" srcId="20" destId="21" srcOrd="0" destOrd="0"/>
+        <dgm:cxn modelId="80" srcId="0" destId="30" srcOrd="2" destOrd="0"/>
+        <dgm:cxn modelId="32" srcId="30" destId="31" srcOrd="0" destOrd="0"/>
+      </dgm:cxnLst>
+      <dgm:bg/>
+      <dgm:whole/>
+    </dgm:dataModel>
+  </dgm:sampData>
+  <dgm:styleData>
+    <dgm:dataModel>
+      <dgm:ptLst>
+        <dgm:pt modelId="0" type="doc"/>
+        <dgm:pt modelId="10">
+          <dgm:prSet phldr="1"/>
+        </dgm:pt>
+        <dgm:pt modelId="20">
+          <dgm:prSet phldr="1"/>
+        </dgm:pt>
+      </dgm:ptLst>
+      <dgm:cxnLst>
+        <dgm:cxn modelId="60" srcId="0" destId="10" srcOrd="0" destOrd="0"/>
+        <dgm:cxn modelId="70" srcId="0" destId="20" srcOrd="1" destOrd="0"/>
+      </dgm:cxnLst>
+      <dgm:bg/>
+      <dgm:whole/>
+    </dgm:dataModel>
+  </dgm:styleData>
+  <dgm:clrData>
+    <dgm:dataModel>
+      <dgm:ptLst>
+        <dgm:pt modelId="0" type="doc"/>
+        <dgm:pt modelId="10">
+          <dgm:prSet phldr="1"/>
+        </dgm:pt>
+        <dgm:pt modelId="20">
+          <dgm:prSet phldr="1"/>
+        </dgm:pt>
+        <dgm:pt modelId="30">
+          <dgm:prSet phldr="1"/>
+        </dgm:pt>
+        <dgm:pt modelId="40">
+          <dgm:prSet phldr="1"/>
+        </dgm:pt>
+      </dgm:ptLst>
+      <dgm:cxnLst>
+        <dgm:cxn modelId="60" srcId="0" destId="10" srcOrd="0" destOrd="0"/>
+        <dgm:cxn modelId="70" srcId="0" destId="20" srcOrd="1" destOrd="0"/>
+        <dgm:cxn modelId="80" srcId="0" destId="30" srcOrd="2" destOrd="0"/>
+        <dgm:cxn modelId="90" srcId="0" destId="40" srcOrd="3" destOrd="0"/>
+      </dgm:cxnLst>
+      <dgm:bg/>
+      <dgm:whole/>
+    </dgm:dataModel>
+  </dgm:clrData>
+  <dgm:layoutNode name="rootnode">
+    <dgm:varLst>
+      <dgm:chMax/>
+      <dgm:chPref/>
+      <dgm:dir/>
+      <dgm:animLvl val="lvl"/>
+    </dgm:varLst>
+    <dgm:choose name="Name0">
+      <dgm:if name="Name1" func="var" arg="dir" op="equ" val="norm">
+        <dgm:alg type="snake">
+          <dgm:param type="grDir" val="tL"/>
+          <dgm:param type="flowDir" val="row"/>
+          <dgm:param type="off" val="off"/>
+          <dgm:param type="bkpt" val="fixed"/>
+          <dgm:param type="bkPtFixedVal" val="1"/>
+        </dgm:alg>
+      </dgm:if>
+      <dgm:else name="Name2">
+        <dgm:alg type="snake">
+          <dgm:param type="grDir" val="tR"/>
+          <dgm:param type="flowDir" val="row"/>
+          <dgm:param type="off" val="off"/>
+          <dgm:param type="bkpt" val="fixed"/>
+          <dgm:param type="bkPtFixedVal" val="1"/>
+        </dgm:alg>
+      </dgm:else>
+    </dgm:choose>
+    <dgm:shape xmlns:r="http://schemas.openxmlformats.org/officeDocument/2006/relationships" r:blip="">
+      <dgm:adjLst/>
+    </dgm:shape>
+    <dgm:choose name="Name3">
+      <dgm:if name="Name4" func="var" arg="dir" op="equ" val="norm">
+        <dgm:constrLst>
+          <dgm:constr type="alignOff" forName="rootnode" val="0.48"/>
+          <dgm:constr type="primFontSz" for="des" forName="ParentText" val="65"/>
+          <dgm:constr type="primFontSz" for="des" forName="ChildText" refType="primFontSz" refFor="des" refForName="ParentText" op="lte"/>
+          <dgm:constr type="w" for="ch" forName="composite" refType="w"/>
+          <dgm:constr type="h" for="ch" forName="composite" refType="h"/>
+          <dgm:constr type="sp" refType="h" refFor="ch" refForName="composite" op="equ" fact="-0.38"/>
+        </dgm:constrLst>
+      </dgm:if>
+      <dgm:else name="Name5">
+        <dgm:constrLst>
+          <dgm:constr type="alignOff" forName="rootnode" val="0.48"/>
+          <dgm:constr type="primFontSz" for="des" forName="ParentText" val="65"/>
+          <dgm:constr type="primFontSz" for="des" forName="ChildText" refType="primFontSz" refFor="des" refForName="ParentText" op="lte"/>
+          <dgm:constr type="w" for="ch" forName="composite" refType="w"/>
+          <dgm:constr type="h" for="ch" forName="composite" refType="h"/>
+          <dgm:constr type="sp" refType="h" refFor="ch" refForName="composite" op="equ" fact="-0.38"/>
+        </dgm:constrLst>
+      </dgm:else>
+    </dgm:choose>
+    <dgm:forEach name="nodesForEach" axis="ch" ptType="node">
+      <dgm:layoutNode name="composite">
+        <dgm:alg type="composite">
+          <dgm:param type="ar" val="1.2439"/>
+        </dgm:alg>
+        <dgm:shape xmlns:r="http://schemas.openxmlformats.org/officeDocument/2006/relationships" r:blip="">
+          <dgm:adjLst/>
+        </dgm:shape>
+        <dgm:choose name="Name6">
+          <dgm:if name="Name7" func="var" arg="dir" op="equ" val="norm">
+            <dgm:constrLst>
+              <dgm:constr type="l" for="ch" forName="bentUpArrow1" refType="w" fact="0.07"/>
+              <dgm:constr type="t" for="ch" forName="bentUpArrow1" refType="h" fact="0.524"/>
+              <dgm:constr type="w" for="ch" forName="bentUpArrow1" refType="w" fact="0.3844"/>
+              <dgm:constr type="h" for="ch" forName="bentUpArrow1" refType="h" fact="0.42"/>
+              <dgm:constr type="l" for="ch" forName="ParentText" refType="w" fact="0"/>
+              <dgm:constr type="t" for="ch" forName="ParentText" refType="h" fact="0"/>
+              <dgm:constr type="w" for="ch" forName="ParentText" refType="w" fact="0.5684"/>
+              <dgm:constr type="h" for="ch" forName="ParentText" refType="h" fact="0.4949"/>
+              <dgm:constr type="l" for="ch" forName="ChildText" refType="w" refFor="ch" refForName="ParentText"/>
+              <dgm:constr type="t" for="ch" forName="ChildText" refType="h" fact="0.05"/>
+              <dgm:constr type="w" for="ch" forName="ChildText" refType="w" fact="0.4134"/>
+              <dgm:constr type="h" for="ch" forName="ChildText" refType="h" fact="0.4"/>
+              <dgm:constr type="l" for="ch" forName="FinalChildText" refType="w" refFor="ch" refForName="ParentText"/>
+              <dgm:constr type="t" for="ch" forName="FinalChildText" refType="h" fact="0.05"/>
+              <dgm:constr type="w" for="ch" forName="FinalChildText" refType="w" fact="0.4134"/>
+              <dgm:constr type="h" for="ch" forName="FinalChildText" refType="h" fact="0.4"/>
+            </dgm:constrLst>
+          </dgm:if>
+          <dgm:else name="Name8">
+            <dgm:constrLst>
+              <dgm:constr type="r" for="ch" forName="bentUpArrow1" refType="w" fact="0.97"/>
+              <dgm:constr type="t" for="ch" forName="bentUpArrow1" refType="h" fact="0.524"/>
+              <dgm:constr type="w" for="ch" forName="bentUpArrow1" refType="w" fact="0.3844"/>
+              <dgm:constr type="h" for="ch" forName="bentUpArrow1" refType="h" fact="0.42"/>
+              <dgm:constr type="l" for="ch" forName="ParentText" refType="w" fact="0.4316"/>
+              <dgm:constr type="t" for="ch" forName="ParentText" refType="h" fact="0"/>
+              <dgm:constr type="w" for="ch" forName="ParentText" refType="w" fact="0.5684"/>
+              <dgm:constr type="h" for="ch" forName="ParentText" refType="h" fact="0.4949"/>
+              <dgm:constr type="l" for="ch" forName="ChildText" refType="w" fact="0"/>
+              <dgm:constr type="t" for="ch" forName="ChildText" refType="h" fact="0.05"/>
+              <dgm:constr type="w" for="ch" forName="ChildText" refType="w" fact="0.4134"/>
+              <dgm:constr type="h" for="ch" forName="ChildText" refType="h" fact="0.4"/>
+              <dgm:constr type="l" for="ch" forName="FinalChildText" refType="w" fact="0"/>
+              <dgm:constr type="t" for="ch" forName="FinalChildText" refType="h" fact="0.05"/>
+              <dgm:constr type="w" for="ch" forName="FinalChildText" refType="w" fact="0.4134"/>
+              <dgm:constr type="h" for="ch" forName="FinalChildText" refType="h" fact="0.4"/>
+            </dgm:constrLst>
+          </dgm:else>
+        </dgm:choose>
+        <dgm:choose name="Name9">
+          <dgm:if name="Name10" axis="followSib" ptType="node" func="cnt" op="gte" val="1">
+            <dgm:layoutNode name="bentUpArrow1" styleLbl="alignImgPlace1">
+              <dgm:alg type="sp"/>
+              <dgm:choose name="Name11">
+                <dgm:if name="Name12" func="var" arg="dir" op="equ" val="norm">
+                  <dgm:shape xmlns:r="http://schemas.openxmlformats.org/officeDocument/2006/relationships" rot="90" type="bentUpArrow" r:blip="">
+                    <dgm:adjLst>
+                      <dgm:adj idx="1" val="0.3284"/>
+                      <dgm:adj idx="2" val="0.25"/>
+                      <dgm:adj idx="3" val="0.3578"/>
+                    </dgm:adjLst>
+                  </dgm:shape>
+                </dgm:if>
+                <dgm:else name="Name13">
+                  <dgm:shape xmlns:r="http://schemas.openxmlformats.org/officeDocument/2006/relationships" rot="180" type="bentArrow" r:blip="">
+                    <dgm:adjLst>
+                      <dgm:adj idx="1" val="0.3284"/>
+                      <dgm:adj idx="2" val="0.25"/>
+                      <dgm:adj idx="3" val="0.3578"/>
+                      <dgm:adj idx="4" val="0"/>
+                    </dgm:adjLst>
+                  </dgm:shape>
+                </dgm:else>
+              </dgm:choose>
+              <dgm:presOf/>
+            </dgm:layoutNode>
+          </dgm:if>
+          <dgm:else name="Name14"/>
+        </dgm:choose>
+        <dgm:layoutNode name="ParentText" styleLbl="node1">
+          <dgm:varLst>
+            <dgm:chMax val="1"/>
+            <dgm:chPref val="1"/>
+            <dgm:bulletEnabled val="1"/>
+          </dgm:varLst>
+          <dgm:alg type="tx"/>
+          <dgm:shape xmlns:r="http://schemas.openxmlformats.org/officeDocument/2006/relationships" type="roundRect" r:blip="">
+            <dgm:adjLst>
+              <dgm:adj idx="1" val="0.1667"/>
+            </dgm:adjLst>
+          </dgm:shape>
+          <dgm:presOf axis="self" ptType="node"/>
+          <dgm:constrLst>
+            <dgm:constr type="lMarg" refType="primFontSz" fact="0.3"/>
+            <dgm:constr type="rMarg" refType="primFontSz" fact="0.3"/>
+            <dgm:constr type="tMarg" refType="primFontSz" fact="0.3"/>
+            <dgm:constr type="bMarg" refType="primFontSz" fact="0.3"/>
+          </dgm:constrLst>
+          <dgm:ruleLst>
+            <dgm:rule type="primFontSz" val="5" fact="NaN" max="NaN"/>
+          </dgm:ruleLst>
+        </dgm:layoutNode>
+        <dgm:choose name="Name15">
+          <dgm:if name="Name16" axis="followSib" ptType="node" func="cnt" op="equ" val="0">
+            <dgm:choose name="Name17">
+              <dgm:if name="Name18" axis="ch" ptType="node" func="cnt" op="gte" val="1">
+                <dgm:layoutNode name="FinalChildText" styleLbl="revTx">
+                  <dgm:varLst>
+                    <dgm:chMax val="0"/>
+                    <dgm:chPref val="0"/>
+                    <dgm:bulletEnabled val="1"/>
+                  </dgm:varLst>
+                  <dgm:alg type="tx">
+                    <dgm:param type="stBulletLvl" val="1"/>
+                    <dgm:param type="txAnchorVertCh" val="mid"/>
+                    <dgm:param type="parTxLTRAlign" val="l"/>
+                  </dgm:alg>
+                  <dgm:shape xmlns:r="http://schemas.openxmlformats.org/officeDocument/2006/relationships" type="rect" r:blip="">
+                    <dgm:adjLst/>
+                  </dgm:shape>
+                  <dgm:presOf axis="des" ptType="node"/>
+                  <dgm:constrLst>
+                    <dgm:constr type="lMarg" refType="primFontSz" fact="0.3"/>
+                    <dgm:constr type="rMarg" refType="primFontSz" fact="0.3"/>
+                    <dgm:constr type="tMarg" refType="primFontSz" fact="0.3"/>
+                    <dgm:constr type="bMarg" refType="primFontSz" fact="0.3"/>
+                  </dgm:constrLst>
+                  <dgm:ruleLst>
+                    <dgm:rule type="primFontSz" val="5" fact="NaN" max="NaN"/>
+                  </dgm:ruleLst>
+                </dgm:layoutNode>
+              </dgm:if>
+              <dgm:else name="Name19"/>
+            </dgm:choose>
+          </dgm:if>
+          <dgm:else name="Name20">
+            <dgm:layoutNode name="ChildText" styleLbl="revTx">
+              <dgm:varLst>
+                <dgm:chMax val="0"/>
+                <dgm:chPref val="0"/>
+                <dgm:bulletEnabled val="1"/>
+              </dgm:varLst>
+              <dgm:alg type="tx">
+                <dgm:param type="stBulletLvl" val="1"/>
+                <dgm:param type="txAnchorVertCh" val="mid"/>
+                <dgm:param type="parTxLTRAlign" val="l"/>
+              </dgm:alg>
+              <dgm:shape xmlns:r="http://schemas.openxmlformats.org/officeDocument/2006/relationships" type="rect" r:blip="">
+                <dgm:adjLst/>
+              </dgm:shape>
+              <dgm:presOf axis="des" ptType="node"/>
+              <dgm:constrLst>
+                <dgm:constr type="lMarg" refType="primFontSz" fact="0.3"/>
+                <dgm:constr type="rMarg" refType="primFontSz" fact="0.3"/>
+                <dgm:constr type="tMarg" refType="primFontSz" fact="0.3"/>
+                <dgm:constr type="bMarg" refType="primFontSz" fact="0.3"/>
+              </dgm:constrLst>
+              <dgm:ruleLst>
+                <dgm:rule type="primFontSz" val="5" fact="NaN" max="NaN"/>
+              </dgm:ruleLst>
+            </dgm:layoutNode>
+          </dgm:else>
+        </dgm:choose>
+      </dgm:layoutNode>
+      <dgm:forEach name="sibTransForEach" axis="followSib" ptType="sibTrans" cnt="1">
+        <dgm:layoutNode name="sibTrans">
+          <dgm:alg type="sp"/>
+          <dgm:shape xmlns:r="http://schemas.openxmlformats.org/officeDocument/2006/relationships" r:blip="">
+            <dgm:adjLst/>
+          </dgm:shape>
+        </dgm:layoutNode>
+      </dgm:forEach>
+    </dgm:forEach>
+  </dgm:layoutNode>
+</dgm:layoutDef>
+</file>
+
+<file path=ppt/diagrams/quickStyle1.xml><?xml version="1.0" encoding="utf-8"?>
+<dgm:styleDef xmlns:dgm="http://schemas.openxmlformats.org/drawingml/2006/diagram" xmlns:a="http://schemas.openxmlformats.org/drawingml/2006/main" uniqueId="urn:microsoft.com/office/officeart/2005/8/quickstyle/simple1">
+  <dgm:title val=""/>
+  <dgm:desc val=""/>
+  <dgm:catLst>
+    <dgm:cat type="simple" pri="10100"/>
+  </dgm:catLst>
+  <dgm:scene3d>
+    <a:camera prst="orthographicFront"/>
+    <a:lightRig rig="threePt" dir="t"/>
+  </dgm:scene3d>
+  <dgm:styleLbl name="node0">
+    <dgm:scene3d>
+      <a:camera prst="orthographicFront"/>
+      <a:lightRig rig="threePt" dir="t"/>
+    </dgm:scene3d>
+    <dgm:sp3d/>
+    <dgm:txPr/>
+    <dgm:style>
+      <a:lnRef idx="2">
+        <a:scrgbClr r="0" g="0" b="0"/>
+      </a:lnRef>
+      <a:fillRef idx="1">
+        <a:scrgbClr r="0" g="0" b="0"/>
+      </a:fillRef>
+      <a:effectRef idx="0">
+        <a:scrgbClr r="0" g="0" b="0"/>
+      </a:effectRef>
+      <a:fontRef idx="minor">
+        <a:schemeClr val="lt1"/>
+      </a:fontRef>
+    </dgm:style>
+  </dgm:styleLbl>
+  <dgm:styleLbl name="lnNode1">
+    <dgm:scene3d>
+      <a:camera prst="orthographicFront"/>
+      <a:lightRig rig="threePt" dir="t"/>
+    </dgm:scene3d>
+    <dgm:sp3d/>
+    <dgm:txPr/>
+    <dgm:style>
+      <a:lnRef idx="2">
+        <a:scrgbClr r="0" g="0" b="0"/>
+      </a:lnRef>
+      <a:fillRef idx="1">
+        <a:scrgbClr r="0" g="0" b="0"/>
+      </a:fillRef>
+      <a:effectRef idx="0">
+        <a:scrgbClr r="0" g="0" b="0"/>
+      </a:effectRef>
+      <a:fontRef idx="minor">
+        <a:schemeClr val="lt1"/>
+      </a:fontRef>
+    </dgm:style>
+  </dgm:styleLbl>
+  <dgm:styleLbl name="vennNode1">
+    <dgm:scene3d>
+      <a:camera prst="orthographicFront"/>
+      <a:lightRig rig="threePt" dir="t"/>
+    </dgm:scene3d>
+    <dgm:sp3d/>
+    <dgm:txPr/>
+    <dgm:style>
+      <a:lnRef idx="2">
+        <a:scrgbClr r="0" g="0" b="0"/>
+      </a:lnRef>
+      <a:fillRef idx="1">
+        <a:scrgbClr r="0" g="0" b="0"/>
+      </a:fillRef>
+      <a:effectRef idx="0">
+        <a:scrgbClr r="0" g="0" b="0"/>
+      </a:effectRef>
+      <a:fontRef idx="minor">
+        <a:schemeClr val="tx1"/>
+      </a:fontRef>
+    </dgm:style>
+  </dgm:styleLbl>
+  <dgm:styleLbl name="alignNode1">
+    <dgm:scene3d>
+      <a:camera prst="orthographicFront"/>
+      <a:lightRig rig="threePt" dir="t"/>
+    </dgm:scene3d>
+    <dgm:sp3d/>
+    <dgm:txPr/>
+    <dgm:style>
+      <a:lnRef idx="2">
+        <a:scrgbClr r="0" g="0" b="0"/>
+      </a:lnRef>
+      <a:fillRef idx="1">
+        <a:scrgbClr r="0" g="0" b="0"/>
+      </a:fillRef>
+      <a:effectRef idx="0">
+        <a:scrgbClr r="0" g="0" b="0"/>
+      </a:effectRef>
+      <a:fontRef idx="minor">
+        <a:schemeClr val="lt1"/>
+      </a:fontRef>
+    </dgm:style>
+  </dgm:styleLbl>
+  <dgm:styleLbl name="node1">
+    <dgm:scene3d>
+      <a:camera prst="orthographicFront"/>
+      <a:lightRig rig="threePt" dir="t"/>
+    </dgm:scene3d>
+    <dgm:sp3d/>
+    <dgm:txPr/>
+    <dgm:style>
+      <a:lnRef idx="2">
+        <a:scrgbClr r="0" g="0" b="0"/>
+      </a:lnRef>
+      <a:fillRef idx="1">
+        <a:scrgbClr r="0" g="0" b="0"/>
+      </a:fillRef>
+      <a:effectRef idx="0">
+        <a:scrgbClr r="0" g="0" b="0"/>
+      </a:effectRef>
+      <a:fontRef idx="minor">
+        <a:schemeClr val="lt1"/>
+      </a:fontRef>
+    </dgm:style>
+  </dgm:styleLbl>
+  <dgm:styleLbl name="node2">
+    <dgm:scene3d>
+      <a:camera prst="orthographicFront"/>
+      <a:lightRig rig="threePt" dir="t"/>
+    </dgm:scene3d>
+    <dgm:sp3d/>
+    <dgm:txPr/>
+    <dgm:style>
+      <a:lnRef idx="2">
+        <a:scrgbClr r="0" g="0" b="0"/>
+      </a:lnRef>
+      <a:fillRef idx="1">
+        <a:scrgbClr r="0" g="0" b="0"/>
+      </a:fillRef>
+      <a:effectRef idx="0">
+        <a:scrgbClr r="0" g="0" b="0"/>
+      </a:effectRef>
+      <a:fontRef idx="minor">
+        <a:schemeClr val="lt1"/>
+      </a:fontRef>
+    </dgm:style>
+  </dgm:styleLbl>
+  <dgm:styleLbl name="node3">
+    <dgm:scene3d>
+      <a:camera prst="orthographicFront"/>
+      <a:lightRig rig="threePt" dir="t"/>
+    </dgm:scene3d>
+    <dgm:sp3d/>
+    <dgm:txPr/>
+    <dgm:style>
+      <a:lnRef idx="2">
+        <a:scrgbClr r="0" g="0" b="0"/>
+      </a:lnRef>
+      <a:fillRef idx="1">
+        <a:scrgbClr r="0" g="0" b="0"/>
+      </a:fillRef>
+      <a:effectRef idx="0">
+        <a:scrgbClr r="0" g="0" b="0"/>
+      </a:effectRef>
+      <a:fontRef idx="minor">
+        <a:schemeClr val="lt1"/>
+      </a:fontRef>
+    </dgm:style>
+  </dgm:styleLbl>
+  <dgm:styleLbl name="node4">
+    <dgm:scene3d>
+      <a:camera prst="orthographicFront"/>
+      <a:lightRig rig="threePt" dir="t"/>
+    </dgm:scene3d>
+    <dgm:sp3d/>
+    <dgm:txPr/>
+    <dgm:style>
+      <a:lnRef idx="2">
+        <a:scrgbClr r="0" g="0" b="0"/>
+      </a:lnRef>
+      <a:fillRef idx="1">
+        <a:scrgbClr r="0" g="0" b="0"/>
+      </a:fillRef>
+      <a:effectRef idx="0">
+        <a:scrgbClr r="0" g="0" b="0"/>
+      </a:effectRef>
+      <a:fontRef idx="minor">
+        <a:schemeClr val="lt1"/>
+      </a:fontRef>
+    </dgm:style>
+  </dgm:styleLbl>
+  <dgm:styleLbl name="fgImgPlace1">
+    <dgm:scene3d>
+      <a:camera prst="orthographicFront"/>
+      <a:lightRig rig="threePt" dir="t"/>
+    </dgm:scene3d>
+    <dgm:sp3d/>
+    <dgm:txPr/>
+    <dgm:style>
+      <a:lnRef idx="2">
+        <a:scrgbClr r="0" g="0" b="0"/>
+      </a:lnRef>
+      <a:fillRef idx="1">
+        <a:scrgbClr r="0" g="0" b="0"/>
+      </a:fillRef>
+      <a:effectRef idx="0">
+        <a:scrgbClr r="0" g="0" b="0"/>
+      </a:effectRef>
+      <a:fontRef idx="minor"/>
+    </dgm:style>
+  </dgm:styleLbl>
+  <dgm:styleLbl name="alignImgPlace1">
+    <dgm:scene3d>
+      <a:camera prst="orthographicFront"/>
+      <a:lightRig rig="threePt" dir="t"/>
+    </dgm:scene3d>
+    <dgm:sp3d/>
+    <dgm:txPr/>
+    <dgm:style>
+      <a:lnRef idx="2">
+        <a:scrgbClr r="0" g="0" b="0"/>
+      </a:lnRef>
+      <a:fillRef idx="1">
+        <a:scrgbClr r="0" g="0" b="0"/>
+      </a:fillRef>
+      <a:effectRef idx="0">
+        <a:scrgbClr r="0" g="0" b="0"/>
+      </a:effectRef>
+      <a:fontRef idx="minor"/>
+    </dgm:style>
+  </dgm:styleLbl>
+  <dgm:styleLbl name="bgImgPlace1">
+    <dgm:scene3d>
+      <a:camera prst="orthographicFront"/>
+      <a:lightRig rig="threePt" dir="t"/>
+    </dgm:scene3d>
+    <dgm:sp3d/>
+    <dgm:txPr/>
+    <dgm:style>
+      <a:lnRef idx="2">
+        <a:scrgbClr r="0" g="0" b="0"/>
+      </a:lnRef>
+      <a:fillRef idx="1">
+        <a:scrgbClr r="0" g="0" b="0"/>
+      </a:fillRef>
+      <a:effectRef idx="0">
+        <a:scrgbClr r="0" g="0" b="0"/>
+      </a:effectRef>
+      <a:fontRef idx="minor"/>
+    </dgm:style>
+  </dgm:styleLbl>
+  <dgm:styleLbl name="sibTrans2D1">
+    <dgm:scene3d>
+      <a:camera prst="orthographicFront"/>
+      <a:lightRig rig="threePt" dir="t"/>
+    </dgm:scene3d>
+    <dgm:sp3d/>
+    <dgm:txPr/>
+    <dgm:style>
+      <a:lnRef idx="0">
+        <a:scrgbClr r="0" g="0" b="0"/>
+      </a:lnRef>
+      <a:fillRef idx="1">
+        <a:scrgbClr r="0" g="0" b="0"/>
+      </a:fillRef>
+      <a:effectRef idx="0">
+        <a:scrgbClr r="0" g="0" b="0"/>
+      </a:effectRef>
+      <a:fontRef idx="minor">
+        <a:schemeClr val="lt1"/>
+      </a:fontRef>
+    </dgm:style>
+  </dgm:styleLbl>
+  <dgm:styleLbl name="fgSibTrans2D1">
+    <dgm:scene3d>
+      <a:camera prst="orthographicFront"/>
+      <a:lightRig rig="threePt" dir="t"/>
+    </dgm:scene3d>
+    <dgm:sp3d/>
+    <dgm:txPr/>
+    <dgm:style>
+      <a:lnRef idx="0">
+        <a:scrgbClr r="0" g="0" b="0"/>
+      </a:lnRef>
+      <a:fillRef idx="1">
+        <a:scrgbClr r="0" g="0" b="0"/>
+      </a:fillRef>
+      <a:effectRef idx="0">
+        <a:scrgbClr r="0" g="0" b="0"/>
+      </a:effectRef>
+      <a:fontRef idx="minor">
+        <a:schemeClr val="lt1"/>
+      </a:fontRef>
+    </dgm:style>
+  </dgm:styleLbl>
+  <dgm:styleLbl name="bgSibTrans2D1">
+    <dgm:scene3d>
+      <a:camera prst="orthographicFront"/>
+      <a:lightRig rig="threePt" dir="t"/>
+    </dgm:scene3d>
+    <dgm:sp3d/>
+    <dgm:txPr/>
+    <dgm:style>
+      <a:lnRef idx="0">
+        <a:scrgbClr r="0" g="0" b="0"/>
+      </a:lnRef>
+      <a:fillRef idx="1">
+        <a:scrgbClr r="0" g="0" b="0"/>
+      </a:fillRef>
+      <a:effectRef idx="0">
+        <a:scrgbClr r="0" g="0" b="0"/>
+      </a:effectRef>
+      <a:fontRef idx="minor">
+        <a:schemeClr val="lt1"/>
+      </a:fontRef>
+    </dgm:style>
+  </dgm:styleLbl>
+  <dgm:styleLbl name="sibTrans1D1">
+    <dgm:scene3d>
+      <a:camera prst="orthographicFront"/>
+      <a:lightRig rig="threePt" dir="t"/>
+    </dgm:scene3d>
+    <dgm:sp3d/>
+    <dgm:txPr/>
+    <dgm:style>
+      <a:lnRef idx="1">
+        <a:scrgbClr r="0" g="0" b="0"/>
+      </a:lnRef>
+      <a:fillRef idx="0">
+        <a:scrgbClr r="0" g="0" b="0"/>
+      </a:fillRef>
+      <a:effectRef idx="0">
+        <a:scrgbClr r="0" g="0" b="0"/>
+      </a:effectRef>
+      <a:fontRef idx="minor"/>
+    </dgm:style>
+  </dgm:styleLbl>
+  <dgm:styleLbl name="callout">
+    <dgm:scene3d>
+      <a:camera prst="orthographicFront"/>
+      <a:lightRig rig="threePt" dir="t"/>
+    </dgm:scene3d>
+    <dgm:sp3d/>
+    <dgm:txPr/>
+    <dgm:style>
+      <a:lnRef idx="2">
+        <a:scrgbClr r="0" g="0" b="0"/>
+      </a:lnRef>
+      <a:fillRef idx="1">
+        <a:scrgbClr r="0" g="0" b="0"/>
+      </a:fillRef>
+      <a:effectRef idx="0">
+        <a:scrgbClr r="0" g="0" b="0"/>
+      </a:effectRef>
+      <a:fontRef idx="minor"/>
+    </dgm:style>
+  </dgm:styleLbl>
+  <dgm:styleLbl name="asst0">
+    <dgm:scene3d>
+      <a:camera prst="orthographicFront"/>
+      <a:lightRig rig="threePt" dir="t"/>
+    </dgm:scene3d>
+    <dgm:sp3d/>
+    <dgm:txPr/>
+    <dgm:style>
+      <a:lnRef idx="2">
+        <a:scrgbClr r="0" g="0" b="0"/>
+      </a:lnRef>
+      <a:fillRef idx="1">
+        <a:scrgbClr r="0" g="0" b="0"/>
+      </a:fillRef>
+      <a:effectRef idx="0">
+        <a:scrgbClr r="0" g="0" b="0"/>
+      </a:effectRef>
+      <a:fontRef idx="minor">
+        <a:schemeClr val="lt1"/>
+      </a:fontRef>
+    </dgm:style>
+  </dgm:styleLbl>
+  <dgm:styleLbl name="asst1">
+    <dgm:scene3d>
+      <a:camera prst="orthographicFront"/>
+      <a:lightRig rig="threePt" dir="t"/>
+    </dgm:scene3d>
+    <dgm:sp3d/>
+    <dgm:txPr/>
+    <dgm:style>
+      <a:lnRef idx="2">
+        <a:scrgbClr r="0" g="0" b="0"/>
+      </a:lnRef>
+      <a:fillRef idx="1">
+        <a:scrgbClr r="0" g="0" b="0"/>
+      </a:fillRef>
+      <a:effectRef idx="0">
+        <a:scrgbClr r="0" g="0" b="0"/>
+      </a:effectRef>
+      <a:fontRef idx="minor">
+        <a:schemeClr val="lt1"/>
+      </a:fontRef>
+    </dgm:style>
+  </dgm:styleLbl>
+  <dgm:styleLbl name="asst2">
+    <dgm:scene3d>
+      <a:camera prst="orthographicFront"/>
+      <a:lightRig rig="threePt" dir="t"/>
+    </dgm:scene3d>
+    <dgm:sp3d/>
+    <dgm:txPr/>
+    <dgm:style>
+      <a:lnRef idx="2">
+        <a:scrgbClr r="0" g="0" b="0"/>
+      </a:lnRef>
+      <a:fillRef idx="1">
+        <a:scrgbClr r="0" g="0" b="0"/>
+      </a:fillRef>
+      <a:effectRef idx="0">
+        <a:scrgbClr r="0" g="0" b="0"/>
+      </a:effectRef>
+      <a:fontRef idx="minor">
+        <a:schemeClr val="lt1"/>
+      </a:fontRef>
+    </dgm:style>
+  </dgm:styleLbl>
+  <dgm:styleLbl name="asst3">
+    <dgm:scene3d>
+      <a:camera prst="orthographicFront"/>
+      <a:lightRig rig="threePt" dir="t"/>
+    </dgm:scene3d>
+    <dgm:sp3d/>
+    <dgm:txPr/>
+    <dgm:style>
+      <a:lnRef idx="2">
+        <a:scrgbClr r="0" g="0" b="0"/>
+      </a:lnRef>
+      <a:fillRef idx="1">
+        <a:scrgbClr r="0" g="0" b="0"/>
+      </a:fillRef>
+      <a:effectRef idx="0">
+        <a:scrgbClr r="0" g="0" b="0"/>
+      </a:effectRef>
+      <a:fontRef idx="minor">
+        <a:schemeClr val="lt1"/>
+      </a:fontRef>
+    </dgm:style>
+  </dgm:styleLbl>
+  <dgm:styleLbl name="asst4">
+    <dgm:scene3d>
+      <a:camera prst="orthographicFront"/>
+      <a:lightRig rig="threePt" dir="t"/>
+    </dgm:scene3d>
+    <dgm:sp3d/>
+    <dgm:txPr/>
+    <dgm:style>
+      <a:lnRef idx="2">
+        <a:scrgbClr r="0" g="0" b="0"/>
+      </a:lnRef>
+      <a:fillRef idx="1">
+        <a:scrgbClr r="0" g="0" b="0"/>
+      </a:fillRef>
+      <a:effectRef idx="0">
+        <a:scrgbClr r="0" g="0" b="0"/>
+      </a:effectRef>
+      <a:fontRef idx="minor">
+        <a:schemeClr val="lt1"/>
+      </a:fontRef>
+    </dgm:style>
+  </dgm:styleLbl>
+  <dgm:styleLbl name="parChTrans2D1">
+    <dgm:scene3d>
+      <a:camera prst="orthographicFront"/>
+      <a:lightRig rig="threePt" dir="t"/>
+    </dgm:scene3d>
+    <dgm:sp3d/>
+    <dgm:txPr/>
+    <dgm:style>
+      <a:lnRef idx="2">
+        <a:scrgbClr r="0" g="0" b="0"/>
+      </a:lnRef>
+      <a:fillRef idx="1">
+        <a:scrgbClr r="0" g="0" b="0"/>
+      </a:fillRef>
+      <a:effectRef idx="0">
+        <a:scrgbClr r="0" g="0" b="0"/>
+      </a:effectRef>
+      <a:fontRef idx="minor">
+        <a:schemeClr val="lt1"/>
+      </a:fontRef>
+    </dgm:style>
+  </dgm:styleLbl>
+  <dgm:styleLbl name="parChTrans2D2">
+    <dgm:scene3d>
+      <a:camera prst="orthographicFront"/>
+      <a:lightRig rig="threePt" dir="t"/>
+    </dgm:scene3d>
+    <dgm:sp3d/>
+    <dgm:txPr/>
+    <dgm:style>
+      <a:lnRef idx="2">
+        <a:scrgbClr r="0" g="0" b="0"/>
+      </a:lnRef>
+      <a:fillRef idx="1">
+        <a:scrgbClr r="0" g="0" b="0"/>
+      </a:fillRef>
+      <a:effectRef idx="0">
+        <a:scrgbClr r="0" g="0" b="0"/>
+      </a:effectRef>
+      <a:fontRef idx="minor">
+        <a:schemeClr val="lt1"/>
+      </a:fontRef>
+    </dgm:style>
+  </dgm:styleLbl>
+  <dgm:styleLbl name="parChTrans2D3">
+    <dgm:scene3d>
+      <a:camera prst="orthographicFront"/>
+      <a:lightRig rig="threePt" dir="t"/>
+    </dgm:scene3d>
+    <dgm:sp3d/>
+    <dgm:txPr/>
+    <dgm:style>
+      <a:lnRef idx="2">
+        <a:scrgbClr r="0" g="0" b="0"/>
+      </a:lnRef>
+      <a:fillRef idx="1">
+        <a:scrgbClr r="0" g="0" b="0"/>
+      </a:fillRef>
+      <a:effectRef idx="0">
+        <a:scrgbClr r="0" g="0" b="0"/>
+      </a:effectRef>
+      <a:fontRef idx="minor">
+        <a:schemeClr val="lt1"/>
+      </a:fontRef>
+    </dgm:style>
+  </dgm:styleLbl>
+  <dgm:styleLbl name="parChTrans2D4">
+    <dgm:scene3d>
+      <a:camera prst="orthographicFront"/>
+      <a:lightRig rig="threePt" dir="t"/>
+    </dgm:scene3d>
+    <dgm:sp3d/>
+    <dgm:txPr/>
+    <dgm:style>
+      <a:lnRef idx="2">
+        <a:scrgbClr r="0" g="0" b="0"/>
+      </a:lnRef>
+      <a:fillRef idx="1">
+        <a:scrgbClr r="0" g="0" b="0"/>
+      </a:fillRef>
+      <a:effectRef idx="0">
+        <a:scrgbClr r="0" g="0" b="0"/>
+      </a:effectRef>
+      <a:fontRef idx="minor">
+        <a:schemeClr val="lt1"/>
+      </a:fontRef>
+    </dgm:style>
+  </dgm:styleLbl>
+  <dgm:styleLbl name="parChTrans1D1">
+    <dgm:scene3d>
+      <a:camera prst="orthographicFront"/>
+      <a:lightRig rig="threePt" dir="t"/>
+    </dgm:scene3d>
+    <dgm:sp3d/>
+    <dgm:txPr/>
+    <dgm:style>
+      <a:lnRef idx="2">
+        <a:scrgbClr r="0" g="0" b="0"/>
+      </a:lnRef>
+      <a:fillRef idx="0">
+        <a:scrgbClr r="0" g="0" b="0"/>
+      </a:fillRef>
+      <a:effectRef idx="0">
+        <a:scrgbClr r="0" g="0" b="0"/>
+      </a:effectRef>
+      <a:fontRef idx="minor"/>
+    </dgm:style>
+  </dgm:styleLbl>
+  <dgm:styleLbl name="parChTrans1D2">
+    <dgm:scene3d>
+      <a:camera prst="orthographicFront"/>
+      <a:lightRig rig="threePt" dir="t"/>
+    </dgm:scene3d>
+    <dgm:sp3d/>
+    <dgm:txPr/>
+    <dgm:style>
+      <a:lnRef idx="2">
+        <a:scrgbClr r="0" g="0" b="0"/>
+      </a:lnRef>
+      <a:fillRef idx="0">
+        <a:scrgbClr r="0" g="0" b="0"/>
+      </a:fillRef>
+      <a:effectRef idx="0">
+        <a:scrgbClr r="0" g="0" b="0"/>
+      </a:effectRef>
+      <a:fontRef idx="minor"/>
+    </dgm:style>
+  </dgm:styleLbl>
+  <dgm:styleLbl name="parChTrans1D3">
+    <dgm:scene3d>
+      <a:camera prst="orthographicFront"/>
+      <a:lightRig rig="threePt" dir="t"/>
+    </dgm:scene3d>
+    <dgm:sp3d/>
+    <dgm:txPr/>
+    <dgm:style>
+      <a:lnRef idx="2">
+        <a:scrgbClr r="0" g="0" b="0"/>
+      </a:lnRef>
+      <a:fillRef idx="0">
+        <a:scrgbClr r="0" g="0" b="0"/>
+      </a:fillRef>
+      <a:effectRef idx="0">
+        <a:scrgbClr r="0" g="0" b="0"/>
+      </a:effectRef>
+      <a:fontRef idx="minor"/>
+    </dgm:style>
+  </dgm:styleLbl>
+  <dgm:styleLbl name="parChTrans1D4">
+    <dgm:scene3d>
+      <a:camera prst="orthographicFront"/>
+      <a:lightRig rig="threePt" dir="t"/>
+    </dgm:scene3d>
+    <dgm:sp3d/>
+    <dgm:txPr/>
+    <dgm:style>
+      <a:lnRef idx="2">
+        <a:scrgbClr r="0" g="0" b="0"/>
+      </a:lnRef>
+      <a:fillRef idx="0">
+        <a:scrgbClr r="0" g="0" b="0"/>
+      </a:fillRef>
+      <a:effectRef idx="0">
+        <a:scrgbClr r="0" g="0" b="0"/>
+      </a:effectRef>
+      <a:fontRef idx="minor"/>
+    </dgm:style>
+  </dgm:styleLbl>
+  <dgm:styleLbl name="fgAcc1">
+    <dgm:scene3d>
+      <a:camera prst="orthographicFront"/>
+      <a:lightRig rig="threePt" dir="t"/>
+    </dgm:scene3d>
+    <dgm:sp3d/>
+    <dgm:txPr/>
+    <dgm:style>
+      <a:lnRef idx="2">
+        <a:scrgbClr r="0" g="0" b="0"/>
+      </a:lnRef>
+      <a:fillRef idx="1">
+        <a:scrgbClr r="0" g="0" b="0"/>
+      </a:fillRef>
+      <a:effectRef idx="0">
+        <a:scrgbClr r="0" g="0" b="0"/>
+      </a:effectRef>
+      <a:fontRef idx="minor"/>
+    </dgm:style>
+  </dgm:styleLbl>
+  <dgm:styleLbl name="conFgAcc1">
+    <dgm:scene3d>
+      <a:camera prst="orthographicFront"/>
+      <a:lightRig rig="threePt" dir="t"/>
+    </dgm:scene3d>
+    <dgm:sp3d/>
+    <dgm:txPr/>
+    <dgm:style>
+      <a:lnRef idx="2">
+        <a:scrgbClr r="0" g="0" b="0"/>
+      </a:lnRef>
+      <a:fillRef idx="1">
+        <a:scrgbClr r="0" g="0" b="0"/>
+      </a:fillRef>
+      <a:effectRef idx="0">
+        <a:scrgbClr r="0" g="0" b="0"/>
+      </a:effectRef>
+      <a:fontRef idx="minor"/>
+    </dgm:style>
+  </dgm:styleLbl>
+  <dgm:styleLbl name="alignAcc1">
+    <dgm:scene3d>
+      <a:camera prst="orthographicFront"/>
+      <a:lightRig rig="threePt" dir="t"/>
+    </dgm:scene3d>
+    <dgm:sp3d/>
+    <dgm:txPr/>
+    <dgm:style>
+      <a:lnRef idx="2">
+        <a:scrgbClr r="0" g="0" b="0"/>
+      </a:lnRef>
+      <a:fillRef idx="1">
+        <a:scrgbClr r="0" g="0" b="0"/>
+      </a:fillRef>
+      <a:effectRef idx="0">
+        <a:scrgbClr r="0" g="0" b="0"/>
+      </a:effectRef>
+      <a:fontRef idx="minor"/>
+    </dgm:style>
+  </dgm:styleLbl>
+  <dgm:styleLbl name="trAlignAcc1">
+    <dgm:scene3d>
+      <a:camera prst="orthographicFront"/>
+      <a:lightRig rig="threePt" dir="t"/>
+    </dgm:scene3d>
+    <dgm:sp3d/>
+    <dgm:txPr/>
+    <dgm:style>
+      <a:lnRef idx="1">
+        <a:scrgbClr r="0" g="0" b="0"/>
+      </a:lnRef>
+      <a:fillRef idx="1">
+        <a:scrgbClr r="0" g="0" b="0"/>
+      </a:fillRef>
+      <a:effectRef idx="0">
+        <a:scrgbClr r="0" g="0" b="0"/>
+      </a:effectRef>
+      <a:fontRef idx="minor"/>
+    </dgm:style>
+  </dgm:styleLbl>
+  <dgm:styleLbl name="bgAcc1">
+    <dgm:scene3d>
+      <a:camera prst="orthographicFront"/>
+      <a:lightRig rig="threePt" dir="t"/>
+    </dgm:scene3d>
+    <dgm:sp3d/>
+    <dgm:txPr/>
+    <dgm:style>
+      <a:lnRef idx="2">
+        <a:scrgbClr r="0" g="0" b="0"/>
+      </a:lnRef>
+      <a:fillRef idx="1">
+        <a:scrgbClr r="0" g="0" b="0"/>
+      </a:fillRef>
+      <a:effectRef idx="0">
+        <a:scrgbClr r="0" g="0" b="0"/>
+      </a:effectRef>
+      <a:fontRef idx="minor"/>
+    </dgm:style>
+  </dgm:styleLbl>
+  <dgm:styleLbl name="solidFgAcc1">
+    <dgm:scene3d>
+      <a:camera prst="orthographicFront"/>
+      <a:lightRig rig="threePt" dir="t"/>
+    </dgm:scene3d>
+    <dgm:sp3d/>
+    <dgm:txPr/>
+    <dgm:style>
+      <a:lnRef idx="2">
+        <a:scrgbClr r="0" g="0" b="0"/>
+      </a:lnRef>
+      <a:fillRef idx="1">
+        <a:scrgbClr r="0" g="0" b="0"/>
+      </a:fillRef>
+      <a:effectRef idx="0">
+        <a:scrgbClr r="0" g="0" b="0"/>
+      </a:effectRef>
+      <a:fontRef idx="minor"/>
+    </dgm:style>
+  </dgm:styleLbl>
+  <dgm:styleLbl name="solidAlignAcc1">
+    <dgm:scene3d>
+      <a:camera prst="orthographicFront"/>
+      <a:lightRig rig="threePt" dir="t"/>
+    </dgm:scene3d>
+    <dgm:sp3d/>
+    <dgm:txPr/>
+    <dgm:style>
+      <a:lnRef idx="2">
+        <a:scrgbClr r="0" g="0" b="0"/>
+      </a:lnRef>
+      <a:fillRef idx="1">
+        <a:scrgbClr r="0" g="0" b="0"/>
+      </a:fillRef>
+      <a:effectRef idx="0">
+        <a:scrgbClr r="0" g="0" b="0"/>
+      </a:effectRef>
+      <a:fontRef idx="minor"/>
+    </dgm:style>
+  </dgm:styleLbl>
+  <dgm:styleLbl name="solidBgAcc1">
+    <dgm:scene3d>
+      <a:camera prst="orthographicFront"/>
+      <a:lightRig rig="threePt" dir="t"/>
+    </dgm:scene3d>
+    <dgm:sp3d/>
+    <dgm:txPr/>
+    <dgm:style>
+      <a:lnRef idx="2">
+        <a:scrgbClr r="0" g="0" b="0"/>
+      </a:lnRef>
+      <a:fillRef idx="1">
+        <a:scrgbClr r="0" g="0" b="0"/>
+      </a:fillRef>
+      <a:effectRef idx="0">
+        <a:scrgbClr r="0" g="0" b="0"/>
+      </a:effectRef>
+      <a:fontRef idx="minor"/>
+    </dgm:style>
+  </dgm:styleLbl>
+  <dgm:styleLbl name="fgAccFollowNode1">
+    <dgm:scene3d>
+      <a:camera prst="orthographicFront"/>
+      <a:lightRig rig="threePt" dir="t"/>
+    </dgm:scene3d>
+    <dgm:sp3d/>
+    <dgm:txPr/>
+    <dgm:style>
+      <a:lnRef idx="2">
+        <a:scrgbClr r="0" g="0" b="0"/>
+      </a:lnRef>
+      <a:fillRef idx="1">
+        <a:scrgbClr r="0" g="0" b="0"/>
+      </a:fillRef>
+      <a:effectRef idx="0">
+        <a:scrgbClr r="0" g="0" b="0"/>
+      </a:effectRef>
+      <a:fontRef idx="minor"/>
+    </dgm:style>
+  </dgm:styleLbl>
+  <dgm:styleLbl name="alignAccFollowNode1">
+    <dgm:scene3d>
+      <a:camera prst="orthographicFront"/>
+      <a:lightRig rig="threePt" dir="t"/>
+    </dgm:scene3d>
+    <dgm:sp3d/>
+    <dgm:txPr/>
+    <dgm:style>
+      <a:lnRef idx="2">
+        <a:scrgbClr r="0" g="0" b="0"/>
+      </a:lnRef>
+      <a:fillRef idx="1">
+        <a:scrgbClr r="0" g="0" b="0"/>
+      </a:fillRef>
+      <a:effectRef idx="0">
+        <a:scrgbClr r="0" g="0" b="0"/>
+      </a:effectRef>
+      <a:fontRef idx="minor"/>
+    </dgm:style>
+  </dgm:styleLbl>
+  <dgm:styleLbl name="bgAccFollowNode1">
+    <dgm:scene3d>
+      <a:camera prst="orthographicFront"/>
+      <a:lightRig rig="threePt" dir="t"/>
+    </dgm:scene3d>
+    <dgm:sp3d/>
+    <dgm:txPr/>
+    <dgm:style>
+      <a:lnRef idx="2">
+        <a:scrgbClr r="0" g="0" b="0"/>
+      </a:lnRef>
+      <a:fillRef idx="1">
+        <a:scrgbClr r="0" g="0" b="0"/>
+      </a:fillRef>
+      <a:effectRef idx="0">
+        <a:scrgbClr r="0" g="0" b="0"/>
+      </a:effectRef>
+      <a:fontRef idx="minor"/>
+    </dgm:style>
+  </dgm:styleLbl>
+  <dgm:styleLbl name="fgAcc0">
+    <dgm:scene3d>
+      <a:camera prst="orthographicFront"/>
+      <a:lightRig rig="threePt" dir="t"/>
+    </dgm:scene3d>
+    <dgm:sp3d/>
+    <dgm:txPr/>
+    <dgm:style>
+      <a:lnRef idx="2">
+        <a:scrgbClr r="0" g="0" b="0"/>
+      </a:lnRef>
+      <a:fillRef idx="1">
+        <a:scrgbClr r="0" g="0" b="0"/>
+      </a:fillRef>
+      <a:effectRef idx="0">
+        <a:scrgbClr r="0" g="0" b="0"/>
+      </a:effectRef>
+      <a:fontRef idx="minor"/>
+    </dgm:style>
+  </dgm:styleLbl>
+  <dgm:styleLbl name="fgAcc2">
+    <dgm:scene3d>
+      <a:camera prst="orthographicFront"/>
+      <a:lightRig rig="threePt" dir="t"/>
+    </dgm:scene3d>
+    <dgm:sp3d/>
+    <dgm:txPr/>
+    <dgm:style>
+      <a:lnRef idx="2">
+        <a:scrgbClr r="0" g="0" b="0"/>
+      </a:lnRef>
+      <a:fillRef idx="1">
+        <a:scrgbClr r="0" g="0" b="0"/>
+      </a:fillRef>
+      <a:effectRef idx="0">
+        <a:scrgbClr r="0" g="0" b="0"/>
+      </a:effectRef>
+      <a:fontRef idx="minor"/>
+    </dgm:style>
+  </dgm:styleLbl>
+  <dgm:styleLbl name="fgAcc3">
+    <dgm:scene3d>
+      <a:camera prst="orthographicFront"/>
+      <a:lightRig rig="threePt" dir="t"/>
+    </dgm:scene3d>
+    <dgm:sp3d/>
+    <dgm:txPr/>
+    <dgm:style>
+      <a:lnRef idx="2">
+        <a:scrgbClr r="0" g="0" b="0"/>
+      </a:lnRef>
+      <a:fillRef idx="1">
+        <a:scrgbClr r="0" g="0" b="0"/>
+      </a:fillRef>
+      <a:effectRef idx="0">
+        <a:scrgbClr r="0" g="0" b="0"/>
+      </a:effectRef>
+      <a:fontRef idx="minor"/>
+    </dgm:style>
+  </dgm:styleLbl>
+  <dgm:styleLbl name="fgAcc4">
+    <dgm:scene3d>
+      <a:camera prst="orthographicFront"/>
+      <a:lightRig rig="threePt" dir="t"/>
+    </dgm:scene3d>
+    <dgm:sp3d/>
+    <dgm:txPr/>
+    <dgm:style>
+      <a:lnRef idx="2">
+        <a:scrgbClr r="0" g="0" b="0"/>
+      </a:lnRef>
+      <a:fillRef idx="1">
+        <a:scrgbClr r="0" g="0" b="0"/>
+      </a:fillRef>
+      <a:effectRef idx="0">
+        <a:scrgbClr r="0" g="0" b="0"/>
+      </a:effectRef>
+      <a:fontRef idx="minor"/>
+    </dgm:style>
+  </dgm:styleLbl>
+  <dgm:styleLbl name="bgShp">
+    <dgm:scene3d>
+      <a:camera prst="orthographicFront"/>
+      <a:lightRig rig="threePt" dir="t"/>
+    </dgm:scene3d>
+    <dgm:sp3d/>
+    <dgm:txPr/>
+    <dgm:style>
+      <a:lnRef idx="0">
+        <a:scrgbClr r="0" g="0" b="0"/>
+      </a:lnRef>
+      <a:fillRef idx="1">
+        <a:scrgbClr r="0" g="0" b="0"/>
+      </a:fillRef>
+      <a:effectRef idx="0">
+        <a:scrgbClr r="0" g="0" b="0"/>
+      </a:effectRef>
+      <a:fontRef idx="minor"/>
+    </dgm:style>
+  </dgm:styleLbl>
+  <dgm:styleLbl name="dkBgShp">
+    <dgm:scene3d>
+      <a:camera prst="orthographicFront"/>
+      <a:lightRig rig="threePt" dir="t"/>
+    </dgm:scene3d>
+    <dgm:sp3d/>
+    <dgm:txPr/>
+    <dgm:style>
+      <a:lnRef idx="0">
+        <a:scrgbClr r="0" g="0" b="0"/>
+      </a:lnRef>
+      <a:fillRef idx="1">
+        <a:scrgbClr r="0" g="0" b="0"/>
+      </a:fillRef>
+      <a:effectRef idx="0">
+        <a:scrgbClr r="0" g="0" b="0"/>
+      </a:effectRef>
+      <a:fontRef idx="minor"/>
+    </dgm:style>
+  </dgm:styleLbl>
+  <dgm:styleLbl name="trBgShp">
+    <dgm:scene3d>
+      <a:camera prst="orthographicFront"/>
+      <a:lightRig rig="threePt" dir="t"/>
+    </dgm:scene3d>
+    <dgm:sp3d/>
+    <dgm:txPr/>
+    <dgm:style>
+      <a:lnRef idx="0">
+        <a:scrgbClr r="0" g="0" b="0"/>
+      </a:lnRef>
+      <a:fillRef idx="1">
+        <a:scrgbClr r="0" g="0" b="0"/>
+      </a:fillRef>
+      <a:effectRef idx="0">
+        <a:scrgbClr r="0" g="0" b="0"/>
+      </a:effectRef>
+      <a:fontRef idx="minor"/>
+    </dgm:style>
+  </dgm:styleLbl>
+  <dgm:styleLbl name="fgShp">
+    <dgm:scene3d>
+      <a:camera prst="orthographicFront"/>
+      <a:lightRig rig="threePt" dir="t"/>
+    </dgm:scene3d>
+    <dgm:sp3d/>
+    <dgm:txPr/>
+    <dgm:style>
+      <a:lnRef idx="2">
+        <a:scrgbClr r="0" g="0" b="0"/>
+      </a:lnRef>
+      <a:fillRef idx="1">
+        <a:scrgbClr r="0" g="0" b="0"/>
+      </a:fillRef>
+      <a:effectRef idx="0">
+        <a:scrgbClr r="0" g="0" b="0"/>
+      </a:effectRef>
+      <a:fontRef idx="minor"/>
+    </dgm:style>
+  </dgm:styleLbl>
+  <dgm:styleLbl name="revTx">
+    <dgm:scene3d>
+      <a:camera prst="orthographicFront"/>
+      <a:lightRig rig="threePt" dir="t"/>
+    </dgm:scene3d>
+    <dgm:sp3d/>
+    <dgm:txPr/>
+    <dgm:style>
+      <a:lnRef idx="0">
+        <a:scrgbClr r="0" g="0" b="0"/>
+      </a:lnRef>
+      <a:fillRef idx="0">
+        <a:scrgbClr r="0" g="0" b="0"/>
+      </a:fillRef>
+      <a:effectRef idx="0">
+        <a:scrgbClr r="0" g="0" b="0"/>
+      </a:effectRef>
+      <a:fontRef idx="minor"/>
+    </dgm:style>
+  </dgm:styleLbl>
+</dgm:styleDef>
+</file>
+
 <file path=ppt/notesMasters/notesMaster1.xml><?xml version="1.0" encoding="utf-8"?>
 <p:notesMaster xmlns:a="http://schemas.openxmlformats.org/drawingml/2006/main" xmlns:r="http://schemas.openxmlformats.org/officeDocument/2006/relationships" xmlns:p="http://schemas.openxmlformats.org/presentationml/2006/main">
   <p:cSld>
@@ -199,7 +5660,7 @@
           <a:p>
             <a:fld id="{BF1E4C38-38C3-4C47-B9B7-EF45359A68DE}" type="datetimeFigureOut">
               <a:rPr lang="fr-FR" smtClean="0"/>
-              <a:t>11/02/2020</a:t>
+              <a:t>26/02/2020</a:t>
             </a:fld>
             <a:endParaRPr lang="fr-FR"/>
           </a:p>
@@ -541,6 +6002,90 @@
     <p:extLst>
       <p:ext uri="{BB962C8B-B14F-4D97-AF65-F5344CB8AC3E}">
         <p14:creationId xmlns:p14="http://schemas.microsoft.com/office/powerpoint/2010/main" val="2483412090"/>
+      </p:ext>
+    </p:extLst>
+  </p:cSld>
+  <p:clrMapOvr>
+    <a:masterClrMapping/>
+  </p:clrMapOvr>
+</p:notes>
+</file>
+
+<file path=ppt/notesSlides/notesSlide2.xml><?xml version="1.0" encoding="utf-8"?>
+<p:notes xmlns:a="http://schemas.openxmlformats.org/drawingml/2006/main" xmlns:r="http://schemas.openxmlformats.org/officeDocument/2006/relationships" xmlns:p="http://schemas.openxmlformats.org/presentationml/2006/main">
+  <p:cSld>
+    <p:spTree>
+      <p:nvGrpSpPr>
+        <p:cNvPr id="1" name=""/>
+        <p:cNvGrpSpPr/>
+        <p:nvPr/>
+      </p:nvGrpSpPr>
+      <p:grpSpPr>
+        <a:xfrm>
+          <a:off x="0" y="0"/>
+          <a:ext cx="0" cy="0"/>
+          <a:chOff x="0" y="0"/>
+          <a:chExt cx="0" cy="0"/>
+        </a:xfrm>
+      </p:grpSpPr>
+      <p:sp>
+        <p:nvSpPr>
+          <p:cNvPr id="2" name="Espace réservé de l'image des diapositives 1"/>
+          <p:cNvSpPr>
+            <a:spLocks noGrp="1" noRot="1" noChangeAspect="1"/>
+          </p:cNvSpPr>
+          <p:nvPr>
+            <p:ph type="sldImg"/>
+          </p:nvPr>
+        </p:nvSpPr>
+        <p:spPr/>
+      </p:sp>
+      <p:sp>
+        <p:nvSpPr>
+          <p:cNvPr id="3" name="Espace réservé des notes 2"/>
+          <p:cNvSpPr>
+            <a:spLocks noGrp="1"/>
+          </p:cNvSpPr>
+          <p:nvPr>
+            <p:ph type="body" idx="1"/>
+          </p:nvPr>
+        </p:nvSpPr>
+        <p:spPr/>
+        <p:txBody>
+          <a:bodyPr/>
+          <a:lstStyle/>
+          <a:p>
+            <a:endParaRPr lang="fr-FR" dirty="0"/>
+          </a:p>
+        </p:txBody>
+      </p:sp>
+      <p:sp>
+        <p:nvSpPr>
+          <p:cNvPr id="4" name="Espace réservé du numéro de diapositive 3"/>
+          <p:cNvSpPr>
+            <a:spLocks noGrp="1"/>
+          </p:cNvSpPr>
+          <p:nvPr>
+            <p:ph type="sldNum" sz="quarter" idx="5"/>
+          </p:nvPr>
+        </p:nvSpPr>
+        <p:spPr/>
+        <p:txBody>
+          <a:bodyPr/>
+          <a:lstStyle/>
+          <a:p>
+            <a:fld id="{4C7EF9AC-3BAF-43D8-A225-8BB59E7B2206}" type="slidenum">
+              <a:rPr lang="fr-FR" smtClean="0"/>
+              <a:t>4</a:t>
+            </a:fld>
+            <a:endParaRPr lang="fr-FR"/>
+          </a:p>
+        </p:txBody>
+      </p:sp>
+    </p:spTree>
+    <p:extLst>
+      <p:ext uri="{BB962C8B-B14F-4D97-AF65-F5344CB8AC3E}">
+        <p14:creationId xmlns:p14="http://schemas.microsoft.com/office/powerpoint/2010/main" val="3693202485"/>
       </p:ext>
     </p:extLst>
   </p:cSld>
@@ -1285,7 +6830,7 @@
           <a:p>
             <a:fld id="{638941B0-F4D5-4460-BCAD-F7E2B41A8257}" type="datetimeFigureOut">
               <a:rPr lang="de-DE" smtClean="0"/>
-              <a:t>11.02.2020</a:t>
+              <a:t>26.02.2020</a:t>
             </a:fld>
             <a:endParaRPr lang="de-DE"/>
           </a:p>
@@ -2344,7 +7889,7 @@
                 </a:solidFill>
                 <a:latin typeface="Calibri"/>
               </a:rPr>
-              <a:t>11/02/2020</a:t>
+              <a:t>26/02/2020</a:t>
             </a:fld>
             <a:endParaRPr lang="fr-FR" sz="1200" b="0" strike="noStrike" spc="-1">
               <a:latin typeface="Times New Roman"/>
@@ -4228,7 +9773,7 @@
         </p:nvSpPr>
         <p:spPr>
           <a:xfrm>
-            <a:off x="71918" y="1362463"/>
+            <a:off x="80303" y="1404505"/>
             <a:ext cx="7789701" cy="3472746"/>
           </a:xfrm>
           <a:prstGeom prst="rect">
@@ -5048,6 +10593,262 @@
         </p:blipFill>
         <p:spPr>
           <a:xfrm>
+            <a:off x="0" y="-559325"/>
+            <a:ext cx="12189960" cy="7338497"/>
+          </a:xfrm>
+          <a:prstGeom prst="rect">
+            <a:avLst/>
+          </a:prstGeom>
+          <a:ln>
+            <a:noFill/>
+          </a:ln>
+        </p:spPr>
+      </p:pic>
+      <p:sp>
+        <p:nvSpPr>
+          <p:cNvPr id="54" name="CustomShape 1"/>
+          <p:cNvSpPr/>
+          <p:nvPr/>
+        </p:nvSpPr>
+        <p:spPr>
+          <a:xfrm>
+            <a:off x="80280" y="209880"/>
+            <a:ext cx="6515280" cy="516960"/>
+          </a:xfrm>
+          <a:prstGeom prst="rect">
+            <a:avLst/>
+          </a:prstGeom>
+          <a:noFill/>
+          <a:ln>
+            <a:noFill/>
+          </a:ln>
+        </p:spPr>
+        <p:style>
+          <a:lnRef idx="0">
+            <a:scrgbClr r="0" g="0" b="0"/>
+          </a:lnRef>
+          <a:fillRef idx="0">
+            <a:scrgbClr r="0" g="0" b="0"/>
+          </a:fillRef>
+          <a:effectRef idx="0">
+            <a:scrgbClr r="0" g="0" b="0"/>
+          </a:effectRef>
+          <a:fontRef idx="minor"/>
+        </p:style>
+        <p:txBody>
+          <a:bodyPr lIns="90000" tIns="45000" rIns="90000" bIns="45000"/>
+          <a:lstStyle/>
+          <a:p>
+            <a:pPr>
+              <a:lnSpc>
+                <a:spcPct val="100000"/>
+              </a:lnSpc>
+            </a:pPr>
+            <a:r>
+              <a:rPr lang="fr-FR" sz="2800" b="1" strike="noStrike" spc="-1" dirty="0">
+                <a:solidFill>
+                  <a:srgbClr val="FFFFFF"/>
+                </a:solidFill>
+                <a:latin typeface="Calibri"/>
+              </a:rPr>
+              <a:t>2) </a:t>
+            </a:r>
+            <a:r>
+              <a:rPr lang="fr-FR" sz="2800" b="1" spc="-1" dirty="0">
+                <a:solidFill>
+                  <a:srgbClr val="FFFFFF"/>
+                </a:solidFill>
+                <a:latin typeface="Calibri"/>
+              </a:rPr>
+              <a:t>Budget prévisionnel du projet</a:t>
+            </a:r>
+            <a:endParaRPr lang="fr-FR" sz="2800" b="0" strike="noStrike" spc="-1" dirty="0">
+              <a:latin typeface="Arial"/>
+            </a:endParaRPr>
+          </a:p>
+        </p:txBody>
+      </p:sp>
+      <p:grpSp>
+        <p:nvGrpSpPr>
+          <p:cNvPr id="65" name="Group 12"/>
+          <p:cNvGrpSpPr/>
+          <p:nvPr/>
+        </p:nvGrpSpPr>
+        <p:grpSpPr>
+          <a:xfrm>
+            <a:off x="0" y="0"/>
+            <a:ext cx="36000" cy="36000"/>
+            <a:chOff x="0" y="0"/>
+            <a:chExt cx="36000" cy="36000"/>
+          </a:xfrm>
+        </p:grpSpPr>
+      </p:grpSp>
+      <p:graphicFrame>
+        <p:nvGraphicFramePr>
+          <p:cNvPr id="2" name="Diagramme 1">
+            <a:extLst>
+              <a:ext uri="{FF2B5EF4-FFF2-40B4-BE49-F238E27FC236}">
+                <a16:creationId xmlns:a16="http://schemas.microsoft.com/office/drawing/2014/main" id="{8E1A67CE-7D60-4E35-B2D8-41628E3C273F}"/>
+              </a:ext>
+            </a:extLst>
+          </p:cNvPr>
+          <p:cNvGraphicFramePr/>
+          <p:nvPr>
+            <p:extLst>
+              <p:ext uri="{D42A27DB-BD31-4B8C-83A1-F6EECF244321}">
+                <p14:modId xmlns:p14="http://schemas.microsoft.com/office/powerpoint/2010/main" val="1394651122"/>
+              </p:ext>
+            </p:extLst>
+          </p:nvPr>
+        </p:nvGraphicFramePr>
+        <p:xfrm>
+          <a:off x="392385" y="1229453"/>
+          <a:ext cx="11105931" cy="5418667"/>
+        </p:xfrm>
+        <a:graphic>
+          <a:graphicData uri="http://schemas.openxmlformats.org/drawingml/2006/diagram">
+            <dgm:relIds xmlns:dgm="http://schemas.openxmlformats.org/drawingml/2006/diagram" xmlns:r="http://schemas.openxmlformats.org/officeDocument/2006/relationships" r:dm="rId4" r:lo="rId5" r:qs="rId6" r:cs="rId7"/>
+          </a:graphicData>
+        </a:graphic>
+      </p:graphicFrame>
+      <p:sp>
+        <p:nvSpPr>
+          <p:cNvPr id="3" name="ZoneTexte 2">
+            <a:extLst>
+              <a:ext uri="{FF2B5EF4-FFF2-40B4-BE49-F238E27FC236}">
+                <a16:creationId xmlns:a16="http://schemas.microsoft.com/office/drawing/2014/main" id="{BF756F6F-49F7-4C85-9FAA-22CF756F0B6D}"/>
+              </a:ext>
+            </a:extLst>
+          </p:cNvPr>
+          <p:cNvSpPr txBox="1"/>
+          <p:nvPr/>
+        </p:nvSpPr>
+        <p:spPr>
+          <a:xfrm>
+            <a:off x="7199586" y="1303283"/>
+            <a:ext cx="4874538" cy="923330"/>
+          </a:xfrm>
+          <a:prstGeom prst="rect">
+            <a:avLst/>
+          </a:prstGeom>
+          <a:noFill/>
+        </p:spPr>
+        <p:txBody>
+          <a:bodyPr wrap="square" rtlCol="0">
+            <a:spAutoFit/>
+          </a:bodyPr>
+          <a:lstStyle/>
+          <a:p>
+            <a:pPr marL="285750" indent="-285750">
+              <a:buFont typeface="Wingdings" panose="05000000000000000000" pitchFamily="2" charset="2"/>
+              <a:buChar char="q"/>
+            </a:pPr>
+            <a:r>
+              <a:rPr lang="fr-FR" dirty="0"/>
+              <a:t>1 chef de projet informatique à </a:t>
+            </a:r>
+            <a:r>
+              <a:rPr lang="fr-FR" b="1" dirty="0"/>
+              <a:t>80€/h</a:t>
+            </a:r>
+          </a:p>
+          <a:p>
+            <a:pPr marL="285750" indent="-285750">
+              <a:buFont typeface="Wingdings" panose="05000000000000000000" pitchFamily="2" charset="2"/>
+              <a:buChar char="q"/>
+            </a:pPr>
+            <a:r>
+              <a:rPr lang="fr-FR" dirty="0"/>
+              <a:t>1 responsable technique à </a:t>
+            </a:r>
+            <a:r>
+              <a:rPr lang="fr-FR" b="1" dirty="0"/>
+              <a:t>70€/h</a:t>
+            </a:r>
+          </a:p>
+          <a:p>
+            <a:pPr marL="285750" indent="-285750">
+              <a:buFont typeface="Wingdings" panose="05000000000000000000" pitchFamily="2" charset="2"/>
+              <a:buChar char="q"/>
+            </a:pPr>
+            <a:r>
+              <a:rPr lang="fr-FR" dirty="0"/>
+              <a:t>3 responsables ingénierie logiciel à </a:t>
+            </a:r>
+            <a:r>
+              <a:rPr lang="fr-FR" b="1" dirty="0"/>
+              <a:t>60€/h</a:t>
+            </a:r>
+          </a:p>
+        </p:txBody>
+      </p:sp>
+    </p:spTree>
+  </p:cSld>
+  <p:clrMapOvr>
+    <a:masterClrMapping/>
+  </p:clrMapOvr>
+  <p:transition spd="slow">
+    <p:push dir="u"/>
+  </p:transition>
+  <p:timing>
+    <p:tnLst>
+      <p:par>
+        <p:cTn id="1" dur="indefinite" restart="never" nodeType="tmRoot">
+          <p:childTnLst>
+            <p:seq>
+              <p:cTn id="2" dur="indefinite" nodeType="mainSeq"/>
+              <p:prevCondLst>
+                <p:cond evt="onPrev" delay="0">
+                  <p:tgtEl>
+                    <p:sldTgt/>
+                  </p:tgtEl>
+                </p:cond>
+              </p:prevCondLst>
+              <p:nextCondLst>
+                <p:cond evt="onNext" delay="0">
+                  <p:tgtEl>
+                    <p:sldTgt/>
+                  </p:tgtEl>
+                </p:cond>
+              </p:nextCondLst>
+            </p:seq>
+          </p:childTnLst>
+        </p:cTn>
+      </p:par>
+    </p:tnLst>
+  </p:timing>
+</p:sld>
+</file>
+
+<file path=ppt/slides/slide4.xml><?xml version="1.0" encoding="utf-8"?>
+<p:sld xmlns:a="http://schemas.openxmlformats.org/drawingml/2006/main" xmlns:r="http://schemas.openxmlformats.org/officeDocument/2006/relationships" xmlns:p="http://schemas.openxmlformats.org/presentationml/2006/main">
+  <p:cSld>
+    <p:spTree>
+      <p:nvGrpSpPr>
+        <p:cNvPr id="1" name=""/>
+        <p:cNvGrpSpPr/>
+        <p:nvPr/>
+      </p:nvGrpSpPr>
+      <p:grpSpPr>
+        <a:xfrm>
+          <a:off x="0" y="0"/>
+          <a:ext cx="0" cy="0"/>
+          <a:chOff x="0" y="0"/>
+          <a:chExt cx="0" cy="0"/>
+        </a:xfrm>
+      </p:grpSpPr>
+      <p:pic>
+        <p:nvPicPr>
+          <p:cNvPr id="53" name="Picture 2"/>
+          <p:cNvPicPr/>
+          <p:nvPr/>
+        </p:nvPicPr>
+        <p:blipFill>
+          <a:blip r:embed="rId3"/>
+          <a:stretch/>
+        </p:blipFill>
+        <p:spPr>
+          <a:xfrm>
             <a:off x="1020" y="-559325"/>
             <a:ext cx="12189960" cy="7551360"/>
           </a:xfrm>
@@ -5100,22 +10901,22 @@
               </a:lnSpc>
             </a:pPr>
             <a:r>
+              <a:rPr lang="fr-FR" sz="2800" b="1" strike="noStrike" spc="-1" dirty="0">
+                <a:solidFill>
+                  <a:srgbClr val="FFFFFF"/>
+                </a:solidFill>
+                <a:latin typeface="Calibri"/>
+              </a:rPr>
+              <a:t>2) </a:t>
+            </a:r>
+            <a:r>
               <a:rPr lang="fr-FR" sz="2800" b="1" spc="-1" dirty="0">
                 <a:solidFill>
                   <a:srgbClr val="FFFFFF"/>
                 </a:solidFill>
                 <a:latin typeface="Calibri"/>
               </a:rPr>
-              <a:t>x</a:t>
-            </a:r>
-            <a:r>
-              <a:rPr lang="fr-FR" sz="2800" b="1" strike="noStrike" spc="-1" dirty="0">
-                <a:solidFill>
-                  <a:srgbClr val="FFFFFF"/>
-                </a:solidFill>
-                <a:latin typeface="Calibri"/>
-              </a:rPr>
-              <a:t>) Mon titre</a:t>
+              <a:t>Budget prévisionnel du projet</a:t>
             </a:r>
             <a:endParaRPr lang="fr-FR" sz="2800" b="0" strike="noStrike" spc="-1" dirty="0">
               <a:latin typeface="Arial"/>
@@ -5138,7 +10939,111 @@
           </a:xfrm>
         </p:grpSpPr>
       </p:grpSp>
+      <p:graphicFrame>
+        <p:nvGraphicFramePr>
+          <p:cNvPr id="7" name="Graphique 6">
+            <a:extLst>
+              <a:ext uri="{FF2B5EF4-FFF2-40B4-BE49-F238E27FC236}">
+                <a16:creationId xmlns:a16="http://schemas.microsoft.com/office/drawing/2014/main" id="{7FDFE86B-07EE-439D-B4CF-DD7F67688F3F}"/>
+              </a:ext>
+            </a:extLst>
+          </p:cNvPr>
+          <p:cNvGraphicFramePr/>
+          <p:nvPr>
+            <p:extLst>
+              <p:ext uri="{D42A27DB-BD31-4B8C-83A1-F6EECF244321}">
+                <p14:modId xmlns:p14="http://schemas.microsoft.com/office/powerpoint/2010/main" val="3345155881"/>
+              </p:ext>
+            </p:extLst>
+          </p:nvPr>
+        </p:nvGraphicFramePr>
+        <p:xfrm>
+          <a:off x="168166" y="1496045"/>
+          <a:ext cx="5454868" cy="4540726"/>
+        </p:xfrm>
+        <a:graphic>
+          <a:graphicData uri="http://schemas.openxmlformats.org/drawingml/2006/chart">
+            <c:chart xmlns:c="http://schemas.openxmlformats.org/drawingml/2006/chart" xmlns:r="http://schemas.openxmlformats.org/officeDocument/2006/relationships" r:id="rId4"/>
+          </a:graphicData>
+        </a:graphic>
+      </p:graphicFrame>
+      <p:graphicFrame>
+        <p:nvGraphicFramePr>
+          <p:cNvPr id="11" name="Graphique 10">
+            <a:extLst>
+              <a:ext uri="{FF2B5EF4-FFF2-40B4-BE49-F238E27FC236}">
+                <a16:creationId xmlns:a16="http://schemas.microsoft.com/office/drawing/2014/main" id="{4F73DC11-0E70-4B3C-9F31-6577ED7E3286}"/>
+              </a:ext>
+            </a:extLst>
+          </p:cNvPr>
+          <p:cNvGraphicFramePr>
+            <a:graphicFrameLocks/>
+          </p:cNvGraphicFramePr>
+          <p:nvPr>
+            <p:extLst>
+              <p:ext uri="{D42A27DB-BD31-4B8C-83A1-F6EECF244321}">
+                <p14:modId xmlns:p14="http://schemas.microsoft.com/office/powerpoint/2010/main" val="1478026230"/>
+              </p:ext>
+            </p:extLst>
+          </p:nvPr>
+        </p:nvGraphicFramePr>
+        <p:xfrm>
+          <a:off x="5948855" y="1512570"/>
+          <a:ext cx="6303332" cy="3816175"/>
+        </p:xfrm>
+        <a:graphic>
+          <a:graphicData uri="http://schemas.openxmlformats.org/drawingml/2006/chart">
+            <c:chart xmlns:c="http://schemas.openxmlformats.org/drawingml/2006/chart" xmlns:r="http://schemas.openxmlformats.org/officeDocument/2006/relationships" r:id="rId5"/>
+          </a:graphicData>
+        </a:graphic>
+      </p:graphicFrame>
+      <p:sp>
+        <p:nvSpPr>
+          <p:cNvPr id="8" name="ZoneTexte 7">
+            <a:extLst>
+              <a:ext uri="{FF2B5EF4-FFF2-40B4-BE49-F238E27FC236}">
+                <a16:creationId xmlns:a16="http://schemas.microsoft.com/office/drawing/2014/main" id="{21740648-E2CF-4F8B-8E30-6100264407B9}"/>
+              </a:ext>
+            </a:extLst>
+          </p:cNvPr>
+          <p:cNvSpPr txBox="1"/>
+          <p:nvPr/>
+        </p:nvSpPr>
+        <p:spPr>
+          <a:xfrm>
+            <a:off x="8019393" y="5528441"/>
+            <a:ext cx="3584028" cy="584775"/>
+          </a:xfrm>
+          <a:prstGeom prst="rect">
+            <a:avLst/>
+          </a:prstGeom>
+          <a:noFill/>
+        </p:spPr>
+        <p:txBody>
+          <a:bodyPr wrap="square" rtlCol="0">
+            <a:spAutoFit/>
+          </a:bodyPr>
+          <a:lstStyle/>
+          <a:p>
+            <a:r>
+              <a:rPr lang="fr-FR" sz="1600" dirty="0"/>
+              <a:t>BB : développement =&gt; 23100 €</a:t>
+            </a:r>
+          </a:p>
+          <a:p>
+            <a:r>
+              <a:rPr lang="fr-FR" sz="1600" dirty="0"/>
+              <a:t>DD : Scénarios de test =&gt; 16500 €</a:t>
+            </a:r>
+          </a:p>
+        </p:txBody>
+      </p:sp>
     </p:spTree>
+    <p:extLst>
+      <p:ext uri="{BB962C8B-B14F-4D97-AF65-F5344CB8AC3E}">
+        <p14:creationId xmlns:p14="http://schemas.microsoft.com/office/powerpoint/2010/main" val="694894782"/>
+      </p:ext>
+    </p:extLst>
   </p:cSld>
   <p:clrMapOvr>
     <a:masterClrMapping/>

--- a/Livrable3/ppt-livrable3.pptx
+++ b/Livrable3/ppt-livrable3.pptx
@@ -5,13 +5,14 @@
     <p:sldMasterId id="2147483648" r:id="rId1"/>
   </p:sldMasterIdLst>
   <p:notesMasterIdLst>
-    <p:notesMasterId r:id="rId6"/>
+    <p:notesMasterId r:id="rId7"/>
   </p:notesMasterIdLst>
   <p:sldIdLst>
     <p:sldId id="267" r:id="rId2"/>
     <p:sldId id="269" r:id="rId3"/>
-    <p:sldId id="258" r:id="rId4"/>
-    <p:sldId id="270" r:id="rId5"/>
+    <p:sldId id="271" r:id="rId4"/>
+    <p:sldId id="258" r:id="rId5"/>
+    <p:sldId id="270" r:id="rId6"/>
   </p:sldIdLst>
   <p:sldSz cx="12192000" cy="6858000"/>
   <p:notesSz cx="7559675" cy="10691813"/>
@@ -199,6 +200,11 @@
                 </a:outerShdw>
               </a:effectLst>
             </c:spPr>
+            <c:extLst>
+              <c:ext xmlns:c16="http://schemas.microsoft.com/office/drawing/2014/chart" uri="{C3380CC4-5D6E-409C-BE32-E72D297353CC}">
+                <c16:uniqueId val="{00000001-A4CF-4261-80F0-3D7954D2543F}"/>
+              </c:ext>
+            </c:extLst>
           </c:dPt>
           <c:dPt>
             <c:idx val="1"/>
@@ -218,6 +224,11 @@
                 </a:outerShdw>
               </a:effectLst>
             </c:spPr>
+            <c:extLst>
+              <c:ext xmlns:c16="http://schemas.microsoft.com/office/drawing/2014/chart" uri="{C3380CC4-5D6E-409C-BE32-E72D297353CC}">
+                <c16:uniqueId val="{00000003-A4CF-4261-80F0-3D7954D2543F}"/>
+              </c:ext>
+            </c:extLst>
           </c:dPt>
           <c:dPt>
             <c:idx val="2"/>
@@ -237,6 +248,11 @@
                 </a:outerShdw>
               </a:effectLst>
             </c:spPr>
+            <c:extLst>
+              <c:ext xmlns:c16="http://schemas.microsoft.com/office/drawing/2014/chart" uri="{C3380CC4-5D6E-409C-BE32-E72D297353CC}">
+                <c16:uniqueId val="{00000005-A4CF-4261-80F0-3D7954D2543F}"/>
+              </c:ext>
+            </c:extLst>
           </c:dPt>
           <c:dPt>
             <c:idx val="3"/>
@@ -256,6 +272,11 @@
                 </a:outerShdw>
               </a:effectLst>
             </c:spPr>
+            <c:extLst>
+              <c:ext xmlns:c16="http://schemas.microsoft.com/office/drawing/2014/chart" uri="{C3380CC4-5D6E-409C-BE32-E72D297353CC}">
+                <c16:uniqueId val="{00000007-A4CF-4261-80F0-3D7954D2543F}"/>
+              </c:ext>
+            </c:extLst>
           </c:dPt>
           <c:dLbls>
             <c:spPr>
@@ -5660,7 +5681,7 @@
           <a:p>
             <a:fld id="{BF1E4C38-38C3-4C47-B9B7-EF45359A68DE}" type="datetimeFigureOut">
               <a:rPr lang="fr-FR" smtClean="0"/>
-              <a:t>26/02/2020</a:t>
+              <a:t>12/03/2020</a:t>
             </a:fld>
             <a:endParaRPr lang="fr-FR"/>
           </a:p>
@@ -6001,7 +6022,7 @@
     </p:spTree>
     <p:extLst>
       <p:ext uri="{BB962C8B-B14F-4D97-AF65-F5344CB8AC3E}">
-        <p14:creationId xmlns:p14="http://schemas.microsoft.com/office/powerpoint/2010/main" val="2483412090"/>
+        <p14:creationId xmlns:p14="http://schemas.microsoft.com/office/powerpoint/2010/main" val="1485676131"/>
       </p:ext>
     </p:extLst>
   </p:cSld>
@@ -6077,6 +6098,90 @@
             <a:fld id="{4C7EF9AC-3BAF-43D8-A225-8BB59E7B2206}" type="slidenum">
               <a:rPr lang="fr-FR" smtClean="0"/>
               <a:t>4</a:t>
+            </a:fld>
+            <a:endParaRPr lang="fr-FR"/>
+          </a:p>
+        </p:txBody>
+      </p:sp>
+    </p:spTree>
+    <p:extLst>
+      <p:ext uri="{BB962C8B-B14F-4D97-AF65-F5344CB8AC3E}">
+        <p14:creationId xmlns:p14="http://schemas.microsoft.com/office/powerpoint/2010/main" val="2483412090"/>
+      </p:ext>
+    </p:extLst>
+  </p:cSld>
+  <p:clrMapOvr>
+    <a:masterClrMapping/>
+  </p:clrMapOvr>
+</p:notes>
+</file>
+
+<file path=ppt/notesSlides/notesSlide3.xml><?xml version="1.0" encoding="utf-8"?>
+<p:notes xmlns:a="http://schemas.openxmlformats.org/drawingml/2006/main" xmlns:r="http://schemas.openxmlformats.org/officeDocument/2006/relationships" xmlns:p="http://schemas.openxmlformats.org/presentationml/2006/main">
+  <p:cSld>
+    <p:spTree>
+      <p:nvGrpSpPr>
+        <p:cNvPr id="1" name=""/>
+        <p:cNvGrpSpPr/>
+        <p:nvPr/>
+      </p:nvGrpSpPr>
+      <p:grpSpPr>
+        <a:xfrm>
+          <a:off x="0" y="0"/>
+          <a:ext cx="0" cy="0"/>
+          <a:chOff x="0" y="0"/>
+          <a:chExt cx="0" cy="0"/>
+        </a:xfrm>
+      </p:grpSpPr>
+      <p:sp>
+        <p:nvSpPr>
+          <p:cNvPr id="2" name="Espace réservé de l'image des diapositives 1"/>
+          <p:cNvSpPr>
+            <a:spLocks noGrp="1" noRot="1" noChangeAspect="1"/>
+          </p:cNvSpPr>
+          <p:nvPr>
+            <p:ph type="sldImg"/>
+          </p:nvPr>
+        </p:nvSpPr>
+        <p:spPr/>
+      </p:sp>
+      <p:sp>
+        <p:nvSpPr>
+          <p:cNvPr id="3" name="Espace réservé des notes 2"/>
+          <p:cNvSpPr>
+            <a:spLocks noGrp="1"/>
+          </p:cNvSpPr>
+          <p:nvPr>
+            <p:ph type="body" idx="1"/>
+          </p:nvPr>
+        </p:nvSpPr>
+        <p:spPr/>
+        <p:txBody>
+          <a:bodyPr/>
+          <a:lstStyle/>
+          <a:p>
+            <a:endParaRPr lang="fr-FR" dirty="0"/>
+          </a:p>
+        </p:txBody>
+      </p:sp>
+      <p:sp>
+        <p:nvSpPr>
+          <p:cNvPr id="4" name="Espace réservé du numéro de diapositive 3"/>
+          <p:cNvSpPr>
+            <a:spLocks noGrp="1"/>
+          </p:cNvSpPr>
+          <p:nvPr>
+            <p:ph type="sldNum" sz="quarter" idx="5"/>
+          </p:nvPr>
+        </p:nvSpPr>
+        <p:spPr/>
+        <p:txBody>
+          <a:bodyPr/>
+          <a:lstStyle/>
+          <a:p>
+            <a:fld id="{4C7EF9AC-3BAF-43D8-A225-8BB59E7B2206}" type="slidenum">
+              <a:rPr lang="fr-FR" smtClean="0"/>
+              <a:t>5</a:t>
             </a:fld>
             <a:endParaRPr lang="fr-FR"/>
           </a:p>
@@ -6830,7 +6935,7 @@
           <a:p>
             <a:fld id="{638941B0-F4D5-4460-BCAD-F7E2B41A8257}" type="datetimeFigureOut">
               <a:rPr lang="de-DE" smtClean="0"/>
-              <a:t>26.02.2020</a:t>
+              <a:t>12.03.2020</a:t>
             </a:fld>
             <a:endParaRPr lang="de-DE"/>
           </a:p>
@@ -7889,7 +7994,7 @@
                 </a:solidFill>
                 <a:latin typeface="Calibri"/>
               </a:rPr>
-              <a:t>26/02/2020</a:t>
+              <a:t>12/03/2020</a:t>
             </a:fld>
             <a:endParaRPr lang="fr-FR" sz="1200" b="0" strike="noStrike" spc="-1">
               <a:latin typeface="Times New Roman"/>
@@ -10645,6 +10750,894 @@
               </a:lnSpc>
             </a:pPr>
             <a:r>
+              <a:rPr lang="fr-FR" sz="2800" b="1" spc="-1" dirty="0">
+                <a:solidFill>
+                  <a:srgbClr val="FFFFFF"/>
+                </a:solidFill>
+                <a:latin typeface="Calibri"/>
+              </a:rPr>
+              <a:t>1</a:t>
+            </a:r>
+            <a:r>
+              <a:rPr lang="fr-FR" sz="2800" b="1" strike="noStrike" spc="-1" dirty="0">
+                <a:solidFill>
+                  <a:srgbClr val="FFFFFF"/>
+                </a:solidFill>
+                <a:latin typeface="Calibri"/>
+              </a:rPr>
+              <a:t>) </a:t>
+            </a:r>
+            <a:r>
+              <a:rPr lang="fr-FR" sz="2800" dirty="0">
+                <a:solidFill>
+                  <a:schemeClr val="bg1"/>
+                </a:solidFill>
+              </a:rPr>
+              <a:t>Tâches associées au livrable </a:t>
+            </a:r>
+            <a:endParaRPr lang="fr-FR" sz="2800" b="0" strike="noStrike" spc="-1" dirty="0">
+              <a:solidFill>
+                <a:schemeClr val="bg1"/>
+              </a:solidFill>
+              <a:latin typeface="Arial"/>
+            </a:endParaRPr>
+          </a:p>
+        </p:txBody>
+      </p:sp>
+      <p:grpSp>
+        <p:nvGrpSpPr>
+          <p:cNvPr id="65" name="Group 12"/>
+          <p:cNvGrpSpPr/>
+          <p:nvPr/>
+        </p:nvGrpSpPr>
+        <p:grpSpPr>
+          <a:xfrm>
+            <a:off x="0" y="0"/>
+            <a:ext cx="36000" cy="36000"/>
+            <a:chOff x="0" y="0"/>
+            <a:chExt cx="36000" cy="36000"/>
+          </a:xfrm>
+        </p:grpSpPr>
+      </p:grpSp>
+      <p:graphicFrame>
+        <p:nvGraphicFramePr>
+          <p:cNvPr id="4" name="Tableau 3">
+            <a:extLst>
+              <a:ext uri="{FF2B5EF4-FFF2-40B4-BE49-F238E27FC236}">
+                <a16:creationId xmlns:a16="http://schemas.microsoft.com/office/drawing/2014/main" id="{D3CF8B1E-04E1-4C75-9BA9-47AF386F569A}"/>
+              </a:ext>
+            </a:extLst>
+          </p:cNvPr>
+          <p:cNvGraphicFramePr>
+            <a:graphicFrameLocks noGrp="1"/>
+          </p:cNvGraphicFramePr>
+          <p:nvPr>
+            <p:extLst>
+              <p:ext uri="{D42A27DB-BD31-4B8C-83A1-F6EECF244321}">
+                <p14:modId xmlns:p14="http://schemas.microsoft.com/office/powerpoint/2010/main" val="3559269985"/>
+              </p:ext>
+            </p:extLst>
+          </p:nvPr>
+        </p:nvGraphicFramePr>
+        <p:xfrm>
+          <a:off x="2669628" y="1374228"/>
+          <a:ext cx="6852744" cy="4109544"/>
+        </p:xfrm>
+        <a:graphic>
+          <a:graphicData uri="http://schemas.openxmlformats.org/drawingml/2006/table">
+            <a:tbl>
+              <a:tblPr firstRow="1" firstCol="1" bandRow="1">
+                <a:tableStyleId>{5C22544A-7EE6-4342-B048-85BDC9FD1C3A}</a:tableStyleId>
+              </a:tblPr>
+              <a:tblGrid>
+                <a:gridCol w="2283744">
+                  <a:extLst>
+                    <a:ext uri="{9D8B030D-6E8A-4147-A177-3AD203B41FA5}">
+                      <a16:colId xmlns:a16="http://schemas.microsoft.com/office/drawing/2014/main" val="927732467"/>
+                    </a:ext>
+                  </a:extLst>
+                </a:gridCol>
+                <a:gridCol w="2284500">
+                  <a:extLst>
+                    <a:ext uri="{9D8B030D-6E8A-4147-A177-3AD203B41FA5}">
+                      <a16:colId xmlns:a16="http://schemas.microsoft.com/office/drawing/2014/main" val="2189878750"/>
+                    </a:ext>
+                  </a:extLst>
+                </a:gridCol>
+                <a:gridCol w="2284500">
+                  <a:extLst>
+                    <a:ext uri="{9D8B030D-6E8A-4147-A177-3AD203B41FA5}">
+                      <a16:colId xmlns:a16="http://schemas.microsoft.com/office/drawing/2014/main" val="3337891212"/>
+                    </a:ext>
+                  </a:extLst>
+                </a:gridCol>
+              </a:tblGrid>
+              <a:tr h="209296">
+                <a:tc>
+                  <a:txBody>
+                    <a:bodyPr/>
+                    <a:lstStyle/>
+                    <a:p>
+                      <a:pPr algn="ctr">
+                        <a:lnSpc>
+                          <a:spcPct val="107000"/>
+                        </a:lnSpc>
+                        <a:spcAft>
+                          <a:spcPts val="0"/>
+                        </a:spcAft>
+                      </a:pPr>
+                      <a:r>
+                        <a:rPr lang="fr-FR" sz="1100">
+                          <a:effectLst/>
+                        </a:rPr>
+                        <a:t>Tâches</a:t>
+                      </a:r>
+                      <a:endParaRPr lang="fr-FR" sz="1100">
+                        <a:effectLst/>
+                        <a:latin typeface="Calibri" panose="020F0502020204030204" pitchFamily="34" charset="0"/>
+                        <a:ea typeface="Calibri" panose="020F0502020204030204" pitchFamily="34" charset="0"/>
+                        <a:cs typeface="Times New Roman" panose="02020603050405020304" pitchFamily="18" charset="0"/>
+                      </a:endParaRPr>
+                    </a:p>
+                  </a:txBody>
+                  <a:tcPr marL="68580" marR="68580" marT="0" marB="0"/>
+                </a:tc>
+                <a:tc>
+                  <a:txBody>
+                    <a:bodyPr/>
+                    <a:lstStyle/>
+                    <a:p>
+                      <a:pPr algn="ctr">
+                        <a:lnSpc>
+                          <a:spcPct val="107000"/>
+                        </a:lnSpc>
+                        <a:spcAft>
+                          <a:spcPts val="0"/>
+                        </a:spcAft>
+                      </a:pPr>
+                      <a:r>
+                        <a:rPr lang="fr-FR" sz="1100">
+                          <a:effectLst/>
+                        </a:rPr>
+                        <a:t>Entrant</a:t>
+                      </a:r>
+                      <a:endParaRPr lang="fr-FR" sz="1100">
+                        <a:effectLst/>
+                        <a:latin typeface="Calibri" panose="020F0502020204030204" pitchFamily="34" charset="0"/>
+                        <a:ea typeface="Calibri" panose="020F0502020204030204" pitchFamily="34" charset="0"/>
+                        <a:cs typeface="Times New Roman" panose="02020603050405020304" pitchFamily="18" charset="0"/>
+                      </a:endParaRPr>
+                    </a:p>
+                  </a:txBody>
+                  <a:tcPr marL="68580" marR="68580" marT="0" marB="0"/>
+                </a:tc>
+                <a:tc>
+                  <a:txBody>
+                    <a:bodyPr/>
+                    <a:lstStyle/>
+                    <a:p>
+                      <a:pPr algn="ctr">
+                        <a:lnSpc>
+                          <a:spcPct val="107000"/>
+                        </a:lnSpc>
+                        <a:spcAft>
+                          <a:spcPts val="0"/>
+                        </a:spcAft>
+                      </a:pPr>
+                      <a:r>
+                        <a:rPr lang="fr-FR" sz="1100">
+                          <a:effectLst/>
+                        </a:rPr>
+                        <a:t>Extrant</a:t>
+                      </a:r>
+                      <a:endParaRPr lang="fr-FR" sz="1100">
+                        <a:effectLst/>
+                        <a:latin typeface="Calibri" panose="020F0502020204030204" pitchFamily="34" charset="0"/>
+                        <a:ea typeface="Calibri" panose="020F0502020204030204" pitchFamily="34" charset="0"/>
+                        <a:cs typeface="Times New Roman" panose="02020603050405020304" pitchFamily="18" charset="0"/>
+                      </a:endParaRPr>
+                    </a:p>
+                  </a:txBody>
+                  <a:tcPr marL="68580" marR="68580" marT="0" marB="0"/>
+                </a:tc>
+                <a:extLst>
+                  <a:ext uri="{0D108BD9-81ED-4DB2-BD59-A6C34878D82A}">
+                    <a16:rowId xmlns:a16="http://schemas.microsoft.com/office/drawing/2014/main" val="1529762202"/>
+                  </a:ext>
+                </a:extLst>
+              </a:tr>
+              <a:tr h="429668">
+                <a:tc>
+                  <a:txBody>
+                    <a:bodyPr/>
+                    <a:lstStyle/>
+                    <a:p>
+                      <a:pPr algn="ctr">
+                        <a:lnSpc>
+                          <a:spcPct val="107000"/>
+                        </a:lnSpc>
+                        <a:spcAft>
+                          <a:spcPts val="0"/>
+                        </a:spcAft>
+                      </a:pPr>
+                      <a:r>
+                        <a:rPr lang="fr-FR" sz="1100">
+                          <a:effectLst/>
+                        </a:rPr>
+                        <a:t>Budget Prévisionnel</a:t>
+                      </a:r>
+                      <a:endParaRPr lang="fr-FR" sz="1100">
+                        <a:effectLst/>
+                        <a:latin typeface="Calibri" panose="020F0502020204030204" pitchFamily="34" charset="0"/>
+                        <a:ea typeface="Calibri" panose="020F0502020204030204" pitchFamily="34" charset="0"/>
+                        <a:cs typeface="Times New Roman" panose="02020603050405020304" pitchFamily="18" charset="0"/>
+                      </a:endParaRPr>
+                    </a:p>
+                  </a:txBody>
+                  <a:tcPr marL="68580" marR="68580" marT="0" marB="0"/>
+                </a:tc>
+                <a:tc>
+                  <a:txBody>
+                    <a:bodyPr/>
+                    <a:lstStyle/>
+                    <a:p>
+                      <a:pPr algn="ctr">
+                        <a:lnSpc>
+                          <a:spcPct val="107000"/>
+                        </a:lnSpc>
+                        <a:spcAft>
+                          <a:spcPts val="0"/>
+                        </a:spcAft>
+                      </a:pPr>
+                      <a:r>
+                        <a:rPr lang="fr-FR" sz="1100">
+                          <a:effectLst/>
+                        </a:rPr>
+                        <a:t>Budget livrable 1, planification des tâches</a:t>
+                      </a:r>
+                      <a:endParaRPr lang="fr-FR" sz="1100">
+                        <a:effectLst/>
+                        <a:latin typeface="Calibri" panose="020F0502020204030204" pitchFamily="34" charset="0"/>
+                        <a:ea typeface="Calibri" panose="020F0502020204030204" pitchFamily="34" charset="0"/>
+                        <a:cs typeface="Times New Roman" panose="02020603050405020304" pitchFamily="18" charset="0"/>
+                      </a:endParaRPr>
+                    </a:p>
+                  </a:txBody>
+                  <a:tcPr marL="68580" marR="68580" marT="0" marB="0"/>
+                </a:tc>
+                <a:tc>
+                  <a:txBody>
+                    <a:bodyPr/>
+                    <a:lstStyle/>
+                    <a:p>
+                      <a:pPr algn="ctr">
+                        <a:lnSpc>
+                          <a:spcPct val="107000"/>
+                        </a:lnSpc>
+                        <a:spcAft>
+                          <a:spcPts val="0"/>
+                        </a:spcAft>
+                      </a:pPr>
+                      <a:r>
+                        <a:rPr lang="fr-FR" sz="1100">
+                          <a:effectLst/>
+                        </a:rPr>
+                        <a:t>Budget Livrable 3</a:t>
+                      </a:r>
+                      <a:endParaRPr lang="fr-FR" sz="1100">
+                        <a:effectLst/>
+                        <a:latin typeface="Calibri" panose="020F0502020204030204" pitchFamily="34" charset="0"/>
+                        <a:ea typeface="Calibri" panose="020F0502020204030204" pitchFamily="34" charset="0"/>
+                        <a:cs typeface="Times New Roman" panose="02020603050405020304" pitchFamily="18" charset="0"/>
+                      </a:endParaRPr>
+                    </a:p>
+                  </a:txBody>
+                  <a:tcPr marL="68580" marR="68580" marT="0" marB="0"/>
+                </a:tc>
+                <a:extLst>
+                  <a:ext uri="{0D108BD9-81ED-4DB2-BD59-A6C34878D82A}">
+                    <a16:rowId xmlns:a16="http://schemas.microsoft.com/office/drawing/2014/main" val="596095052"/>
+                  </a:ext>
+                </a:extLst>
+              </a:tr>
+              <a:tr h="1090788">
+                <a:tc>
+                  <a:txBody>
+                    <a:bodyPr/>
+                    <a:lstStyle/>
+                    <a:p>
+                      <a:pPr algn="ctr">
+                        <a:lnSpc>
+                          <a:spcPct val="107000"/>
+                        </a:lnSpc>
+                        <a:spcAft>
+                          <a:spcPts val="0"/>
+                        </a:spcAft>
+                      </a:pPr>
+                      <a:r>
+                        <a:rPr lang="fr-FR" sz="1100">
+                          <a:effectLst/>
+                        </a:rPr>
+                        <a:t>Politique de sécurisation de l’application</a:t>
+                      </a:r>
+                      <a:endParaRPr lang="fr-FR" sz="1100">
+                        <a:effectLst/>
+                        <a:latin typeface="Calibri" panose="020F0502020204030204" pitchFamily="34" charset="0"/>
+                        <a:ea typeface="Calibri" panose="020F0502020204030204" pitchFamily="34" charset="0"/>
+                        <a:cs typeface="Times New Roman" panose="02020603050405020304" pitchFamily="18" charset="0"/>
+                      </a:endParaRPr>
+                    </a:p>
+                  </a:txBody>
+                  <a:tcPr marL="68580" marR="68580" marT="0" marB="0"/>
+                </a:tc>
+                <a:tc>
+                  <a:txBody>
+                    <a:bodyPr/>
+                    <a:lstStyle/>
+                    <a:p>
+                      <a:pPr algn="ctr">
+                        <a:lnSpc>
+                          <a:spcPct val="107000"/>
+                        </a:lnSpc>
+                        <a:spcAft>
+                          <a:spcPts val="0"/>
+                        </a:spcAft>
+                      </a:pPr>
+                      <a:r>
+                        <a:rPr lang="fr-FR" sz="1100" dirty="0">
+                          <a:effectLst/>
+                        </a:rPr>
+                        <a:t>Définition de l’environnement de développement de l’application, contrôles des saisies et des données</a:t>
+                      </a:r>
+                      <a:endParaRPr lang="fr-FR" sz="1100" dirty="0">
+                        <a:effectLst/>
+                        <a:latin typeface="Calibri" panose="020F0502020204030204" pitchFamily="34" charset="0"/>
+                        <a:ea typeface="Calibri" panose="020F0502020204030204" pitchFamily="34" charset="0"/>
+                        <a:cs typeface="Times New Roman" panose="02020603050405020304" pitchFamily="18" charset="0"/>
+                      </a:endParaRPr>
+                    </a:p>
+                  </a:txBody>
+                  <a:tcPr marL="68580" marR="68580" marT="0" marB="0"/>
+                </a:tc>
+                <a:tc>
+                  <a:txBody>
+                    <a:bodyPr/>
+                    <a:lstStyle/>
+                    <a:p>
+                      <a:pPr algn="ctr">
+                        <a:lnSpc>
+                          <a:spcPct val="107000"/>
+                        </a:lnSpc>
+                        <a:spcAft>
+                          <a:spcPts val="0"/>
+                        </a:spcAft>
+                      </a:pPr>
+                      <a:r>
+                        <a:rPr lang="fr-FR" sz="1100">
+                          <a:effectLst/>
+                        </a:rPr>
+                        <a:t>Plan des actions à mettre en place afin de sécuriser les données</a:t>
+                      </a:r>
+                      <a:endParaRPr lang="fr-FR" sz="1100">
+                        <a:effectLst/>
+                        <a:latin typeface="Calibri" panose="020F0502020204030204" pitchFamily="34" charset="0"/>
+                        <a:ea typeface="Calibri" panose="020F0502020204030204" pitchFamily="34" charset="0"/>
+                        <a:cs typeface="Times New Roman" panose="02020603050405020304" pitchFamily="18" charset="0"/>
+                      </a:endParaRPr>
+                    </a:p>
+                  </a:txBody>
+                  <a:tcPr marL="68580" marR="68580" marT="0" marB="0"/>
+                </a:tc>
+                <a:extLst>
+                  <a:ext uri="{0D108BD9-81ED-4DB2-BD59-A6C34878D82A}">
+                    <a16:rowId xmlns:a16="http://schemas.microsoft.com/office/drawing/2014/main" val="357511165"/>
+                  </a:ext>
+                </a:extLst>
+              </a:tr>
+              <a:tr h="429668">
+                <a:tc>
+                  <a:txBody>
+                    <a:bodyPr/>
+                    <a:lstStyle/>
+                    <a:p>
+                      <a:pPr algn="ctr">
+                        <a:lnSpc>
+                          <a:spcPct val="107000"/>
+                        </a:lnSpc>
+                        <a:spcAft>
+                          <a:spcPts val="0"/>
+                        </a:spcAft>
+                      </a:pPr>
+                      <a:r>
+                        <a:rPr lang="fr-FR" sz="1100">
+                          <a:effectLst/>
+                        </a:rPr>
+                        <a:t>Plan de gestion des risques</a:t>
+                      </a:r>
+                      <a:endParaRPr lang="fr-FR" sz="1100">
+                        <a:effectLst/>
+                        <a:latin typeface="Calibri" panose="020F0502020204030204" pitchFamily="34" charset="0"/>
+                        <a:ea typeface="Calibri" panose="020F0502020204030204" pitchFamily="34" charset="0"/>
+                        <a:cs typeface="Times New Roman" panose="02020603050405020304" pitchFamily="18" charset="0"/>
+                      </a:endParaRPr>
+                    </a:p>
+                  </a:txBody>
+                  <a:tcPr marL="68580" marR="68580" marT="0" marB="0"/>
+                </a:tc>
+                <a:tc>
+                  <a:txBody>
+                    <a:bodyPr/>
+                    <a:lstStyle/>
+                    <a:p>
+                      <a:pPr algn="ctr">
+                        <a:lnSpc>
+                          <a:spcPct val="107000"/>
+                        </a:lnSpc>
+                        <a:spcAft>
+                          <a:spcPts val="0"/>
+                        </a:spcAft>
+                      </a:pPr>
+                      <a:r>
+                        <a:rPr lang="fr-FR" sz="1100">
+                          <a:effectLst/>
+                        </a:rPr>
+                        <a:t> </a:t>
+                      </a:r>
+                      <a:endParaRPr lang="fr-FR" sz="1100">
+                        <a:effectLst/>
+                        <a:latin typeface="Calibri" panose="020F0502020204030204" pitchFamily="34" charset="0"/>
+                        <a:ea typeface="Calibri" panose="020F0502020204030204" pitchFamily="34" charset="0"/>
+                        <a:cs typeface="Times New Roman" panose="02020603050405020304" pitchFamily="18" charset="0"/>
+                      </a:endParaRPr>
+                    </a:p>
+                  </a:txBody>
+                  <a:tcPr marL="68580" marR="68580" marT="0" marB="0"/>
+                </a:tc>
+                <a:tc>
+                  <a:txBody>
+                    <a:bodyPr/>
+                    <a:lstStyle/>
+                    <a:p>
+                      <a:pPr algn="ctr">
+                        <a:lnSpc>
+                          <a:spcPct val="107000"/>
+                        </a:lnSpc>
+                        <a:spcAft>
+                          <a:spcPts val="0"/>
+                        </a:spcAft>
+                      </a:pPr>
+                      <a:r>
+                        <a:rPr lang="fr-FR" sz="1100">
+                          <a:effectLst/>
+                        </a:rPr>
+                        <a:t>Plan de gestion des risques</a:t>
+                      </a:r>
+                      <a:endParaRPr lang="fr-FR" sz="1100">
+                        <a:effectLst/>
+                        <a:latin typeface="Calibri" panose="020F0502020204030204" pitchFamily="34" charset="0"/>
+                        <a:ea typeface="Calibri" panose="020F0502020204030204" pitchFamily="34" charset="0"/>
+                        <a:cs typeface="Times New Roman" panose="02020603050405020304" pitchFamily="18" charset="0"/>
+                      </a:endParaRPr>
+                    </a:p>
+                  </a:txBody>
+                  <a:tcPr marL="68580" marR="68580" marT="0" marB="0"/>
+                </a:tc>
+                <a:extLst>
+                  <a:ext uri="{0D108BD9-81ED-4DB2-BD59-A6C34878D82A}">
+                    <a16:rowId xmlns:a16="http://schemas.microsoft.com/office/drawing/2014/main" val="3518635195"/>
+                  </a:ext>
+                </a:extLst>
+              </a:tr>
+              <a:tr h="870414">
+                <a:tc>
+                  <a:txBody>
+                    <a:bodyPr/>
+                    <a:lstStyle/>
+                    <a:p>
+                      <a:pPr algn="ctr">
+                        <a:lnSpc>
+                          <a:spcPct val="107000"/>
+                        </a:lnSpc>
+                        <a:spcAft>
+                          <a:spcPts val="0"/>
+                        </a:spcAft>
+                      </a:pPr>
+                      <a:r>
+                        <a:rPr lang="fr-FR" sz="1100">
+                          <a:effectLst/>
+                        </a:rPr>
+                        <a:t>Réalisation du boilerplate</a:t>
+                      </a:r>
+                      <a:endParaRPr lang="fr-FR" sz="1100">
+                        <a:effectLst/>
+                        <a:latin typeface="Calibri" panose="020F0502020204030204" pitchFamily="34" charset="0"/>
+                        <a:ea typeface="Calibri" panose="020F0502020204030204" pitchFamily="34" charset="0"/>
+                        <a:cs typeface="Times New Roman" panose="02020603050405020304" pitchFamily="18" charset="0"/>
+                      </a:endParaRPr>
+                    </a:p>
+                  </a:txBody>
+                  <a:tcPr marL="68580" marR="68580" marT="0" marB="0"/>
+                </a:tc>
+                <a:tc>
+                  <a:txBody>
+                    <a:bodyPr/>
+                    <a:lstStyle/>
+                    <a:p>
+                      <a:pPr algn="ctr">
+                        <a:lnSpc>
+                          <a:spcPct val="107000"/>
+                        </a:lnSpc>
+                        <a:spcAft>
+                          <a:spcPts val="0"/>
+                        </a:spcAft>
+                      </a:pPr>
+                      <a:r>
+                        <a:rPr lang="fr-FR" sz="1100">
+                          <a:effectLst/>
+                        </a:rPr>
+                        <a:t>Définition de l’environnement de développement de l’application, PBS</a:t>
+                      </a:r>
+                      <a:endParaRPr lang="fr-FR" sz="1100">
+                        <a:effectLst/>
+                        <a:latin typeface="Calibri" panose="020F0502020204030204" pitchFamily="34" charset="0"/>
+                        <a:ea typeface="Calibri" panose="020F0502020204030204" pitchFamily="34" charset="0"/>
+                        <a:cs typeface="Times New Roman" panose="02020603050405020304" pitchFamily="18" charset="0"/>
+                      </a:endParaRPr>
+                    </a:p>
+                  </a:txBody>
+                  <a:tcPr marL="68580" marR="68580" marT="0" marB="0"/>
+                </a:tc>
+                <a:tc>
+                  <a:txBody>
+                    <a:bodyPr/>
+                    <a:lstStyle/>
+                    <a:p>
+                      <a:pPr algn="ctr">
+                        <a:lnSpc>
+                          <a:spcPct val="107000"/>
+                        </a:lnSpc>
+                        <a:spcAft>
+                          <a:spcPts val="0"/>
+                        </a:spcAft>
+                      </a:pPr>
+                      <a:r>
+                        <a:rPr lang="fr-FR" sz="1100">
+                          <a:effectLst/>
+                        </a:rPr>
+                        <a:t>Architecture du site</a:t>
+                      </a:r>
+                      <a:endParaRPr lang="fr-FR" sz="1100">
+                        <a:effectLst/>
+                        <a:latin typeface="Calibri" panose="020F0502020204030204" pitchFamily="34" charset="0"/>
+                        <a:ea typeface="Calibri" panose="020F0502020204030204" pitchFamily="34" charset="0"/>
+                        <a:cs typeface="Times New Roman" panose="02020603050405020304" pitchFamily="18" charset="0"/>
+                      </a:endParaRPr>
+                    </a:p>
+                  </a:txBody>
+                  <a:tcPr marL="68580" marR="68580" marT="0" marB="0"/>
+                </a:tc>
+                <a:extLst>
+                  <a:ext uri="{0D108BD9-81ED-4DB2-BD59-A6C34878D82A}">
+                    <a16:rowId xmlns:a16="http://schemas.microsoft.com/office/drawing/2014/main" val="1471780209"/>
+                  </a:ext>
+                </a:extLst>
+              </a:tr>
+              <a:tr h="429668">
+                <a:tc>
+                  <a:txBody>
+                    <a:bodyPr/>
+                    <a:lstStyle/>
+                    <a:p>
+                      <a:pPr algn="ctr">
+                        <a:lnSpc>
+                          <a:spcPct val="107000"/>
+                        </a:lnSpc>
+                        <a:spcAft>
+                          <a:spcPts val="0"/>
+                        </a:spcAft>
+                      </a:pPr>
+                      <a:r>
+                        <a:rPr lang="fr-FR" sz="1100">
+                          <a:effectLst/>
+                        </a:rPr>
+                        <a:t>Réalisation du script de base de données</a:t>
+                      </a:r>
+                      <a:endParaRPr lang="fr-FR" sz="1100">
+                        <a:effectLst/>
+                        <a:latin typeface="Calibri" panose="020F0502020204030204" pitchFamily="34" charset="0"/>
+                        <a:ea typeface="Calibri" panose="020F0502020204030204" pitchFamily="34" charset="0"/>
+                        <a:cs typeface="Times New Roman" panose="02020603050405020304" pitchFamily="18" charset="0"/>
+                      </a:endParaRPr>
+                    </a:p>
+                  </a:txBody>
+                  <a:tcPr marL="68580" marR="68580" marT="0" marB="0"/>
+                </a:tc>
+                <a:tc>
+                  <a:txBody>
+                    <a:bodyPr/>
+                    <a:lstStyle/>
+                    <a:p>
+                      <a:pPr algn="ctr">
+                        <a:lnSpc>
+                          <a:spcPct val="107000"/>
+                        </a:lnSpc>
+                        <a:spcAft>
+                          <a:spcPts val="0"/>
+                        </a:spcAft>
+                      </a:pPr>
+                      <a:r>
+                        <a:rPr lang="fr-FR" sz="1100">
+                          <a:effectLst/>
+                        </a:rPr>
+                        <a:t>MCD</a:t>
+                      </a:r>
+                      <a:endParaRPr lang="fr-FR" sz="1100">
+                        <a:effectLst/>
+                        <a:latin typeface="Calibri" panose="020F0502020204030204" pitchFamily="34" charset="0"/>
+                        <a:ea typeface="Calibri" panose="020F0502020204030204" pitchFamily="34" charset="0"/>
+                        <a:cs typeface="Times New Roman" panose="02020603050405020304" pitchFamily="18" charset="0"/>
+                      </a:endParaRPr>
+                    </a:p>
+                  </a:txBody>
+                  <a:tcPr marL="68580" marR="68580" marT="0" marB="0"/>
+                </a:tc>
+                <a:tc>
+                  <a:txBody>
+                    <a:bodyPr/>
+                    <a:lstStyle/>
+                    <a:p>
+                      <a:pPr algn="ctr">
+                        <a:lnSpc>
+                          <a:spcPct val="107000"/>
+                        </a:lnSpc>
+                        <a:spcAft>
+                          <a:spcPts val="0"/>
+                        </a:spcAft>
+                      </a:pPr>
+                      <a:r>
+                        <a:rPr lang="fr-FR" sz="1100">
+                          <a:effectLst/>
+                        </a:rPr>
+                        <a:t>Base de données fonctionnel</a:t>
+                      </a:r>
+                      <a:endParaRPr lang="fr-FR" sz="1100">
+                        <a:effectLst/>
+                        <a:latin typeface="Calibri" panose="020F0502020204030204" pitchFamily="34" charset="0"/>
+                        <a:ea typeface="Calibri" panose="020F0502020204030204" pitchFamily="34" charset="0"/>
+                        <a:cs typeface="Times New Roman" panose="02020603050405020304" pitchFamily="18" charset="0"/>
+                      </a:endParaRPr>
+                    </a:p>
+                  </a:txBody>
+                  <a:tcPr marL="68580" marR="68580" marT="0" marB="0"/>
+                </a:tc>
+                <a:extLst>
+                  <a:ext uri="{0D108BD9-81ED-4DB2-BD59-A6C34878D82A}">
+                    <a16:rowId xmlns:a16="http://schemas.microsoft.com/office/drawing/2014/main" val="259139599"/>
+                  </a:ext>
+                </a:extLst>
+              </a:tr>
+              <a:tr h="650042">
+                <a:tc>
+                  <a:txBody>
+                    <a:bodyPr/>
+                    <a:lstStyle/>
+                    <a:p>
+                      <a:pPr algn="ctr">
+                        <a:lnSpc>
+                          <a:spcPct val="107000"/>
+                        </a:lnSpc>
+                        <a:spcAft>
+                          <a:spcPts val="0"/>
+                        </a:spcAft>
+                      </a:pPr>
+                      <a:r>
+                        <a:rPr lang="fr-FR" sz="1100">
+                          <a:effectLst/>
+                        </a:rPr>
+                        <a:t>Réalisation du module « devis »</a:t>
+                      </a:r>
+                      <a:endParaRPr lang="fr-FR" sz="1100">
+                        <a:effectLst/>
+                        <a:latin typeface="Calibri" panose="020F0502020204030204" pitchFamily="34" charset="0"/>
+                        <a:ea typeface="Calibri" panose="020F0502020204030204" pitchFamily="34" charset="0"/>
+                        <a:cs typeface="Times New Roman" panose="02020603050405020304" pitchFamily="18" charset="0"/>
+                      </a:endParaRPr>
+                    </a:p>
+                  </a:txBody>
+                  <a:tcPr marL="68580" marR="68580" marT="0" marB="0"/>
+                </a:tc>
+                <a:tc>
+                  <a:txBody>
+                    <a:bodyPr/>
+                    <a:lstStyle/>
+                    <a:p>
+                      <a:pPr algn="ctr">
+                        <a:lnSpc>
+                          <a:spcPct val="107000"/>
+                        </a:lnSpc>
+                        <a:spcAft>
+                          <a:spcPts val="0"/>
+                        </a:spcAft>
+                      </a:pPr>
+                      <a:r>
+                        <a:rPr lang="fr-FR" sz="1100">
+                          <a:effectLst/>
+                        </a:rPr>
+                        <a:t>Diagramme de séquence, diagramme de classes</a:t>
+                      </a:r>
+                      <a:endParaRPr lang="fr-FR" sz="1100">
+                        <a:effectLst/>
+                        <a:latin typeface="Calibri" panose="020F0502020204030204" pitchFamily="34" charset="0"/>
+                        <a:ea typeface="Calibri" panose="020F0502020204030204" pitchFamily="34" charset="0"/>
+                        <a:cs typeface="Times New Roman" panose="02020603050405020304" pitchFamily="18" charset="0"/>
+                      </a:endParaRPr>
+                    </a:p>
+                  </a:txBody>
+                  <a:tcPr marL="68580" marR="68580" marT="0" marB="0"/>
+                </a:tc>
+                <a:tc>
+                  <a:txBody>
+                    <a:bodyPr/>
+                    <a:lstStyle/>
+                    <a:p>
+                      <a:pPr algn="ctr">
+                        <a:lnSpc>
+                          <a:spcPct val="107000"/>
+                        </a:lnSpc>
+                        <a:spcAft>
+                          <a:spcPts val="0"/>
+                        </a:spcAft>
+                      </a:pPr>
+                      <a:r>
+                        <a:rPr lang="fr-FR" sz="1100" dirty="0">
+                          <a:effectLst/>
+                        </a:rPr>
+                        <a:t>La partie gestion des devis est fonctionnel sur l’application</a:t>
+                      </a:r>
+                      <a:endParaRPr lang="fr-FR" sz="1100" dirty="0">
+                        <a:effectLst/>
+                        <a:latin typeface="Calibri" panose="020F0502020204030204" pitchFamily="34" charset="0"/>
+                        <a:ea typeface="Calibri" panose="020F0502020204030204" pitchFamily="34" charset="0"/>
+                        <a:cs typeface="Times New Roman" panose="02020603050405020304" pitchFamily="18" charset="0"/>
+                      </a:endParaRPr>
+                    </a:p>
+                  </a:txBody>
+                  <a:tcPr marL="68580" marR="68580" marT="0" marB="0"/>
+                </a:tc>
+                <a:extLst>
+                  <a:ext uri="{0D108BD9-81ED-4DB2-BD59-A6C34878D82A}">
+                    <a16:rowId xmlns:a16="http://schemas.microsoft.com/office/drawing/2014/main" val="330863401"/>
+                  </a:ext>
+                </a:extLst>
+              </a:tr>
+            </a:tbl>
+          </a:graphicData>
+        </a:graphic>
+      </p:graphicFrame>
+    </p:spTree>
+    <p:extLst>
+      <p:ext uri="{BB962C8B-B14F-4D97-AF65-F5344CB8AC3E}">
+        <p14:creationId xmlns:p14="http://schemas.microsoft.com/office/powerpoint/2010/main" val="2679796222"/>
+      </p:ext>
+    </p:extLst>
+  </p:cSld>
+  <p:clrMapOvr>
+    <a:masterClrMapping/>
+  </p:clrMapOvr>
+  <p:transition spd="slow">
+    <p:push dir="u"/>
+  </p:transition>
+  <p:timing>
+    <p:tnLst>
+      <p:par>
+        <p:cTn id="1" dur="indefinite" restart="never" nodeType="tmRoot">
+          <p:childTnLst>
+            <p:seq>
+              <p:cTn id="2" dur="indefinite" nodeType="mainSeq"/>
+              <p:prevCondLst>
+                <p:cond evt="onPrev" delay="0">
+                  <p:tgtEl>
+                    <p:sldTgt/>
+                  </p:tgtEl>
+                </p:cond>
+              </p:prevCondLst>
+              <p:nextCondLst>
+                <p:cond evt="onNext" delay="0">
+                  <p:tgtEl>
+                    <p:sldTgt/>
+                  </p:tgtEl>
+                </p:cond>
+              </p:nextCondLst>
+            </p:seq>
+          </p:childTnLst>
+        </p:cTn>
+      </p:par>
+    </p:tnLst>
+  </p:timing>
+</p:sld>
+</file>
+
+<file path=ppt/slides/slide4.xml><?xml version="1.0" encoding="utf-8"?>
+<p:sld xmlns:a="http://schemas.openxmlformats.org/drawingml/2006/main" xmlns:r="http://schemas.openxmlformats.org/officeDocument/2006/relationships" xmlns:p="http://schemas.openxmlformats.org/presentationml/2006/main">
+  <p:cSld>
+    <p:spTree>
+      <p:nvGrpSpPr>
+        <p:cNvPr id="1" name=""/>
+        <p:cNvGrpSpPr/>
+        <p:nvPr/>
+      </p:nvGrpSpPr>
+      <p:grpSpPr>
+        <a:xfrm>
+          <a:off x="0" y="0"/>
+          <a:ext cx="0" cy="0"/>
+          <a:chOff x="0" y="0"/>
+          <a:chExt cx="0" cy="0"/>
+        </a:xfrm>
+      </p:grpSpPr>
+      <p:pic>
+        <p:nvPicPr>
+          <p:cNvPr id="53" name="Picture 2"/>
+          <p:cNvPicPr/>
+          <p:nvPr/>
+        </p:nvPicPr>
+        <p:blipFill>
+          <a:blip r:embed="rId3"/>
+          <a:stretch/>
+        </p:blipFill>
+        <p:spPr>
+          <a:xfrm>
+            <a:off x="0" y="-559325"/>
+            <a:ext cx="12189960" cy="7338497"/>
+          </a:xfrm>
+          <a:prstGeom prst="rect">
+            <a:avLst/>
+          </a:prstGeom>
+          <a:ln>
+            <a:noFill/>
+          </a:ln>
+        </p:spPr>
+      </p:pic>
+      <p:sp>
+        <p:nvSpPr>
+          <p:cNvPr id="54" name="CustomShape 1"/>
+          <p:cNvSpPr/>
+          <p:nvPr/>
+        </p:nvSpPr>
+        <p:spPr>
+          <a:xfrm>
+            <a:off x="80280" y="209880"/>
+            <a:ext cx="6515280" cy="516960"/>
+          </a:xfrm>
+          <a:prstGeom prst="rect">
+            <a:avLst/>
+          </a:prstGeom>
+          <a:noFill/>
+          <a:ln>
+            <a:noFill/>
+          </a:ln>
+        </p:spPr>
+        <p:style>
+          <a:lnRef idx="0">
+            <a:scrgbClr r="0" g="0" b="0"/>
+          </a:lnRef>
+          <a:fillRef idx="0">
+            <a:scrgbClr r="0" g="0" b="0"/>
+          </a:fillRef>
+          <a:effectRef idx="0">
+            <a:scrgbClr r="0" g="0" b="0"/>
+          </a:effectRef>
+          <a:fontRef idx="minor"/>
+        </p:style>
+        <p:txBody>
+          <a:bodyPr lIns="90000" tIns="45000" rIns="90000" bIns="45000"/>
+          <a:lstStyle/>
+          <a:p>
+            <a:pPr>
+              <a:lnSpc>
+                <a:spcPct val="100000"/>
+              </a:lnSpc>
+            </a:pPr>
+            <a:r>
               <a:rPr lang="fr-FR" sz="2800" b="1" strike="noStrike" spc="-1" dirty="0">
                 <a:solidFill>
                   <a:srgbClr val="FFFFFF"/>
@@ -10820,7 +11813,7 @@
 </p:sld>
 </file>
 
-<file path=ppt/slides/slide4.xml><?xml version="1.0" encoding="utf-8"?>
+<file path=ppt/slides/slide5.xml><?xml version="1.0" encoding="utf-8"?>
 <p:sld xmlns:a="http://schemas.openxmlformats.org/drawingml/2006/main" xmlns:r="http://schemas.openxmlformats.org/officeDocument/2006/relationships" xmlns:p="http://schemas.openxmlformats.org/presentationml/2006/main">
   <p:cSld>
     <p:spTree>
